--- a/GypoWinery/GypoWinery.pptx
+++ b/GypoWinery/GypoWinery.pptx
@@ -107,6 +107,11 @@
       </a:defRPr>
     </a:lvl9pPr>
   </p:defaultTextStyle>
+  <p:extLst>
+    <p:ext uri="{EFAFB233-063F-42B5-8137-9DF3F51BA10A}">
+      <p15:sldGuideLst xmlns:p15="http://schemas.microsoft.com/office/powerpoint/2012/main"/>
+    </p:ext>
+  </p:extLst>
 </p:presentation>
 </file>
 
@@ -446,7 +451,7 @@
             <a:fld id="{5923F103-BC34-4FE4-A40E-EDDEECFDA5D0}" type="datetimeFigureOut">
               <a:rPr lang="en-US" dirty="0"/>
               <a:pPr/>
-              <a:t>2/24/2025</a:t>
+              <a:t>3/10/2025</a:t>
             </a:fld>
             <a:endParaRPr lang="en-US" dirty="0"/>
           </a:p>
@@ -1530,7 +1535,7 @@
           <a:p>
             <a:fld id="{923A1CC3-2375-41D4-9E03-427CAF2A4C1A}" type="datetimeFigureOut">
               <a:rPr lang="en-US" dirty="0"/>
-              <a:t>2/24/2025</a:t>
+              <a:t>3/10/2025</a:t>
             </a:fld>
             <a:endParaRPr lang="en-US" dirty="0"/>
           </a:p>
@@ -2506,7 +2511,7 @@
           <a:p>
             <a:fld id="{AFF16868-8199-4C2C-A5B1-63AEE139F88E}" type="datetimeFigureOut">
               <a:rPr lang="en-US" dirty="0"/>
-              <a:t>2/24/2025</a:t>
+              <a:t>3/10/2025</a:t>
             </a:fld>
             <a:endParaRPr lang="en-US" dirty="0"/>
           </a:p>
@@ -3636,7 +3641,7 @@
           <a:p>
             <a:fld id="{AAD9FF7F-6988-44CC-821B-644E70CD2F73}" type="datetimeFigureOut">
               <a:rPr lang="en-US" dirty="0"/>
-              <a:t>2/24/2025</a:t>
+              <a:t>3/10/2025</a:t>
             </a:fld>
             <a:endParaRPr lang="en-US" dirty="0"/>
           </a:p>
@@ -4665,7 +4670,7 @@
           <a:p>
             <a:fld id="{5C12C299-16B2-4475-990D-751901EACC14}" type="datetimeFigureOut">
               <a:rPr lang="en-US" dirty="0"/>
-              <a:t>2/24/2025</a:t>
+              <a:t>3/10/2025</a:t>
             </a:fld>
             <a:endParaRPr lang="en-US" dirty="0"/>
           </a:p>
@@ -5321,7 +5326,7 @@
           <a:p>
             <a:fld id="{9FE86839-B9D8-4651-8783-F325ECE74E65}" type="datetimeFigureOut">
               <a:rPr lang="en-US" dirty="0"/>
-              <a:t>2/24/2025</a:t>
+              <a:t>3/10/2025</a:t>
             </a:fld>
             <a:endParaRPr lang="en-US" dirty="0"/>
           </a:p>
@@ -6178,7 +6183,7 @@
           <a:p>
             <a:fld id="{FD484F64-32F6-45C5-931F-ADC1662401D0}" type="datetimeFigureOut">
               <a:rPr lang="en-US" dirty="0"/>
-              <a:t>2/24/2025</a:t>
+              <a:t>3/10/2025</a:t>
             </a:fld>
             <a:endParaRPr lang="en-US" dirty="0"/>
           </a:p>
@@ -6364,7 +6369,7 @@
           <a:p>
             <a:fld id="{53086D93-FCAC-47E0-A2EE-787E62CA814C}" type="datetimeFigureOut">
               <a:rPr lang="en-US" dirty="0"/>
-              <a:t>2/24/2025</a:t>
+              <a:t>3/10/2025</a:t>
             </a:fld>
             <a:endParaRPr lang="en-US" dirty="0"/>
           </a:p>
@@ -7332,7 +7337,7 @@
           <a:p>
             <a:fld id="{CDA879A6-0FD0-4734-A311-86BFCA472E6E}" type="datetimeFigureOut">
               <a:rPr lang="en-US" dirty="0"/>
-              <a:t>2/24/2025</a:t>
+              <a:t>3/10/2025</a:t>
             </a:fld>
             <a:endParaRPr lang="en-US" dirty="0"/>
           </a:p>
@@ -7539,7 +7544,7 @@
           <a:p>
             <a:fld id="{19C9CA7B-DFD4-44B5-8C60-D14B8CD1FB59}" type="datetimeFigureOut">
               <a:rPr lang="en-US" dirty="0"/>
-              <a:t>2/24/2025</a:t>
+              <a:t>3/10/2025</a:t>
             </a:fld>
             <a:endParaRPr lang="en-US" dirty="0"/>
           </a:p>
@@ -8569,7 +8574,7 @@
           <a:p>
             <a:fld id="{F34E6425-0181-43F2-84FC-787E803FD2F8}" type="datetimeFigureOut">
               <a:rPr lang="en-US" dirty="0"/>
-              <a:t>2/24/2025</a:t>
+              <a:t>3/10/2025</a:t>
             </a:fld>
             <a:endParaRPr lang="en-US" dirty="0"/>
           </a:p>
@@ -8837,7 +8842,7 @@
           <a:p>
             <a:fld id="{3BDB8791-F1B0-41E7-B7FD-A781E65C4266}" type="datetimeFigureOut">
               <a:rPr lang="en-US" dirty="0"/>
-              <a:t>2/24/2025</a:t>
+              <a:t>3/10/2025</a:t>
             </a:fld>
             <a:endParaRPr lang="en-US" dirty="0"/>
           </a:p>
@@ -9243,7 +9248,7 @@
           <a:p>
             <a:fld id="{5FDD63B2-E120-4ED8-B27B-C685F510A5FE}" type="datetimeFigureOut">
               <a:rPr lang="en-US" dirty="0"/>
-              <a:t>2/24/2025</a:t>
+              <a:t>3/10/2025</a:t>
             </a:fld>
             <a:endParaRPr lang="en-US" dirty="0"/>
           </a:p>
@@ -9366,7 +9371,7 @@
           <a:p>
             <a:fld id="{7AA18ACC-A947-437B-A130-35BD54FDF1E9}" type="datetimeFigureOut">
               <a:rPr lang="en-US" dirty="0"/>
-              <a:t>2/24/2025</a:t>
+              <a:t>3/10/2025</a:t>
             </a:fld>
             <a:endParaRPr lang="en-US" dirty="0"/>
           </a:p>
@@ -9457,7 +9462,7 @@
           <a:p>
             <a:fld id="{7C8D7E02-BCB8-4D50-A234-369438C08659}" type="datetimeFigureOut">
               <a:rPr lang="en-US" dirty="0"/>
-              <a:t>2/24/2025</a:t>
+              <a:t>3/10/2025</a:t>
             </a:fld>
             <a:endParaRPr lang="en-US" dirty="0"/>
           </a:p>
@@ -10534,7 +10539,7 @@
           <a:p>
             <a:fld id="{76E86A4C-8E40-4F87-A4F0-01A0687C5742}" type="datetimeFigureOut">
               <a:rPr lang="en-US" dirty="0"/>
-              <a:t>2/24/2025</a:t>
+              <a:t>3/10/2025</a:t>
             </a:fld>
             <a:endParaRPr lang="en-US" dirty="0"/>
           </a:p>
@@ -11638,7 +11643,7 @@
           <a:p>
             <a:fld id="{35E72C73-2D91-4E12-BA25-F0AA0C03599B}" type="datetimeFigureOut">
               <a:rPr lang="en-US" dirty="0"/>
-              <a:t>2/24/2025</a:t>
+              <a:t>3/10/2025</a:t>
             </a:fld>
             <a:endParaRPr lang="en-US" dirty="0"/>
           </a:p>
@@ -12631,7 +12636,7 @@
           <a:p>
             <a:fld id="{2BE451C3-0FF4-47C4-B829-773ADF60F88C}" type="datetimeFigureOut">
               <a:rPr lang="en-US" dirty="0"/>
-              <a:t>2/24/2025</a:t>
+              <a:t>3/10/2025</a:t>
             </a:fld>
             <a:endParaRPr lang="en-US" dirty="0"/>
           </a:p>
@@ -13287,7 +13292,7 @@
           <p:cNvPr id="2" name="Cím 1">
             <a:extLst>
               <a:ext uri="{FF2B5EF4-FFF2-40B4-BE49-F238E27FC236}">
-                <a16:creationId xmlns:a16="http://schemas.microsoft.com/office/drawing/2014/main" id="{433F915C-A8DF-460F-BD43-546217ECF38D}"/>
+                <a16:creationId xmlns:a16="http://schemas.microsoft.com/office/drawing/2014/main" id="{EBE11E93-47B5-4460-91B8-6707FAE82FC2}"/>
               </a:ext>
             </a:extLst>
           </p:cNvPr>
@@ -13305,17 +13310,17 @@
           <a:p>
             <a:r>
               <a:rPr lang="hu-HU" dirty="0"/>
-              <a:t>Honnan indultunk</a:t>
+              <a:t>Miért  készítettük ezt a weboldalt</a:t>
             </a:r>
           </a:p>
         </p:txBody>
       </p:sp>
       <p:sp>
         <p:nvSpPr>
-          <p:cNvPr id="3" name="Tartalom helye 2">
+          <p:cNvPr id="3" name="Szöveg helye 2">
             <a:extLst>
               <a:ext uri="{FF2B5EF4-FFF2-40B4-BE49-F238E27FC236}">
-                <a16:creationId xmlns:a16="http://schemas.microsoft.com/office/drawing/2014/main" id="{6CB18FED-38E1-4915-A063-E88EEEB9155E}"/>
+                <a16:creationId xmlns:a16="http://schemas.microsoft.com/office/drawing/2014/main" id="{C32949BE-F8E2-4B12-9668-E4A79619A6AE}"/>
               </a:ext>
             </a:extLst>
           </p:cNvPr>
@@ -13323,7 +13328,7 @@
             <a:spLocks noGrp="1"/>
           </p:cNvSpPr>
           <p:nvPr>
-            <p:ph idx="1"/>
+            <p:ph type="body" idx="1"/>
           </p:nvPr>
         </p:nvSpPr>
         <p:spPr/>
@@ -13331,17 +13336,195 @@
           <a:bodyPr/>
           <a:lstStyle/>
           <a:p>
-            <a:pPr marL="0" indent="0">
-              <a:buNone/>
-            </a:pPr>
-            <a:endParaRPr lang="hu-HU" dirty="0"/>
+            <a:r>
+              <a:rPr lang="hu-HU" dirty="0"/>
+              <a:t>Probléma</a:t>
+            </a:r>
+          </a:p>
+        </p:txBody>
+      </p:sp>
+      <p:sp>
+        <p:nvSpPr>
+          <p:cNvPr id="4" name="Tartalom helye 3">
+            <a:extLst>
+              <a:ext uri="{FF2B5EF4-FFF2-40B4-BE49-F238E27FC236}">
+                <a16:creationId xmlns:a16="http://schemas.microsoft.com/office/drawing/2014/main" id="{5E27C8EB-6A9E-46AB-81BF-91E9E672E320}"/>
+              </a:ext>
+            </a:extLst>
+          </p:cNvPr>
+          <p:cNvSpPr>
+            <a:spLocks noGrp="1"/>
+          </p:cNvSpPr>
+          <p:nvPr>
+            <p:ph sz="half" idx="2"/>
+          </p:nvPr>
+        </p:nvSpPr>
+        <p:spPr/>
+        <p:txBody>
+          <a:bodyPr>
+            <a:normAutofit fontScale="92500" lnSpcReduction="20000"/>
+          </a:bodyPr>
+          <a:lstStyle/>
+          <a:p>
+            <a:r>
+              <a:rPr lang="hu-HU" dirty="0">
+                <a:solidFill>
+                  <a:srgbClr val="FF0000"/>
+                </a:solidFill>
+              </a:rPr>
+              <a:t>Nincsen  sok borászatnak saját weboldala ha van is nem adják el a saját borukat hanem egy nagyobb cégnek </a:t>
+            </a:r>
+            <a:r>
+              <a:rPr lang="hu-HU" dirty="0" err="1">
+                <a:solidFill>
+                  <a:srgbClr val="FF0000"/>
+                </a:solidFill>
+              </a:rPr>
+              <a:t>szállitanak</a:t>
+            </a:r>
+            <a:r>
+              <a:rPr lang="hu-HU" dirty="0">
+                <a:solidFill>
+                  <a:srgbClr val="FF0000"/>
+                </a:solidFill>
+              </a:rPr>
+              <a:t>.</a:t>
+            </a:r>
+          </a:p>
+        </p:txBody>
+      </p:sp>
+      <p:sp>
+        <p:nvSpPr>
+          <p:cNvPr id="5" name="Szöveg helye 4">
+            <a:extLst>
+              <a:ext uri="{FF2B5EF4-FFF2-40B4-BE49-F238E27FC236}">
+                <a16:creationId xmlns:a16="http://schemas.microsoft.com/office/drawing/2014/main" id="{5BEFF82D-7918-4A1F-8608-227FAE278696}"/>
+              </a:ext>
+            </a:extLst>
+          </p:cNvPr>
+          <p:cNvSpPr>
+            <a:spLocks noGrp="1"/>
+          </p:cNvSpPr>
+          <p:nvPr>
+            <p:ph type="body" sz="quarter" idx="3"/>
+          </p:nvPr>
+        </p:nvSpPr>
+        <p:spPr/>
+        <p:txBody>
+          <a:bodyPr/>
+          <a:lstStyle/>
+          <a:p>
+            <a:r>
+              <a:rPr lang="hu-HU" dirty="0"/>
+              <a:t>Megoldás</a:t>
+            </a:r>
+          </a:p>
+        </p:txBody>
+      </p:sp>
+      <p:sp>
+        <p:nvSpPr>
+          <p:cNvPr id="6" name="Tartalom helye 5">
+            <a:extLst>
+              <a:ext uri="{FF2B5EF4-FFF2-40B4-BE49-F238E27FC236}">
+                <a16:creationId xmlns:a16="http://schemas.microsoft.com/office/drawing/2014/main" id="{759D53E5-8781-4664-ADD0-08D77780451D}"/>
+              </a:ext>
+            </a:extLst>
+          </p:cNvPr>
+          <p:cNvSpPr>
+            <a:spLocks noGrp="1"/>
+          </p:cNvSpPr>
+          <p:nvPr>
+            <p:ph sz="quarter" idx="4"/>
+          </p:nvPr>
+        </p:nvSpPr>
+        <p:spPr/>
+        <p:txBody>
+          <a:bodyPr>
+            <a:normAutofit fontScale="92500" lnSpcReduction="20000"/>
+          </a:bodyPr>
+          <a:lstStyle/>
+          <a:p>
+            <a:r>
+              <a:rPr lang="hu-HU" b="1" dirty="0" err="1">
+                <a:solidFill>
+                  <a:schemeClr val="accent6"/>
+                </a:solidFill>
+              </a:rPr>
+              <a:t>GypoWinery</a:t>
+            </a:r>
+            <a:endParaRPr lang="hu-HU" b="1" dirty="0">
+              <a:solidFill>
+                <a:schemeClr val="accent6"/>
+              </a:solidFill>
+            </a:endParaRPr>
+          </a:p>
+          <a:p>
+            <a:r>
+              <a:rPr lang="hu-HU" b="1" dirty="0">
+                <a:solidFill>
+                  <a:srgbClr val="00B050"/>
+                </a:solidFill>
+              </a:rPr>
+              <a:t>Saját weboldal</a:t>
+            </a:r>
+            <a:r>
+              <a:rPr lang="hu-HU" dirty="0">
+                <a:solidFill>
+                  <a:srgbClr val="00B050"/>
+                </a:solidFill>
+              </a:rPr>
+              <a:t> – Egy egyedi, professzionális weboldal, ahol a borászat közvetlenül értékesítheti borait.</a:t>
+            </a:r>
+          </a:p>
+          <a:p>
+            <a:r>
+              <a:rPr lang="hu-HU" b="1" dirty="0">
+                <a:solidFill>
+                  <a:srgbClr val="00B050"/>
+                </a:solidFill>
+              </a:rPr>
+              <a:t>Digitális jelenlét</a:t>
+            </a:r>
+            <a:r>
+              <a:rPr lang="hu-HU" dirty="0">
+                <a:solidFill>
+                  <a:srgbClr val="00B050"/>
+                </a:solidFill>
+              </a:rPr>
+              <a:t> – A weboldalon keresztül elérhetik az online piacot és növelhetik a vásárlói kört.</a:t>
+            </a:r>
+          </a:p>
+          <a:p>
+            <a:br>
+              <a:rPr lang="hu-HU" dirty="0">
+                <a:solidFill>
+                  <a:srgbClr val="00B050"/>
+                </a:solidFill>
+              </a:rPr>
+            </a:br>
+            <a:r>
+              <a:rPr lang="hu-HU" b="1" dirty="0">
+                <a:solidFill>
+                  <a:srgbClr val="00B050"/>
+                </a:solidFill>
+              </a:rPr>
+              <a:t>Nagyobb profit, kevesebb közvetítő</a:t>
+            </a:r>
+            <a:r>
+              <a:rPr lang="hu-HU" dirty="0">
+                <a:solidFill>
+                  <a:srgbClr val="00B050"/>
+                </a:solidFill>
+              </a:rPr>
+              <a:t> – A borászat közvetlenül értékesít, így több bevétel marad náluk.</a:t>
+            </a:r>
           </a:p>
         </p:txBody>
       </p:sp>
     </p:spTree>
     <p:extLst>
       <p:ext uri="{BB962C8B-B14F-4D97-AF65-F5344CB8AC3E}">
-        <p14:creationId xmlns:p14="http://schemas.microsoft.com/office/powerpoint/2010/main" val="4119784402"/>
+        <p14:creationId xmlns:p14="http://schemas.microsoft.com/office/powerpoint/2010/main" val="3444563736"/>
       </p:ext>
     </p:extLst>
   </p:cSld>
@@ -13373,7 +13556,7 @@
           <p:cNvPr id="2" name="Cím 1">
             <a:extLst>
               <a:ext uri="{FF2B5EF4-FFF2-40B4-BE49-F238E27FC236}">
-                <a16:creationId xmlns:a16="http://schemas.microsoft.com/office/drawing/2014/main" id="{8D278B6F-917B-4DCB-ACD1-79BB92B1A533}"/>
+                <a16:creationId xmlns:a16="http://schemas.microsoft.com/office/drawing/2014/main" id="{D4856068-A392-42AD-9211-51522646458E}"/>
               </a:ext>
             </a:extLst>
           </p:cNvPr>
@@ -13391,17 +13574,22 @@
           <a:p>
             <a:r>
               <a:rPr lang="hu-HU" dirty="0"/>
-              <a:t>design</a:t>
+              <a:t>Funkciók </a:t>
             </a:r>
+            <a:r>
+              <a:rPr lang="hu-HU"/>
+              <a:t>az oldalon.</a:t>
+            </a:r>
+            <a:endParaRPr lang="hu-HU" dirty="0"/>
           </a:p>
         </p:txBody>
       </p:sp>
       <p:sp>
         <p:nvSpPr>
-          <p:cNvPr id="3" name="Tartalom helye 2">
+          <p:cNvPr id="3" name="Szöveg helye 2">
             <a:extLst>
               <a:ext uri="{FF2B5EF4-FFF2-40B4-BE49-F238E27FC236}">
-                <a16:creationId xmlns:a16="http://schemas.microsoft.com/office/drawing/2014/main" id="{38E60C3F-E845-4214-A9F6-39B1B4269B9A}"/>
+                <a16:creationId xmlns:a16="http://schemas.microsoft.com/office/drawing/2014/main" id="{C28BA4FB-198A-4747-AA9A-F4B9F25AB7D6}"/>
               </a:ext>
             </a:extLst>
           </p:cNvPr>
@@ -13409,22 +13597,2743 @@
             <a:spLocks noGrp="1"/>
           </p:cNvSpPr>
           <p:nvPr>
-            <p:ph idx="1"/>
+            <p:ph type="body" idx="1"/>
           </p:nvPr>
         </p:nvSpPr>
-        <p:spPr/>
+        <p:spPr>
+          <a:xfrm>
+            <a:off x="1154953" y="2689287"/>
+            <a:ext cx="2973163" cy="391767"/>
+          </a:xfrm>
+        </p:spPr>
         <p:txBody>
           <a:bodyPr/>
           <a:lstStyle/>
           <a:p>
-            <a:endParaRPr lang="hu-HU"/>
+            <a:r>
+              <a:rPr lang="hu-HU" dirty="0"/>
+              <a:t>Regisztráció és Bejelentkezés</a:t>
+            </a:r>
+          </a:p>
+        </p:txBody>
+      </p:sp>
+      <p:sp>
+        <p:nvSpPr>
+          <p:cNvPr id="4" name="Szöveg helye 3">
+            <a:extLst>
+              <a:ext uri="{FF2B5EF4-FFF2-40B4-BE49-F238E27FC236}">
+                <a16:creationId xmlns:a16="http://schemas.microsoft.com/office/drawing/2014/main" id="{FC1ACC89-A308-450E-B8FF-229B447B48F7}"/>
+              </a:ext>
+            </a:extLst>
+          </p:cNvPr>
+          <p:cNvSpPr>
+            <a:spLocks noGrp="1"/>
+          </p:cNvSpPr>
+          <p:nvPr>
+            <p:ph type="body" sz="half" idx="15"/>
+          </p:nvPr>
+        </p:nvSpPr>
+        <p:spPr>
+          <a:xfrm>
+            <a:off x="1154953" y="3179765"/>
+            <a:ext cx="2973164" cy="1063761"/>
+          </a:xfrm>
+        </p:spPr>
+        <p:txBody>
+          <a:bodyPr/>
+          <a:lstStyle/>
+          <a:p>
+            <a:r>
+              <a:rPr lang="hu-HU" dirty="0"/>
+              <a:t>Az oldal biztosít regisztrációt és bejelentkezést a jobb felhasználói élmény érdekében</a:t>
+            </a:r>
+          </a:p>
+        </p:txBody>
+      </p:sp>
+      <p:sp>
+        <p:nvSpPr>
+          <p:cNvPr id="9" name="Szöveg helye 2">
+            <a:extLst>
+              <a:ext uri="{FF2B5EF4-FFF2-40B4-BE49-F238E27FC236}">
+                <a16:creationId xmlns:a16="http://schemas.microsoft.com/office/drawing/2014/main" id="{44937374-4BB3-429D-AFF4-D7A1806DD08C}"/>
+              </a:ext>
+            </a:extLst>
+          </p:cNvPr>
+          <p:cNvSpPr txBox="1">
+            <a:spLocks/>
+          </p:cNvSpPr>
+          <p:nvPr/>
+        </p:nvSpPr>
+        <p:spPr>
+          <a:xfrm>
+            <a:off x="1129532" y="4212728"/>
+            <a:ext cx="2973163" cy="281671"/>
+          </a:xfrm>
+          <a:prstGeom prst="rect">
+            <a:avLst/>
+          </a:prstGeom>
+        </p:spPr>
+        <p:txBody>
+          <a:bodyPr vert="horz" lIns="91440" tIns="45720" rIns="91440" bIns="45720" rtlCol="0" anchor="b">
+            <a:noAutofit/>
+          </a:bodyPr>
+          <a:lstStyle>
+            <a:lvl1pPr marL="0" indent="0" algn="l" defTabSz="457200" rtl="0" eaLnBrk="1" latinLnBrk="0" hangingPunct="1">
+              <a:spcBef>
+                <a:spcPts val="1000"/>
+              </a:spcBef>
+              <a:spcAft>
+                <a:spcPts val="0"/>
+              </a:spcAft>
+              <a:buClr>
+                <a:schemeClr val="accent1"/>
+              </a:buClr>
+              <a:buSzPct val="80000"/>
+              <a:buFont typeface="Wingdings 3" charset="2"/>
+              <a:buNone/>
+              <a:defRPr sz="2400" b="0" i="0" kern="1200">
+                <a:solidFill>
+                  <a:schemeClr val="accent1">
+                    <a:lumMod val="60000"/>
+                    <a:lumOff val="40000"/>
+                  </a:schemeClr>
+                </a:solidFill>
+                <a:latin typeface="+mn-lt"/>
+                <a:ea typeface="+mn-ea"/>
+                <a:cs typeface="+mn-cs"/>
+              </a:defRPr>
+            </a:lvl1pPr>
+            <a:lvl2pPr marL="457200" indent="0" algn="l" defTabSz="457200" rtl="0" eaLnBrk="1" latinLnBrk="0" hangingPunct="1">
+              <a:spcBef>
+                <a:spcPts val="1000"/>
+              </a:spcBef>
+              <a:spcAft>
+                <a:spcPts val="0"/>
+              </a:spcAft>
+              <a:buClr>
+                <a:schemeClr val="accent1"/>
+              </a:buClr>
+              <a:buSzPct val="80000"/>
+              <a:buFont typeface="Wingdings 3" charset="2"/>
+              <a:buNone/>
+              <a:defRPr sz="2000" b="1" i="0" kern="1200">
+                <a:solidFill>
+                  <a:schemeClr val="tx1">
+                    <a:lumMod val="75000"/>
+                    <a:lumOff val="25000"/>
+                  </a:schemeClr>
+                </a:solidFill>
+                <a:latin typeface="+mn-lt"/>
+                <a:ea typeface="+mn-ea"/>
+                <a:cs typeface="+mn-cs"/>
+              </a:defRPr>
+            </a:lvl2pPr>
+            <a:lvl3pPr marL="914400" indent="0" algn="l" defTabSz="457200" rtl="0" eaLnBrk="1" latinLnBrk="0" hangingPunct="1">
+              <a:spcBef>
+                <a:spcPts val="1000"/>
+              </a:spcBef>
+              <a:spcAft>
+                <a:spcPts val="0"/>
+              </a:spcAft>
+              <a:buClr>
+                <a:schemeClr val="accent1"/>
+              </a:buClr>
+              <a:buSzPct val="80000"/>
+              <a:buFont typeface="Wingdings 3" charset="2"/>
+              <a:buNone/>
+              <a:defRPr sz="1800" b="1" i="0" kern="1200">
+                <a:solidFill>
+                  <a:schemeClr val="tx1">
+                    <a:lumMod val="75000"/>
+                    <a:lumOff val="25000"/>
+                  </a:schemeClr>
+                </a:solidFill>
+                <a:latin typeface="+mn-lt"/>
+                <a:ea typeface="+mn-ea"/>
+                <a:cs typeface="+mn-cs"/>
+              </a:defRPr>
+            </a:lvl3pPr>
+            <a:lvl4pPr marL="1371600" indent="0" algn="l" defTabSz="457200" rtl="0" eaLnBrk="1" latinLnBrk="0" hangingPunct="1">
+              <a:spcBef>
+                <a:spcPts val="1000"/>
+              </a:spcBef>
+              <a:spcAft>
+                <a:spcPts val="0"/>
+              </a:spcAft>
+              <a:buClr>
+                <a:schemeClr val="accent1"/>
+              </a:buClr>
+              <a:buSzPct val="80000"/>
+              <a:buFont typeface="Wingdings 3" charset="2"/>
+              <a:buNone/>
+              <a:defRPr sz="1600" b="1" i="0" kern="1200">
+                <a:solidFill>
+                  <a:schemeClr val="tx1">
+                    <a:lumMod val="75000"/>
+                    <a:lumOff val="25000"/>
+                  </a:schemeClr>
+                </a:solidFill>
+                <a:latin typeface="+mn-lt"/>
+                <a:ea typeface="+mn-ea"/>
+                <a:cs typeface="+mn-cs"/>
+              </a:defRPr>
+            </a:lvl4pPr>
+            <a:lvl5pPr marL="1828800" indent="0" algn="l" defTabSz="457200" rtl="0" eaLnBrk="1" latinLnBrk="0" hangingPunct="1">
+              <a:spcBef>
+                <a:spcPts val="1000"/>
+              </a:spcBef>
+              <a:spcAft>
+                <a:spcPts val="0"/>
+              </a:spcAft>
+              <a:buClr>
+                <a:schemeClr val="accent1"/>
+              </a:buClr>
+              <a:buSzPct val="80000"/>
+              <a:buFont typeface="Wingdings 3" charset="2"/>
+              <a:buNone/>
+              <a:defRPr sz="1600" b="1" i="0" kern="1200">
+                <a:solidFill>
+                  <a:schemeClr val="tx1">
+                    <a:lumMod val="75000"/>
+                    <a:lumOff val="25000"/>
+                  </a:schemeClr>
+                </a:solidFill>
+                <a:latin typeface="+mn-lt"/>
+                <a:ea typeface="+mn-ea"/>
+                <a:cs typeface="+mn-cs"/>
+              </a:defRPr>
+            </a:lvl5pPr>
+            <a:lvl6pPr marL="2286000" indent="0" algn="l" defTabSz="457200" rtl="0" eaLnBrk="1" latinLnBrk="0" hangingPunct="1">
+              <a:spcBef>
+                <a:spcPts val="1000"/>
+              </a:spcBef>
+              <a:spcAft>
+                <a:spcPts val="0"/>
+              </a:spcAft>
+              <a:buClr>
+                <a:schemeClr val="accent1"/>
+              </a:buClr>
+              <a:buSzPct val="80000"/>
+              <a:buFont typeface="Wingdings 3" charset="2"/>
+              <a:buNone/>
+              <a:defRPr sz="1600" b="1" i="0" kern="1200">
+                <a:solidFill>
+                  <a:schemeClr val="tx1">
+                    <a:lumMod val="75000"/>
+                    <a:lumOff val="25000"/>
+                  </a:schemeClr>
+                </a:solidFill>
+                <a:latin typeface="+mn-lt"/>
+                <a:ea typeface="+mn-ea"/>
+                <a:cs typeface="+mn-cs"/>
+              </a:defRPr>
+            </a:lvl6pPr>
+            <a:lvl7pPr marL="2743200" indent="0" algn="l" defTabSz="457200" rtl="0" eaLnBrk="1" latinLnBrk="0" hangingPunct="1">
+              <a:spcBef>
+                <a:spcPts val="1000"/>
+              </a:spcBef>
+              <a:spcAft>
+                <a:spcPts val="0"/>
+              </a:spcAft>
+              <a:buClr>
+                <a:schemeClr val="accent1"/>
+              </a:buClr>
+              <a:buSzPct val="80000"/>
+              <a:buFont typeface="Wingdings 3" charset="2"/>
+              <a:buNone/>
+              <a:defRPr sz="1600" b="1" i="0" kern="1200">
+                <a:solidFill>
+                  <a:schemeClr val="tx1">
+                    <a:lumMod val="75000"/>
+                    <a:lumOff val="25000"/>
+                  </a:schemeClr>
+                </a:solidFill>
+                <a:latin typeface="+mn-lt"/>
+                <a:ea typeface="+mn-ea"/>
+                <a:cs typeface="+mn-cs"/>
+              </a:defRPr>
+            </a:lvl7pPr>
+            <a:lvl8pPr marL="3200400" indent="0" algn="l" defTabSz="457200" rtl="0" eaLnBrk="1" latinLnBrk="0" hangingPunct="1">
+              <a:spcBef>
+                <a:spcPts val="1000"/>
+              </a:spcBef>
+              <a:spcAft>
+                <a:spcPts val="0"/>
+              </a:spcAft>
+              <a:buClr>
+                <a:schemeClr val="accent1"/>
+              </a:buClr>
+              <a:buSzPct val="80000"/>
+              <a:buFont typeface="Wingdings 3" charset="2"/>
+              <a:buNone/>
+              <a:defRPr sz="1600" b="1" i="0" kern="1200">
+                <a:solidFill>
+                  <a:schemeClr val="tx1">
+                    <a:lumMod val="75000"/>
+                    <a:lumOff val="25000"/>
+                  </a:schemeClr>
+                </a:solidFill>
+                <a:latin typeface="+mn-lt"/>
+                <a:ea typeface="+mn-ea"/>
+                <a:cs typeface="+mn-cs"/>
+              </a:defRPr>
+            </a:lvl8pPr>
+            <a:lvl9pPr marL="3657600" indent="0" algn="l" defTabSz="457200" rtl="0" eaLnBrk="1" latinLnBrk="0" hangingPunct="1">
+              <a:spcBef>
+                <a:spcPts val="1000"/>
+              </a:spcBef>
+              <a:spcAft>
+                <a:spcPts val="0"/>
+              </a:spcAft>
+              <a:buClr>
+                <a:schemeClr val="accent1"/>
+              </a:buClr>
+              <a:buSzPct val="80000"/>
+              <a:buFont typeface="Wingdings 3" charset="2"/>
+              <a:buNone/>
+              <a:defRPr sz="1600" b="1" i="0" kern="1200">
+                <a:solidFill>
+                  <a:schemeClr val="tx1">
+                    <a:lumMod val="75000"/>
+                    <a:lumOff val="25000"/>
+                  </a:schemeClr>
+                </a:solidFill>
+                <a:latin typeface="+mn-lt"/>
+                <a:ea typeface="+mn-ea"/>
+                <a:cs typeface="+mn-cs"/>
+              </a:defRPr>
+            </a:lvl9pPr>
+          </a:lstStyle>
+          <a:p>
+            <a:r>
+              <a:rPr lang="hu-HU" dirty="0" err="1"/>
+              <a:t>Kviz</a:t>
+            </a:r>
+            <a:endParaRPr lang="hu-HU" dirty="0"/>
+          </a:p>
+        </p:txBody>
+      </p:sp>
+      <p:sp>
+        <p:nvSpPr>
+          <p:cNvPr id="10" name="Szöveg helye 3">
+            <a:extLst>
+              <a:ext uri="{FF2B5EF4-FFF2-40B4-BE49-F238E27FC236}">
+                <a16:creationId xmlns:a16="http://schemas.microsoft.com/office/drawing/2014/main" id="{8C47CA17-4FDC-4BFE-B67D-2B052BF2A931}"/>
+              </a:ext>
+            </a:extLst>
+          </p:cNvPr>
+          <p:cNvSpPr txBox="1">
+            <a:spLocks/>
+          </p:cNvSpPr>
+          <p:nvPr/>
+        </p:nvSpPr>
+        <p:spPr>
+          <a:xfrm>
+            <a:off x="1142242" y="4788993"/>
+            <a:ext cx="2973164" cy="1063761"/>
+          </a:xfrm>
+          <a:prstGeom prst="rect">
+            <a:avLst/>
+          </a:prstGeom>
+        </p:spPr>
+        <p:txBody>
+          <a:bodyPr vert="horz" lIns="91440" tIns="45720" rIns="91440" bIns="45720" rtlCol="0" anchor="t">
+            <a:normAutofit/>
+          </a:bodyPr>
+          <a:lstStyle>
+            <a:lvl1pPr marL="0" indent="0" algn="l" defTabSz="457200" rtl="0" eaLnBrk="1" latinLnBrk="0" hangingPunct="1">
+              <a:spcBef>
+                <a:spcPts val="1000"/>
+              </a:spcBef>
+              <a:spcAft>
+                <a:spcPts val="0"/>
+              </a:spcAft>
+              <a:buClr>
+                <a:schemeClr val="accent1"/>
+              </a:buClr>
+              <a:buSzPct val="80000"/>
+              <a:buFont typeface="Wingdings 3" charset="2"/>
+              <a:buNone/>
+              <a:defRPr sz="1400" b="0" i="0" kern="1200">
+                <a:solidFill>
+                  <a:schemeClr val="tx1">
+                    <a:lumMod val="75000"/>
+                    <a:lumOff val="25000"/>
+                  </a:schemeClr>
+                </a:solidFill>
+                <a:latin typeface="+mn-lt"/>
+                <a:ea typeface="+mn-ea"/>
+                <a:cs typeface="+mn-cs"/>
+              </a:defRPr>
+            </a:lvl1pPr>
+            <a:lvl2pPr marL="457200" indent="0" algn="l" defTabSz="457200" rtl="0" eaLnBrk="1" latinLnBrk="0" hangingPunct="1">
+              <a:spcBef>
+                <a:spcPts val="1000"/>
+              </a:spcBef>
+              <a:spcAft>
+                <a:spcPts val="0"/>
+              </a:spcAft>
+              <a:buClr>
+                <a:schemeClr val="accent1"/>
+              </a:buClr>
+              <a:buSzPct val="80000"/>
+              <a:buFont typeface="Wingdings 3" charset="2"/>
+              <a:buNone/>
+              <a:defRPr sz="1200" b="0" i="0" kern="1200">
+                <a:solidFill>
+                  <a:schemeClr val="tx1">
+                    <a:lumMod val="75000"/>
+                    <a:lumOff val="25000"/>
+                  </a:schemeClr>
+                </a:solidFill>
+                <a:latin typeface="+mn-lt"/>
+                <a:ea typeface="+mn-ea"/>
+                <a:cs typeface="+mn-cs"/>
+              </a:defRPr>
+            </a:lvl2pPr>
+            <a:lvl3pPr marL="914400" indent="0" algn="l" defTabSz="457200" rtl="0" eaLnBrk="1" latinLnBrk="0" hangingPunct="1">
+              <a:spcBef>
+                <a:spcPts val="1000"/>
+              </a:spcBef>
+              <a:spcAft>
+                <a:spcPts val="0"/>
+              </a:spcAft>
+              <a:buClr>
+                <a:schemeClr val="accent1"/>
+              </a:buClr>
+              <a:buSzPct val="80000"/>
+              <a:buFont typeface="Wingdings 3" charset="2"/>
+              <a:buNone/>
+              <a:defRPr sz="1000" b="0" i="0" kern="1200">
+                <a:solidFill>
+                  <a:schemeClr val="tx1">
+                    <a:lumMod val="75000"/>
+                    <a:lumOff val="25000"/>
+                  </a:schemeClr>
+                </a:solidFill>
+                <a:latin typeface="+mn-lt"/>
+                <a:ea typeface="+mn-ea"/>
+                <a:cs typeface="+mn-cs"/>
+              </a:defRPr>
+            </a:lvl3pPr>
+            <a:lvl4pPr marL="1371600" indent="0" algn="l" defTabSz="457200" rtl="0" eaLnBrk="1" latinLnBrk="0" hangingPunct="1">
+              <a:spcBef>
+                <a:spcPts val="1000"/>
+              </a:spcBef>
+              <a:spcAft>
+                <a:spcPts val="0"/>
+              </a:spcAft>
+              <a:buClr>
+                <a:schemeClr val="accent1"/>
+              </a:buClr>
+              <a:buSzPct val="80000"/>
+              <a:buFont typeface="Wingdings 3" charset="2"/>
+              <a:buNone/>
+              <a:defRPr sz="900" b="0" i="0" kern="1200">
+                <a:solidFill>
+                  <a:schemeClr val="tx1">
+                    <a:lumMod val="75000"/>
+                    <a:lumOff val="25000"/>
+                  </a:schemeClr>
+                </a:solidFill>
+                <a:latin typeface="+mn-lt"/>
+                <a:ea typeface="+mn-ea"/>
+                <a:cs typeface="+mn-cs"/>
+              </a:defRPr>
+            </a:lvl4pPr>
+            <a:lvl5pPr marL="1828800" indent="0" algn="l" defTabSz="457200" rtl="0" eaLnBrk="1" latinLnBrk="0" hangingPunct="1">
+              <a:spcBef>
+                <a:spcPts val="1000"/>
+              </a:spcBef>
+              <a:spcAft>
+                <a:spcPts val="0"/>
+              </a:spcAft>
+              <a:buClr>
+                <a:schemeClr val="accent1"/>
+              </a:buClr>
+              <a:buSzPct val="80000"/>
+              <a:buFont typeface="Wingdings 3" charset="2"/>
+              <a:buNone/>
+              <a:defRPr sz="900" b="0" i="0" kern="1200">
+                <a:solidFill>
+                  <a:schemeClr val="tx1">
+                    <a:lumMod val="75000"/>
+                    <a:lumOff val="25000"/>
+                  </a:schemeClr>
+                </a:solidFill>
+                <a:latin typeface="+mn-lt"/>
+                <a:ea typeface="+mn-ea"/>
+                <a:cs typeface="+mn-cs"/>
+              </a:defRPr>
+            </a:lvl5pPr>
+            <a:lvl6pPr marL="2286000" indent="0" algn="l" defTabSz="457200" rtl="0" eaLnBrk="1" latinLnBrk="0" hangingPunct="1">
+              <a:spcBef>
+                <a:spcPts val="1000"/>
+              </a:spcBef>
+              <a:spcAft>
+                <a:spcPts val="0"/>
+              </a:spcAft>
+              <a:buClr>
+                <a:schemeClr val="accent1"/>
+              </a:buClr>
+              <a:buSzPct val="80000"/>
+              <a:buFont typeface="Wingdings 3" charset="2"/>
+              <a:buNone/>
+              <a:defRPr sz="900" b="0" i="0" kern="1200">
+                <a:solidFill>
+                  <a:schemeClr val="tx1">
+                    <a:lumMod val="75000"/>
+                    <a:lumOff val="25000"/>
+                  </a:schemeClr>
+                </a:solidFill>
+                <a:latin typeface="+mn-lt"/>
+                <a:ea typeface="+mn-ea"/>
+                <a:cs typeface="+mn-cs"/>
+              </a:defRPr>
+            </a:lvl6pPr>
+            <a:lvl7pPr marL="2743200" indent="0" algn="l" defTabSz="457200" rtl="0" eaLnBrk="1" latinLnBrk="0" hangingPunct="1">
+              <a:spcBef>
+                <a:spcPts val="1000"/>
+              </a:spcBef>
+              <a:spcAft>
+                <a:spcPts val="0"/>
+              </a:spcAft>
+              <a:buClr>
+                <a:schemeClr val="accent1"/>
+              </a:buClr>
+              <a:buSzPct val="80000"/>
+              <a:buFont typeface="Wingdings 3" charset="2"/>
+              <a:buNone/>
+              <a:defRPr sz="900" b="0" i="0" kern="1200">
+                <a:solidFill>
+                  <a:schemeClr val="tx1">
+                    <a:lumMod val="75000"/>
+                    <a:lumOff val="25000"/>
+                  </a:schemeClr>
+                </a:solidFill>
+                <a:latin typeface="+mn-lt"/>
+                <a:ea typeface="+mn-ea"/>
+                <a:cs typeface="+mn-cs"/>
+              </a:defRPr>
+            </a:lvl7pPr>
+            <a:lvl8pPr marL="3200400" indent="0" algn="l" defTabSz="457200" rtl="0" eaLnBrk="1" latinLnBrk="0" hangingPunct="1">
+              <a:spcBef>
+                <a:spcPts val="1000"/>
+              </a:spcBef>
+              <a:spcAft>
+                <a:spcPts val="0"/>
+              </a:spcAft>
+              <a:buClr>
+                <a:schemeClr val="accent1"/>
+              </a:buClr>
+              <a:buSzPct val="80000"/>
+              <a:buFont typeface="Wingdings 3" charset="2"/>
+              <a:buNone/>
+              <a:defRPr sz="900" b="0" i="0" kern="1200">
+                <a:solidFill>
+                  <a:schemeClr val="tx1">
+                    <a:lumMod val="75000"/>
+                    <a:lumOff val="25000"/>
+                  </a:schemeClr>
+                </a:solidFill>
+                <a:latin typeface="+mn-lt"/>
+                <a:ea typeface="+mn-ea"/>
+                <a:cs typeface="+mn-cs"/>
+              </a:defRPr>
+            </a:lvl8pPr>
+            <a:lvl9pPr marL="3657600" indent="0" algn="l" defTabSz="457200" rtl="0" eaLnBrk="1" latinLnBrk="0" hangingPunct="1">
+              <a:spcBef>
+                <a:spcPts val="1000"/>
+              </a:spcBef>
+              <a:spcAft>
+                <a:spcPts val="0"/>
+              </a:spcAft>
+              <a:buClr>
+                <a:schemeClr val="accent1"/>
+              </a:buClr>
+              <a:buSzPct val="80000"/>
+              <a:buFont typeface="Wingdings 3" charset="2"/>
+              <a:buNone/>
+              <a:defRPr sz="900" b="0" i="0" kern="1200">
+                <a:solidFill>
+                  <a:schemeClr val="tx1">
+                    <a:lumMod val="75000"/>
+                    <a:lumOff val="25000"/>
+                  </a:schemeClr>
+                </a:solidFill>
+                <a:latin typeface="+mn-lt"/>
+                <a:ea typeface="+mn-ea"/>
+                <a:cs typeface="+mn-cs"/>
+              </a:defRPr>
+            </a:lvl9pPr>
+          </a:lstStyle>
+          <a:p>
+            <a:r>
+              <a:rPr lang="hu-HU" dirty="0"/>
+              <a:t>Az oldalunkon található egy kvíz amit ha jól töltesz ki értékes nyereményeket lehet nyerni</a:t>
+            </a:r>
+          </a:p>
+        </p:txBody>
+      </p:sp>
+      <p:sp>
+        <p:nvSpPr>
+          <p:cNvPr id="11" name="Szöveg helye 2">
+            <a:extLst>
+              <a:ext uri="{FF2B5EF4-FFF2-40B4-BE49-F238E27FC236}">
+                <a16:creationId xmlns:a16="http://schemas.microsoft.com/office/drawing/2014/main" id="{4097056E-75EB-4D1F-A5E9-40918BC2F44B}"/>
+              </a:ext>
+            </a:extLst>
+          </p:cNvPr>
+          <p:cNvSpPr txBox="1">
+            <a:spLocks/>
+          </p:cNvSpPr>
+          <p:nvPr/>
+        </p:nvSpPr>
+        <p:spPr>
+          <a:xfrm>
+            <a:off x="4365514" y="2641679"/>
+            <a:ext cx="2973163" cy="353588"/>
+          </a:xfrm>
+          <a:prstGeom prst="rect">
+            <a:avLst/>
+          </a:prstGeom>
+        </p:spPr>
+        <p:txBody>
+          <a:bodyPr vert="horz" lIns="91440" tIns="45720" rIns="91440" bIns="45720" rtlCol="0" anchor="b">
+            <a:noAutofit/>
+          </a:bodyPr>
+          <a:lstStyle>
+            <a:lvl1pPr marL="0" indent="0" algn="l" defTabSz="457200" rtl="0" eaLnBrk="1" latinLnBrk="0" hangingPunct="1">
+              <a:spcBef>
+                <a:spcPts val="1000"/>
+              </a:spcBef>
+              <a:spcAft>
+                <a:spcPts val="0"/>
+              </a:spcAft>
+              <a:buClr>
+                <a:schemeClr val="accent1"/>
+              </a:buClr>
+              <a:buSzPct val="80000"/>
+              <a:buFont typeface="Wingdings 3" charset="2"/>
+              <a:buNone/>
+              <a:defRPr sz="2400" b="0" i="0" kern="1200">
+                <a:solidFill>
+                  <a:schemeClr val="accent1">
+                    <a:lumMod val="60000"/>
+                    <a:lumOff val="40000"/>
+                  </a:schemeClr>
+                </a:solidFill>
+                <a:latin typeface="+mn-lt"/>
+                <a:ea typeface="+mn-ea"/>
+                <a:cs typeface="+mn-cs"/>
+              </a:defRPr>
+            </a:lvl1pPr>
+            <a:lvl2pPr marL="457200" indent="0" algn="l" defTabSz="457200" rtl="0" eaLnBrk="1" latinLnBrk="0" hangingPunct="1">
+              <a:spcBef>
+                <a:spcPts val="1000"/>
+              </a:spcBef>
+              <a:spcAft>
+                <a:spcPts val="0"/>
+              </a:spcAft>
+              <a:buClr>
+                <a:schemeClr val="accent1"/>
+              </a:buClr>
+              <a:buSzPct val="80000"/>
+              <a:buFont typeface="Wingdings 3" charset="2"/>
+              <a:buNone/>
+              <a:defRPr sz="2000" b="1" i="0" kern="1200">
+                <a:solidFill>
+                  <a:schemeClr val="tx1">
+                    <a:lumMod val="75000"/>
+                    <a:lumOff val="25000"/>
+                  </a:schemeClr>
+                </a:solidFill>
+                <a:latin typeface="+mn-lt"/>
+                <a:ea typeface="+mn-ea"/>
+                <a:cs typeface="+mn-cs"/>
+              </a:defRPr>
+            </a:lvl2pPr>
+            <a:lvl3pPr marL="914400" indent="0" algn="l" defTabSz="457200" rtl="0" eaLnBrk="1" latinLnBrk="0" hangingPunct="1">
+              <a:spcBef>
+                <a:spcPts val="1000"/>
+              </a:spcBef>
+              <a:spcAft>
+                <a:spcPts val="0"/>
+              </a:spcAft>
+              <a:buClr>
+                <a:schemeClr val="accent1"/>
+              </a:buClr>
+              <a:buSzPct val="80000"/>
+              <a:buFont typeface="Wingdings 3" charset="2"/>
+              <a:buNone/>
+              <a:defRPr sz="1800" b="1" i="0" kern="1200">
+                <a:solidFill>
+                  <a:schemeClr val="tx1">
+                    <a:lumMod val="75000"/>
+                    <a:lumOff val="25000"/>
+                  </a:schemeClr>
+                </a:solidFill>
+                <a:latin typeface="+mn-lt"/>
+                <a:ea typeface="+mn-ea"/>
+                <a:cs typeface="+mn-cs"/>
+              </a:defRPr>
+            </a:lvl3pPr>
+            <a:lvl4pPr marL="1371600" indent="0" algn="l" defTabSz="457200" rtl="0" eaLnBrk="1" latinLnBrk="0" hangingPunct="1">
+              <a:spcBef>
+                <a:spcPts val="1000"/>
+              </a:spcBef>
+              <a:spcAft>
+                <a:spcPts val="0"/>
+              </a:spcAft>
+              <a:buClr>
+                <a:schemeClr val="accent1"/>
+              </a:buClr>
+              <a:buSzPct val="80000"/>
+              <a:buFont typeface="Wingdings 3" charset="2"/>
+              <a:buNone/>
+              <a:defRPr sz="1600" b="1" i="0" kern="1200">
+                <a:solidFill>
+                  <a:schemeClr val="tx1">
+                    <a:lumMod val="75000"/>
+                    <a:lumOff val="25000"/>
+                  </a:schemeClr>
+                </a:solidFill>
+                <a:latin typeface="+mn-lt"/>
+                <a:ea typeface="+mn-ea"/>
+                <a:cs typeface="+mn-cs"/>
+              </a:defRPr>
+            </a:lvl4pPr>
+            <a:lvl5pPr marL="1828800" indent="0" algn="l" defTabSz="457200" rtl="0" eaLnBrk="1" latinLnBrk="0" hangingPunct="1">
+              <a:spcBef>
+                <a:spcPts val="1000"/>
+              </a:spcBef>
+              <a:spcAft>
+                <a:spcPts val="0"/>
+              </a:spcAft>
+              <a:buClr>
+                <a:schemeClr val="accent1"/>
+              </a:buClr>
+              <a:buSzPct val="80000"/>
+              <a:buFont typeface="Wingdings 3" charset="2"/>
+              <a:buNone/>
+              <a:defRPr sz="1600" b="1" i="0" kern="1200">
+                <a:solidFill>
+                  <a:schemeClr val="tx1">
+                    <a:lumMod val="75000"/>
+                    <a:lumOff val="25000"/>
+                  </a:schemeClr>
+                </a:solidFill>
+                <a:latin typeface="+mn-lt"/>
+                <a:ea typeface="+mn-ea"/>
+                <a:cs typeface="+mn-cs"/>
+              </a:defRPr>
+            </a:lvl5pPr>
+            <a:lvl6pPr marL="2286000" indent="0" algn="l" defTabSz="457200" rtl="0" eaLnBrk="1" latinLnBrk="0" hangingPunct="1">
+              <a:spcBef>
+                <a:spcPts val="1000"/>
+              </a:spcBef>
+              <a:spcAft>
+                <a:spcPts val="0"/>
+              </a:spcAft>
+              <a:buClr>
+                <a:schemeClr val="accent1"/>
+              </a:buClr>
+              <a:buSzPct val="80000"/>
+              <a:buFont typeface="Wingdings 3" charset="2"/>
+              <a:buNone/>
+              <a:defRPr sz="1600" b="1" i="0" kern="1200">
+                <a:solidFill>
+                  <a:schemeClr val="tx1">
+                    <a:lumMod val="75000"/>
+                    <a:lumOff val="25000"/>
+                  </a:schemeClr>
+                </a:solidFill>
+                <a:latin typeface="+mn-lt"/>
+                <a:ea typeface="+mn-ea"/>
+                <a:cs typeface="+mn-cs"/>
+              </a:defRPr>
+            </a:lvl6pPr>
+            <a:lvl7pPr marL="2743200" indent="0" algn="l" defTabSz="457200" rtl="0" eaLnBrk="1" latinLnBrk="0" hangingPunct="1">
+              <a:spcBef>
+                <a:spcPts val="1000"/>
+              </a:spcBef>
+              <a:spcAft>
+                <a:spcPts val="0"/>
+              </a:spcAft>
+              <a:buClr>
+                <a:schemeClr val="accent1"/>
+              </a:buClr>
+              <a:buSzPct val="80000"/>
+              <a:buFont typeface="Wingdings 3" charset="2"/>
+              <a:buNone/>
+              <a:defRPr sz="1600" b="1" i="0" kern="1200">
+                <a:solidFill>
+                  <a:schemeClr val="tx1">
+                    <a:lumMod val="75000"/>
+                    <a:lumOff val="25000"/>
+                  </a:schemeClr>
+                </a:solidFill>
+                <a:latin typeface="+mn-lt"/>
+                <a:ea typeface="+mn-ea"/>
+                <a:cs typeface="+mn-cs"/>
+              </a:defRPr>
+            </a:lvl7pPr>
+            <a:lvl8pPr marL="3200400" indent="0" algn="l" defTabSz="457200" rtl="0" eaLnBrk="1" latinLnBrk="0" hangingPunct="1">
+              <a:spcBef>
+                <a:spcPts val="1000"/>
+              </a:spcBef>
+              <a:spcAft>
+                <a:spcPts val="0"/>
+              </a:spcAft>
+              <a:buClr>
+                <a:schemeClr val="accent1"/>
+              </a:buClr>
+              <a:buSzPct val="80000"/>
+              <a:buFont typeface="Wingdings 3" charset="2"/>
+              <a:buNone/>
+              <a:defRPr sz="1600" b="1" i="0" kern="1200">
+                <a:solidFill>
+                  <a:schemeClr val="tx1">
+                    <a:lumMod val="75000"/>
+                    <a:lumOff val="25000"/>
+                  </a:schemeClr>
+                </a:solidFill>
+                <a:latin typeface="+mn-lt"/>
+                <a:ea typeface="+mn-ea"/>
+                <a:cs typeface="+mn-cs"/>
+              </a:defRPr>
+            </a:lvl8pPr>
+            <a:lvl9pPr marL="3657600" indent="0" algn="l" defTabSz="457200" rtl="0" eaLnBrk="1" latinLnBrk="0" hangingPunct="1">
+              <a:spcBef>
+                <a:spcPts val="1000"/>
+              </a:spcBef>
+              <a:spcAft>
+                <a:spcPts val="0"/>
+              </a:spcAft>
+              <a:buClr>
+                <a:schemeClr val="accent1"/>
+              </a:buClr>
+              <a:buSzPct val="80000"/>
+              <a:buFont typeface="Wingdings 3" charset="2"/>
+              <a:buNone/>
+              <a:defRPr sz="1600" b="1" i="0" kern="1200">
+                <a:solidFill>
+                  <a:schemeClr val="tx1">
+                    <a:lumMod val="75000"/>
+                    <a:lumOff val="25000"/>
+                  </a:schemeClr>
+                </a:solidFill>
+                <a:latin typeface="+mn-lt"/>
+                <a:ea typeface="+mn-ea"/>
+                <a:cs typeface="+mn-cs"/>
+              </a:defRPr>
+            </a:lvl9pPr>
+          </a:lstStyle>
+          <a:p>
+            <a:r>
+              <a:rPr lang="hu-HU" dirty="0"/>
+              <a:t>Modern GUI</a:t>
+            </a:r>
+          </a:p>
+        </p:txBody>
+      </p:sp>
+      <p:sp>
+        <p:nvSpPr>
+          <p:cNvPr id="12" name="Szöveg helye 3">
+            <a:extLst>
+              <a:ext uri="{FF2B5EF4-FFF2-40B4-BE49-F238E27FC236}">
+                <a16:creationId xmlns:a16="http://schemas.microsoft.com/office/drawing/2014/main" id="{BED310A8-7878-4555-97C7-EE0E766B4CE9}"/>
+              </a:ext>
+            </a:extLst>
+          </p:cNvPr>
+          <p:cNvSpPr txBox="1">
+            <a:spLocks/>
+          </p:cNvSpPr>
+          <p:nvPr/>
+        </p:nvSpPr>
+        <p:spPr>
+          <a:xfrm>
+            <a:off x="4378225" y="3179765"/>
+            <a:ext cx="2973164" cy="1063761"/>
+          </a:xfrm>
+          <a:prstGeom prst="rect">
+            <a:avLst/>
+          </a:prstGeom>
+        </p:spPr>
+        <p:txBody>
+          <a:bodyPr vert="horz" lIns="91440" tIns="45720" rIns="91440" bIns="45720" rtlCol="0" anchor="t">
+            <a:normAutofit/>
+          </a:bodyPr>
+          <a:lstStyle>
+            <a:lvl1pPr marL="0" indent="0" algn="l" defTabSz="457200" rtl="0" eaLnBrk="1" latinLnBrk="0" hangingPunct="1">
+              <a:spcBef>
+                <a:spcPts val="1000"/>
+              </a:spcBef>
+              <a:spcAft>
+                <a:spcPts val="0"/>
+              </a:spcAft>
+              <a:buClr>
+                <a:schemeClr val="accent1"/>
+              </a:buClr>
+              <a:buSzPct val="80000"/>
+              <a:buFont typeface="Wingdings 3" charset="2"/>
+              <a:buNone/>
+              <a:defRPr sz="1400" b="0" i="0" kern="1200">
+                <a:solidFill>
+                  <a:schemeClr val="tx1">
+                    <a:lumMod val="75000"/>
+                    <a:lumOff val="25000"/>
+                  </a:schemeClr>
+                </a:solidFill>
+                <a:latin typeface="+mn-lt"/>
+                <a:ea typeface="+mn-ea"/>
+                <a:cs typeface="+mn-cs"/>
+              </a:defRPr>
+            </a:lvl1pPr>
+            <a:lvl2pPr marL="457200" indent="0" algn="l" defTabSz="457200" rtl="0" eaLnBrk="1" latinLnBrk="0" hangingPunct="1">
+              <a:spcBef>
+                <a:spcPts val="1000"/>
+              </a:spcBef>
+              <a:spcAft>
+                <a:spcPts val="0"/>
+              </a:spcAft>
+              <a:buClr>
+                <a:schemeClr val="accent1"/>
+              </a:buClr>
+              <a:buSzPct val="80000"/>
+              <a:buFont typeface="Wingdings 3" charset="2"/>
+              <a:buNone/>
+              <a:defRPr sz="1200" b="0" i="0" kern="1200">
+                <a:solidFill>
+                  <a:schemeClr val="tx1">
+                    <a:lumMod val="75000"/>
+                    <a:lumOff val="25000"/>
+                  </a:schemeClr>
+                </a:solidFill>
+                <a:latin typeface="+mn-lt"/>
+                <a:ea typeface="+mn-ea"/>
+                <a:cs typeface="+mn-cs"/>
+              </a:defRPr>
+            </a:lvl2pPr>
+            <a:lvl3pPr marL="914400" indent="0" algn="l" defTabSz="457200" rtl="0" eaLnBrk="1" latinLnBrk="0" hangingPunct="1">
+              <a:spcBef>
+                <a:spcPts val="1000"/>
+              </a:spcBef>
+              <a:spcAft>
+                <a:spcPts val="0"/>
+              </a:spcAft>
+              <a:buClr>
+                <a:schemeClr val="accent1"/>
+              </a:buClr>
+              <a:buSzPct val="80000"/>
+              <a:buFont typeface="Wingdings 3" charset="2"/>
+              <a:buNone/>
+              <a:defRPr sz="1000" b="0" i="0" kern="1200">
+                <a:solidFill>
+                  <a:schemeClr val="tx1">
+                    <a:lumMod val="75000"/>
+                    <a:lumOff val="25000"/>
+                  </a:schemeClr>
+                </a:solidFill>
+                <a:latin typeface="+mn-lt"/>
+                <a:ea typeface="+mn-ea"/>
+                <a:cs typeface="+mn-cs"/>
+              </a:defRPr>
+            </a:lvl3pPr>
+            <a:lvl4pPr marL="1371600" indent="0" algn="l" defTabSz="457200" rtl="0" eaLnBrk="1" latinLnBrk="0" hangingPunct="1">
+              <a:spcBef>
+                <a:spcPts val="1000"/>
+              </a:spcBef>
+              <a:spcAft>
+                <a:spcPts val="0"/>
+              </a:spcAft>
+              <a:buClr>
+                <a:schemeClr val="accent1"/>
+              </a:buClr>
+              <a:buSzPct val="80000"/>
+              <a:buFont typeface="Wingdings 3" charset="2"/>
+              <a:buNone/>
+              <a:defRPr sz="900" b="0" i="0" kern="1200">
+                <a:solidFill>
+                  <a:schemeClr val="tx1">
+                    <a:lumMod val="75000"/>
+                    <a:lumOff val="25000"/>
+                  </a:schemeClr>
+                </a:solidFill>
+                <a:latin typeface="+mn-lt"/>
+                <a:ea typeface="+mn-ea"/>
+                <a:cs typeface="+mn-cs"/>
+              </a:defRPr>
+            </a:lvl4pPr>
+            <a:lvl5pPr marL="1828800" indent="0" algn="l" defTabSz="457200" rtl="0" eaLnBrk="1" latinLnBrk="0" hangingPunct="1">
+              <a:spcBef>
+                <a:spcPts val="1000"/>
+              </a:spcBef>
+              <a:spcAft>
+                <a:spcPts val="0"/>
+              </a:spcAft>
+              <a:buClr>
+                <a:schemeClr val="accent1"/>
+              </a:buClr>
+              <a:buSzPct val="80000"/>
+              <a:buFont typeface="Wingdings 3" charset="2"/>
+              <a:buNone/>
+              <a:defRPr sz="900" b="0" i="0" kern="1200">
+                <a:solidFill>
+                  <a:schemeClr val="tx1">
+                    <a:lumMod val="75000"/>
+                    <a:lumOff val="25000"/>
+                  </a:schemeClr>
+                </a:solidFill>
+                <a:latin typeface="+mn-lt"/>
+                <a:ea typeface="+mn-ea"/>
+                <a:cs typeface="+mn-cs"/>
+              </a:defRPr>
+            </a:lvl5pPr>
+            <a:lvl6pPr marL="2286000" indent="0" algn="l" defTabSz="457200" rtl="0" eaLnBrk="1" latinLnBrk="0" hangingPunct="1">
+              <a:spcBef>
+                <a:spcPts val="1000"/>
+              </a:spcBef>
+              <a:spcAft>
+                <a:spcPts val="0"/>
+              </a:spcAft>
+              <a:buClr>
+                <a:schemeClr val="accent1"/>
+              </a:buClr>
+              <a:buSzPct val="80000"/>
+              <a:buFont typeface="Wingdings 3" charset="2"/>
+              <a:buNone/>
+              <a:defRPr sz="900" b="0" i="0" kern="1200">
+                <a:solidFill>
+                  <a:schemeClr val="tx1">
+                    <a:lumMod val="75000"/>
+                    <a:lumOff val="25000"/>
+                  </a:schemeClr>
+                </a:solidFill>
+                <a:latin typeface="+mn-lt"/>
+                <a:ea typeface="+mn-ea"/>
+                <a:cs typeface="+mn-cs"/>
+              </a:defRPr>
+            </a:lvl6pPr>
+            <a:lvl7pPr marL="2743200" indent="0" algn="l" defTabSz="457200" rtl="0" eaLnBrk="1" latinLnBrk="0" hangingPunct="1">
+              <a:spcBef>
+                <a:spcPts val="1000"/>
+              </a:spcBef>
+              <a:spcAft>
+                <a:spcPts val="0"/>
+              </a:spcAft>
+              <a:buClr>
+                <a:schemeClr val="accent1"/>
+              </a:buClr>
+              <a:buSzPct val="80000"/>
+              <a:buFont typeface="Wingdings 3" charset="2"/>
+              <a:buNone/>
+              <a:defRPr sz="900" b="0" i="0" kern="1200">
+                <a:solidFill>
+                  <a:schemeClr val="tx1">
+                    <a:lumMod val="75000"/>
+                    <a:lumOff val="25000"/>
+                  </a:schemeClr>
+                </a:solidFill>
+                <a:latin typeface="+mn-lt"/>
+                <a:ea typeface="+mn-ea"/>
+                <a:cs typeface="+mn-cs"/>
+              </a:defRPr>
+            </a:lvl7pPr>
+            <a:lvl8pPr marL="3200400" indent="0" algn="l" defTabSz="457200" rtl="0" eaLnBrk="1" latinLnBrk="0" hangingPunct="1">
+              <a:spcBef>
+                <a:spcPts val="1000"/>
+              </a:spcBef>
+              <a:spcAft>
+                <a:spcPts val="0"/>
+              </a:spcAft>
+              <a:buClr>
+                <a:schemeClr val="accent1"/>
+              </a:buClr>
+              <a:buSzPct val="80000"/>
+              <a:buFont typeface="Wingdings 3" charset="2"/>
+              <a:buNone/>
+              <a:defRPr sz="900" b="0" i="0" kern="1200">
+                <a:solidFill>
+                  <a:schemeClr val="tx1">
+                    <a:lumMod val="75000"/>
+                    <a:lumOff val="25000"/>
+                  </a:schemeClr>
+                </a:solidFill>
+                <a:latin typeface="+mn-lt"/>
+                <a:ea typeface="+mn-ea"/>
+                <a:cs typeface="+mn-cs"/>
+              </a:defRPr>
+            </a:lvl8pPr>
+            <a:lvl9pPr marL="3657600" indent="0" algn="l" defTabSz="457200" rtl="0" eaLnBrk="1" latinLnBrk="0" hangingPunct="1">
+              <a:spcBef>
+                <a:spcPts val="1000"/>
+              </a:spcBef>
+              <a:spcAft>
+                <a:spcPts val="0"/>
+              </a:spcAft>
+              <a:buClr>
+                <a:schemeClr val="accent1"/>
+              </a:buClr>
+              <a:buSzPct val="80000"/>
+              <a:buFont typeface="Wingdings 3" charset="2"/>
+              <a:buNone/>
+              <a:defRPr sz="900" b="0" i="0" kern="1200">
+                <a:solidFill>
+                  <a:schemeClr val="tx1">
+                    <a:lumMod val="75000"/>
+                    <a:lumOff val="25000"/>
+                  </a:schemeClr>
+                </a:solidFill>
+                <a:latin typeface="+mn-lt"/>
+                <a:ea typeface="+mn-ea"/>
+                <a:cs typeface="+mn-cs"/>
+              </a:defRPr>
+            </a:lvl9pPr>
+          </a:lstStyle>
+          <a:p>
+            <a:r>
+              <a:rPr lang="hu-HU" dirty="0"/>
+              <a:t>Az oldalunkat úgy </a:t>
+            </a:r>
+            <a:r>
+              <a:rPr lang="hu-HU" dirty="0" err="1"/>
+              <a:t>designoltuk</a:t>
+            </a:r>
+            <a:r>
+              <a:rPr lang="hu-HU" dirty="0"/>
+              <a:t> hogy a felhasználói felület kényelmes legyen  ez </a:t>
+            </a:r>
+            <a:r>
+              <a:rPr lang="hu-HU" dirty="0" err="1"/>
+              <a:t>dark</a:t>
+            </a:r>
+            <a:r>
+              <a:rPr lang="hu-HU" dirty="0"/>
+              <a:t> </a:t>
+            </a:r>
+            <a:r>
+              <a:rPr lang="hu-HU" dirty="0" err="1"/>
+              <a:t>mode-al</a:t>
+            </a:r>
+            <a:r>
+              <a:rPr lang="hu-HU" dirty="0"/>
+              <a:t> és nyelvválasztással jár </a:t>
+            </a:r>
+          </a:p>
+        </p:txBody>
+      </p:sp>
+      <p:sp>
+        <p:nvSpPr>
+          <p:cNvPr id="13" name="Szöveg helye 2">
+            <a:extLst>
+              <a:ext uri="{FF2B5EF4-FFF2-40B4-BE49-F238E27FC236}">
+                <a16:creationId xmlns:a16="http://schemas.microsoft.com/office/drawing/2014/main" id="{0D11280E-266A-4606-951A-6D6F07FE67C6}"/>
+              </a:ext>
+            </a:extLst>
+          </p:cNvPr>
+          <p:cNvSpPr txBox="1">
+            <a:spLocks/>
+          </p:cNvSpPr>
+          <p:nvPr/>
+        </p:nvSpPr>
+        <p:spPr>
+          <a:xfrm>
+            <a:off x="4352803" y="4243525"/>
+            <a:ext cx="2973163" cy="281671"/>
+          </a:xfrm>
+          <a:prstGeom prst="rect">
+            <a:avLst/>
+          </a:prstGeom>
+        </p:spPr>
+        <p:txBody>
+          <a:bodyPr vert="horz" lIns="91440" tIns="45720" rIns="91440" bIns="45720" rtlCol="0" anchor="b">
+            <a:noAutofit/>
+          </a:bodyPr>
+          <a:lstStyle>
+            <a:lvl1pPr marL="0" indent="0" algn="l" defTabSz="457200" rtl="0" eaLnBrk="1" latinLnBrk="0" hangingPunct="1">
+              <a:spcBef>
+                <a:spcPts val="1000"/>
+              </a:spcBef>
+              <a:spcAft>
+                <a:spcPts val="0"/>
+              </a:spcAft>
+              <a:buClr>
+                <a:schemeClr val="accent1"/>
+              </a:buClr>
+              <a:buSzPct val="80000"/>
+              <a:buFont typeface="Wingdings 3" charset="2"/>
+              <a:buNone/>
+              <a:defRPr sz="2400" b="0" i="0" kern="1200">
+                <a:solidFill>
+                  <a:schemeClr val="accent1">
+                    <a:lumMod val="60000"/>
+                    <a:lumOff val="40000"/>
+                  </a:schemeClr>
+                </a:solidFill>
+                <a:latin typeface="+mn-lt"/>
+                <a:ea typeface="+mn-ea"/>
+                <a:cs typeface="+mn-cs"/>
+              </a:defRPr>
+            </a:lvl1pPr>
+            <a:lvl2pPr marL="457200" indent="0" algn="l" defTabSz="457200" rtl="0" eaLnBrk="1" latinLnBrk="0" hangingPunct="1">
+              <a:spcBef>
+                <a:spcPts val="1000"/>
+              </a:spcBef>
+              <a:spcAft>
+                <a:spcPts val="0"/>
+              </a:spcAft>
+              <a:buClr>
+                <a:schemeClr val="accent1"/>
+              </a:buClr>
+              <a:buSzPct val="80000"/>
+              <a:buFont typeface="Wingdings 3" charset="2"/>
+              <a:buNone/>
+              <a:defRPr sz="2000" b="1" i="0" kern="1200">
+                <a:solidFill>
+                  <a:schemeClr val="tx1">
+                    <a:lumMod val="75000"/>
+                    <a:lumOff val="25000"/>
+                  </a:schemeClr>
+                </a:solidFill>
+                <a:latin typeface="+mn-lt"/>
+                <a:ea typeface="+mn-ea"/>
+                <a:cs typeface="+mn-cs"/>
+              </a:defRPr>
+            </a:lvl2pPr>
+            <a:lvl3pPr marL="914400" indent="0" algn="l" defTabSz="457200" rtl="0" eaLnBrk="1" latinLnBrk="0" hangingPunct="1">
+              <a:spcBef>
+                <a:spcPts val="1000"/>
+              </a:spcBef>
+              <a:spcAft>
+                <a:spcPts val="0"/>
+              </a:spcAft>
+              <a:buClr>
+                <a:schemeClr val="accent1"/>
+              </a:buClr>
+              <a:buSzPct val="80000"/>
+              <a:buFont typeface="Wingdings 3" charset="2"/>
+              <a:buNone/>
+              <a:defRPr sz="1800" b="1" i="0" kern="1200">
+                <a:solidFill>
+                  <a:schemeClr val="tx1">
+                    <a:lumMod val="75000"/>
+                    <a:lumOff val="25000"/>
+                  </a:schemeClr>
+                </a:solidFill>
+                <a:latin typeface="+mn-lt"/>
+                <a:ea typeface="+mn-ea"/>
+                <a:cs typeface="+mn-cs"/>
+              </a:defRPr>
+            </a:lvl3pPr>
+            <a:lvl4pPr marL="1371600" indent="0" algn="l" defTabSz="457200" rtl="0" eaLnBrk="1" latinLnBrk="0" hangingPunct="1">
+              <a:spcBef>
+                <a:spcPts val="1000"/>
+              </a:spcBef>
+              <a:spcAft>
+                <a:spcPts val="0"/>
+              </a:spcAft>
+              <a:buClr>
+                <a:schemeClr val="accent1"/>
+              </a:buClr>
+              <a:buSzPct val="80000"/>
+              <a:buFont typeface="Wingdings 3" charset="2"/>
+              <a:buNone/>
+              <a:defRPr sz="1600" b="1" i="0" kern="1200">
+                <a:solidFill>
+                  <a:schemeClr val="tx1">
+                    <a:lumMod val="75000"/>
+                    <a:lumOff val="25000"/>
+                  </a:schemeClr>
+                </a:solidFill>
+                <a:latin typeface="+mn-lt"/>
+                <a:ea typeface="+mn-ea"/>
+                <a:cs typeface="+mn-cs"/>
+              </a:defRPr>
+            </a:lvl4pPr>
+            <a:lvl5pPr marL="1828800" indent="0" algn="l" defTabSz="457200" rtl="0" eaLnBrk="1" latinLnBrk="0" hangingPunct="1">
+              <a:spcBef>
+                <a:spcPts val="1000"/>
+              </a:spcBef>
+              <a:spcAft>
+                <a:spcPts val="0"/>
+              </a:spcAft>
+              <a:buClr>
+                <a:schemeClr val="accent1"/>
+              </a:buClr>
+              <a:buSzPct val="80000"/>
+              <a:buFont typeface="Wingdings 3" charset="2"/>
+              <a:buNone/>
+              <a:defRPr sz="1600" b="1" i="0" kern="1200">
+                <a:solidFill>
+                  <a:schemeClr val="tx1">
+                    <a:lumMod val="75000"/>
+                    <a:lumOff val="25000"/>
+                  </a:schemeClr>
+                </a:solidFill>
+                <a:latin typeface="+mn-lt"/>
+                <a:ea typeface="+mn-ea"/>
+                <a:cs typeface="+mn-cs"/>
+              </a:defRPr>
+            </a:lvl5pPr>
+            <a:lvl6pPr marL="2286000" indent="0" algn="l" defTabSz="457200" rtl="0" eaLnBrk="1" latinLnBrk="0" hangingPunct="1">
+              <a:spcBef>
+                <a:spcPts val="1000"/>
+              </a:spcBef>
+              <a:spcAft>
+                <a:spcPts val="0"/>
+              </a:spcAft>
+              <a:buClr>
+                <a:schemeClr val="accent1"/>
+              </a:buClr>
+              <a:buSzPct val="80000"/>
+              <a:buFont typeface="Wingdings 3" charset="2"/>
+              <a:buNone/>
+              <a:defRPr sz="1600" b="1" i="0" kern="1200">
+                <a:solidFill>
+                  <a:schemeClr val="tx1">
+                    <a:lumMod val="75000"/>
+                    <a:lumOff val="25000"/>
+                  </a:schemeClr>
+                </a:solidFill>
+                <a:latin typeface="+mn-lt"/>
+                <a:ea typeface="+mn-ea"/>
+                <a:cs typeface="+mn-cs"/>
+              </a:defRPr>
+            </a:lvl6pPr>
+            <a:lvl7pPr marL="2743200" indent="0" algn="l" defTabSz="457200" rtl="0" eaLnBrk="1" latinLnBrk="0" hangingPunct="1">
+              <a:spcBef>
+                <a:spcPts val="1000"/>
+              </a:spcBef>
+              <a:spcAft>
+                <a:spcPts val="0"/>
+              </a:spcAft>
+              <a:buClr>
+                <a:schemeClr val="accent1"/>
+              </a:buClr>
+              <a:buSzPct val="80000"/>
+              <a:buFont typeface="Wingdings 3" charset="2"/>
+              <a:buNone/>
+              <a:defRPr sz="1600" b="1" i="0" kern="1200">
+                <a:solidFill>
+                  <a:schemeClr val="tx1">
+                    <a:lumMod val="75000"/>
+                    <a:lumOff val="25000"/>
+                  </a:schemeClr>
+                </a:solidFill>
+                <a:latin typeface="+mn-lt"/>
+                <a:ea typeface="+mn-ea"/>
+                <a:cs typeface="+mn-cs"/>
+              </a:defRPr>
+            </a:lvl7pPr>
+            <a:lvl8pPr marL="3200400" indent="0" algn="l" defTabSz="457200" rtl="0" eaLnBrk="1" latinLnBrk="0" hangingPunct="1">
+              <a:spcBef>
+                <a:spcPts val="1000"/>
+              </a:spcBef>
+              <a:spcAft>
+                <a:spcPts val="0"/>
+              </a:spcAft>
+              <a:buClr>
+                <a:schemeClr val="accent1"/>
+              </a:buClr>
+              <a:buSzPct val="80000"/>
+              <a:buFont typeface="Wingdings 3" charset="2"/>
+              <a:buNone/>
+              <a:defRPr sz="1600" b="1" i="0" kern="1200">
+                <a:solidFill>
+                  <a:schemeClr val="tx1">
+                    <a:lumMod val="75000"/>
+                    <a:lumOff val="25000"/>
+                  </a:schemeClr>
+                </a:solidFill>
+                <a:latin typeface="+mn-lt"/>
+                <a:ea typeface="+mn-ea"/>
+                <a:cs typeface="+mn-cs"/>
+              </a:defRPr>
+            </a:lvl8pPr>
+            <a:lvl9pPr marL="3657600" indent="0" algn="l" defTabSz="457200" rtl="0" eaLnBrk="1" latinLnBrk="0" hangingPunct="1">
+              <a:spcBef>
+                <a:spcPts val="1000"/>
+              </a:spcBef>
+              <a:spcAft>
+                <a:spcPts val="0"/>
+              </a:spcAft>
+              <a:buClr>
+                <a:schemeClr val="accent1"/>
+              </a:buClr>
+              <a:buSzPct val="80000"/>
+              <a:buFont typeface="Wingdings 3" charset="2"/>
+              <a:buNone/>
+              <a:defRPr sz="1600" b="1" i="0" kern="1200">
+                <a:solidFill>
+                  <a:schemeClr val="tx1">
+                    <a:lumMod val="75000"/>
+                    <a:lumOff val="25000"/>
+                  </a:schemeClr>
+                </a:solidFill>
+                <a:latin typeface="+mn-lt"/>
+                <a:ea typeface="+mn-ea"/>
+                <a:cs typeface="+mn-cs"/>
+              </a:defRPr>
+            </a:lvl9pPr>
+          </a:lstStyle>
+          <a:p>
+            <a:r>
+              <a:rPr lang="hu-HU" dirty="0"/>
+              <a:t>Rendelés</a:t>
+            </a:r>
+          </a:p>
+        </p:txBody>
+      </p:sp>
+      <p:sp>
+        <p:nvSpPr>
+          <p:cNvPr id="14" name="Szöveg helye 3">
+            <a:extLst>
+              <a:ext uri="{FF2B5EF4-FFF2-40B4-BE49-F238E27FC236}">
+                <a16:creationId xmlns:a16="http://schemas.microsoft.com/office/drawing/2014/main" id="{B98C641E-ED19-4137-8E8F-AE9F86C6858C}"/>
+              </a:ext>
+            </a:extLst>
+          </p:cNvPr>
+          <p:cNvSpPr txBox="1">
+            <a:spLocks/>
+          </p:cNvSpPr>
+          <p:nvPr/>
+        </p:nvSpPr>
+        <p:spPr>
+          <a:xfrm>
+            <a:off x="4365513" y="4819790"/>
+            <a:ext cx="2973164" cy="1063761"/>
+          </a:xfrm>
+          <a:prstGeom prst="rect">
+            <a:avLst/>
+          </a:prstGeom>
+        </p:spPr>
+        <p:txBody>
+          <a:bodyPr vert="horz" lIns="91440" tIns="45720" rIns="91440" bIns="45720" rtlCol="0" anchor="t">
+            <a:normAutofit/>
+          </a:bodyPr>
+          <a:lstStyle>
+            <a:lvl1pPr marL="0" indent="0" algn="l" defTabSz="457200" rtl="0" eaLnBrk="1" latinLnBrk="0" hangingPunct="1">
+              <a:spcBef>
+                <a:spcPts val="1000"/>
+              </a:spcBef>
+              <a:spcAft>
+                <a:spcPts val="0"/>
+              </a:spcAft>
+              <a:buClr>
+                <a:schemeClr val="accent1"/>
+              </a:buClr>
+              <a:buSzPct val="80000"/>
+              <a:buFont typeface="Wingdings 3" charset="2"/>
+              <a:buNone/>
+              <a:defRPr sz="1400" b="0" i="0" kern="1200">
+                <a:solidFill>
+                  <a:schemeClr val="tx1">
+                    <a:lumMod val="75000"/>
+                    <a:lumOff val="25000"/>
+                  </a:schemeClr>
+                </a:solidFill>
+                <a:latin typeface="+mn-lt"/>
+                <a:ea typeface="+mn-ea"/>
+                <a:cs typeface="+mn-cs"/>
+              </a:defRPr>
+            </a:lvl1pPr>
+            <a:lvl2pPr marL="457200" indent="0" algn="l" defTabSz="457200" rtl="0" eaLnBrk="1" latinLnBrk="0" hangingPunct="1">
+              <a:spcBef>
+                <a:spcPts val="1000"/>
+              </a:spcBef>
+              <a:spcAft>
+                <a:spcPts val="0"/>
+              </a:spcAft>
+              <a:buClr>
+                <a:schemeClr val="accent1"/>
+              </a:buClr>
+              <a:buSzPct val="80000"/>
+              <a:buFont typeface="Wingdings 3" charset="2"/>
+              <a:buNone/>
+              <a:defRPr sz="1200" b="0" i="0" kern="1200">
+                <a:solidFill>
+                  <a:schemeClr val="tx1">
+                    <a:lumMod val="75000"/>
+                    <a:lumOff val="25000"/>
+                  </a:schemeClr>
+                </a:solidFill>
+                <a:latin typeface="+mn-lt"/>
+                <a:ea typeface="+mn-ea"/>
+                <a:cs typeface="+mn-cs"/>
+              </a:defRPr>
+            </a:lvl2pPr>
+            <a:lvl3pPr marL="914400" indent="0" algn="l" defTabSz="457200" rtl="0" eaLnBrk="1" latinLnBrk="0" hangingPunct="1">
+              <a:spcBef>
+                <a:spcPts val="1000"/>
+              </a:spcBef>
+              <a:spcAft>
+                <a:spcPts val="0"/>
+              </a:spcAft>
+              <a:buClr>
+                <a:schemeClr val="accent1"/>
+              </a:buClr>
+              <a:buSzPct val="80000"/>
+              <a:buFont typeface="Wingdings 3" charset="2"/>
+              <a:buNone/>
+              <a:defRPr sz="1000" b="0" i="0" kern="1200">
+                <a:solidFill>
+                  <a:schemeClr val="tx1">
+                    <a:lumMod val="75000"/>
+                    <a:lumOff val="25000"/>
+                  </a:schemeClr>
+                </a:solidFill>
+                <a:latin typeface="+mn-lt"/>
+                <a:ea typeface="+mn-ea"/>
+                <a:cs typeface="+mn-cs"/>
+              </a:defRPr>
+            </a:lvl3pPr>
+            <a:lvl4pPr marL="1371600" indent="0" algn="l" defTabSz="457200" rtl="0" eaLnBrk="1" latinLnBrk="0" hangingPunct="1">
+              <a:spcBef>
+                <a:spcPts val="1000"/>
+              </a:spcBef>
+              <a:spcAft>
+                <a:spcPts val="0"/>
+              </a:spcAft>
+              <a:buClr>
+                <a:schemeClr val="accent1"/>
+              </a:buClr>
+              <a:buSzPct val="80000"/>
+              <a:buFont typeface="Wingdings 3" charset="2"/>
+              <a:buNone/>
+              <a:defRPr sz="900" b="0" i="0" kern="1200">
+                <a:solidFill>
+                  <a:schemeClr val="tx1">
+                    <a:lumMod val="75000"/>
+                    <a:lumOff val="25000"/>
+                  </a:schemeClr>
+                </a:solidFill>
+                <a:latin typeface="+mn-lt"/>
+                <a:ea typeface="+mn-ea"/>
+                <a:cs typeface="+mn-cs"/>
+              </a:defRPr>
+            </a:lvl4pPr>
+            <a:lvl5pPr marL="1828800" indent="0" algn="l" defTabSz="457200" rtl="0" eaLnBrk="1" latinLnBrk="0" hangingPunct="1">
+              <a:spcBef>
+                <a:spcPts val="1000"/>
+              </a:spcBef>
+              <a:spcAft>
+                <a:spcPts val="0"/>
+              </a:spcAft>
+              <a:buClr>
+                <a:schemeClr val="accent1"/>
+              </a:buClr>
+              <a:buSzPct val="80000"/>
+              <a:buFont typeface="Wingdings 3" charset="2"/>
+              <a:buNone/>
+              <a:defRPr sz="900" b="0" i="0" kern="1200">
+                <a:solidFill>
+                  <a:schemeClr val="tx1">
+                    <a:lumMod val="75000"/>
+                    <a:lumOff val="25000"/>
+                  </a:schemeClr>
+                </a:solidFill>
+                <a:latin typeface="+mn-lt"/>
+                <a:ea typeface="+mn-ea"/>
+                <a:cs typeface="+mn-cs"/>
+              </a:defRPr>
+            </a:lvl5pPr>
+            <a:lvl6pPr marL="2286000" indent="0" algn="l" defTabSz="457200" rtl="0" eaLnBrk="1" latinLnBrk="0" hangingPunct="1">
+              <a:spcBef>
+                <a:spcPts val="1000"/>
+              </a:spcBef>
+              <a:spcAft>
+                <a:spcPts val="0"/>
+              </a:spcAft>
+              <a:buClr>
+                <a:schemeClr val="accent1"/>
+              </a:buClr>
+              <a:buSzPct val="80000"/>
+              <a:buFont typeface="Wingdings 3" charset="2"/>
+              <a:buNone/>
+              <a:defRPr sz="900" b="0" i="0" kern="1200">
+                <a:solidFill>
+                  <a:schemeClr val="tx1">
+                    <a:lumMod val="75000"/>
+                    <a:lumOff val="25000"/>
+                  </a:schemeClr>
+                </a:solidFill>
+                <a:latin typeface="+mn-lt"/>
+                <a:ea typeface="+mn-ea"/>
+                <a:cs typeface="+mn-cs"/>
+              </a:defRPr>
+            </a:lvl6pPr>
+            <a:lvl7pPr marL="2743200" indent="0" algn="l" defTabSz="457200" rtl="0" eaLnBrk="1" latinLnBrk="0" hangingPunct="1">
+              <a:spcBef>
+                <a:spcPts val="1000"/>
+              </a:spcBef>
+              <a:spcAft>
+                <a:spcPts val="0"/>
+              </a:spcAft>
+              <a:buClr>
+                <a:schemeClr val="accent1"/>
+              </a:buClr>
+              <a:buSzPct val="80000"/>
+              <a:buFont typeface="Wingdings 3" charset="2"/>
+              <a:buNone/>
+              <a:defRPr sz="900" b="0" i="0" kern="1200">
+                <a:solidFill>
+                  <a:schemeClr val="tx1">
+                    <a:lumMod val="75000"/>
+                    <a:lumOff val="25000"/>
+                  </a:schemeClr>
+                </a:solidFill>
+                <a:latin typeface="+mn-lt"/>
+                <a:ea typeface="+mn-ea"/>
+                <a:cs typeface="+mn-cs"/>
+              </a:defRPr>
+            </a:lvl7pPr>
+            <a:lvl8pPr marL="3200400" indent="0" algn="l" defTabSz="457200" rtl="0" eaLnBrk="1" latinLnBrk="0" hangingPunct="1">
+              <a:spcBef>
+                <a:spcPts val="1000"/>
+              </a:spcBef>
+              <a:spcAft>
+                <a:spcPts val="0"/>
+              </a:spcAft>
+              <a:buClr>
+                <a:schemeClr val="accent1"/>
+              </a:buClr>
+              <a:buSzPct val="80000"/>
+              <a:buFont typeface="Wingdings 3" charset="2"/>
+              <a:buNone/>
+              <a:defRPr sz="900" b="0" i="0" kern="1200">
+                <a:solidFill>
+                  <a:schemeClr val="tx1">
+                    <a:lumMod val="75000"/>
+                    <a:lumOff val="25000"/>
+                  </a:schemeClr>
+                </a:solidFill>
+                <a:latin typeface="+mn-lt"/>
+                <a:ea typeface="+mn-ea"/>
+                <a:cs typeface="+mn-cs"/>
+              </a:defRPr>
+            </a:lvl8pPr>
+            <a:lvl9pPr marL="3657600" indent="0" algn="l" defTabSz="457200" rtl="0" eaLnBrk="1" latinLnBrk="0" hangingPunct="1">
+              <a:spcBef>
+                <a:spcPts val="1000"/>
+              </a:spcBef>
+              <a:spcAft>
+                <a:spcPts val="0"/>
+              </a:spcAft>
+              <a:buClr>
+                <a:schemeClr val="accent1"/>
+              </a:buClr>
+              <a:buSzPct val="80000"/>
+              <a:buFont typeface="Wingdings 3" charset="2"/>
+              <a:buNone/>
+              <a:defRPr sz="900" b="0" i="0" kern="1200">
+                <a:solidFill>
+                  <a:schemeClr val="tx1">
+                    <a:lumMod val="75000"/>
+                    <a:lumOff val="25000"/>
+                  </a:schemeClr>
+                </a:solidFill>
+                <a:latin typeface="+mn-lt"/>
+                <a:ea typeface="+mn-ea"/>
+                <a:cs typeface="+mn-cs"/>
+              </a:defRPr>
+            </a:lvl9pPr>
+          </a:lstStyle>
+          <a:p>
+            <a:r>
+              <a:rPr lang="hu-HU" dirty="0"/>
+              <a:t>Az oldalon  lehetőség van rendelni borokat és felhasználni a kupont</a:t>
+            </a:r>
+          </a:p>
+        </p:txBody>
+      </p:sp>
+      <p:sp>
+        <p:nvSpPr>
+          <p:cNvPr id="15" name="Szöveg helye 2">
+            <a:extLst>
+              <a:ext uri="{FF2B5EF4-FFF2-40B4-BE49-F238E27FC236}">
+                <a16:creationId xmlns:a16="http://schemas.microsoft.com/office/drawing/2014/main" id="{5963E2FD-00AD-4C75-9762-FCDF1A4C0483}"/>
+              </a:ext>
+            </a:extLst>
+          </p:cNvPr>
+          <p:cNvSpPr txBox="1">
+            <a:spLocks/>
+          </p:cNvSpPr>
+          <p:nvPr/>
+        </p:nvSpPr>
+        <p:spPr>
+          <a:xfrm>
+            <a:off x="7697994" y="2605489"/>
+            <a:ext cx="2973163" cy="322792"/>
+          </a:xfrm>
+          <a:prstGeom prst="rect">
+            <a:avLst/>
+          </a:prstGeom>
+        </p:spPr>
+        <p:txBody>
+          <a:bodyPr vert="horz" lIns="91440" tIns="45720" rIns="91440" bIns="45720" rtlCol="0" anchor="b">
+            <a:noAutofit/>
+          </a:bodyPr>
+          <a:lstStyle>
+            <a:lvl1pPr marL="0" indent="0" algn="l" defTabSz="457200" rtl="0" eaLnBrk="1" latinLnBrk="0" hangingPunct="1">
+              <a:spcBef>
+                <a:spcPts val="1000"/>
+              </a:spcBef>
+              <a:spcAft>
+                <a:spcPts val="0"/>
+              </a:spcAft>
+              <a:buClr>
+                <a:schemeClr val="accent1"/>
+              </a:buClr>
+              <a:buSzPct val="80000"/>
+              <a:buFont typeface="Wingdings 3" charset="2"/>
+              <a:buNone/>
+              <a:defRPr sz="2400" b="0" i="0" kern="1200">
+                <a:solidFill>
+                  <a:schemeClr val="accent1">
+                    <a:lumMod val="60000"/>
+                    <a:lumOff val="40000"/>
+                  </a:schemeClr>
+                </a:solidFill>
+                <a:latin typeface="+mn-lt"/>
+                <a:ea typeface="+mn-ea"/>
+                <a:cs typeface="+mn-cs"/>
+              </a:defRPr>
+            </a:lvl1pPr>
+            <a:lvl2pPr marL="457200" indent="0" algn="l" defTabSz="457200" rtl="0" eaLnBrk="1" latinLnBrk="0" hangingPunct="1">
+              <a:spcBef>
+                <a:spcPts val="1000"/>
+              </a:spcBef>
+              <a:spcAft>
+                <a:spcPts val="0"/>
+              </a:spcAft>
+              <a:buClr>
+                <a:schemeClr val="accent1"/>
+              </a:buClr>
+              <a:buSzPct val="80000"/>
+              <a:buFont typeface="Wingdings 3" charset="2"/>
+              <a:buNone/>
+              <a:defRPr sz="2000" b="1" i="0" kern="1200">
+                <a:solidFill>
+                  <a:schemeClr val="tx1">
+                    <a:lumMod val="75000"/>
+                    <a:lumOff val="25000"/>
+                  </a:schemeClr>
+                </a:solidFill>
+                <a:latin typeface="+mn-lt"/>
+                <a:ea typeface="+mn-ea"/>
+                <a:cs typeface="+mn-cs"/>
+              </a:defRPr>
+            </a:lvl2pPr>
+            <a:lvl3pPr marL="914400" indent="0" algn="l" defTabSz="457200" rtl="0" eaLnBrk="1" latinLnBrk="0" hangingPunct="1">
+              <a:spcBef>
+                <a:spcPts val="1000"/>
+              </a:spcBef>
+              <a:spcAft>
+                <a:spcPts val="0"/>
+              </a:spcAft>
+              <a:buClr>
+                <a:schemeClr val="accent1"/>
+              </a:buClr>
+              <a:buSzPct val="80000"/>
+              <a:buFont typeface="Wingdings 3" charset="2"/>
+              <a:buNone/>
+              <a:defRPr sz="1800" b="1" i="0" kern="1200">
+                <a:solidFill>
+                  <a:schemeClr val="tx1">
+                    <a:lumMod val="75000"/>
+                    <a:lumOff val="25000"/>
+                  </a:schemeClr>
+                </a:solidFill>
+                <a:latin typeface="+mn-lt"/>
+                <a:ea typeface="+mn-ea"/>
+                <a:cs typeface="+mn-cs"/>
+              </a:defRPr>
+            </a:lvl3pPr>
+            <a:lvl4pPr marL="1371600" indent="0" algn="l" defTabSz="457200" rtl="0" eaLnBrk="1" latinLnBrk="0" hangingPunct="1">
+              <a:spcBef>
+                <a:spcPts val="1000"/>
+              </a:spcBef>
+              <a:spcAft>
+                <a:spcPts val="0"/>
+              </a:spcAft>
+              <a:buClr>
+                <a:schemeClr val="accent1"/>
+              </a:buClr>
+              <a:buSzPct val="80000"/>
+              <a:buFont typeface="Wingdings 3" charset="2"/>
+              <a:buNone/>
+              <a:defRPr sz="1600" b="1" i="0" kern="1200">
+                <a:solidFill>
+                  <a:schemeClr val="tx1">
+                    <a:lumMod val="75000"/>
+                    <a:lumOff val="25000"/>
+                  </a:schemeClr>
+                </a:solidFill>
+                <a:latin typeface="+mn-lt"/>
+                <a:ea typeface="+mn-ea"/>
+                <a:cs typeface="+mn-cs"/>
+              </a:defRPr>
+            </a:lvl4pPr>
+            <a:lvl5pPr marL="1828800" indent="0" algn="l" defTabSz="457200" rtl="0" eaLnBrk="1" latinLnBrk="0" hangingPunct="1">
+              <a:spcBef>
+                <a:spcPts val="1000"/>
+              </a:spcBef>
+              <a:spcAft>
+                <a:spcPts val="0"/>
+              </a:spcAft>
+              <a:buClr>
+                <a:schemeClr val="accent1"/>
+              </a:buClr>
+              <a:buSzPct val="80000"/>
+              <a:buFont typeface="Wingdings 3" charset="2"/>
+              <a:buNone/>
+              <a:defRPr sz="1600" b="1" i="0" kern="1200">
+                <a:solidFill>
+                  <a:schemeClr val="tx1">
+                    <a:lumMod val="75000"/>
+                    <a:lumOff val="25000"/>
+                  </a:schemeClr>
+                </a:solidFill>
+                <a:latin typeface="+mn-lt"/>
+                <a:ea typeface="+mn-ea"/>
+                <a:cs typeface="+mn-cs"/>
+              </a:defRPr>
+            </a:lvl5pPr>
+            <a:lvl6pPr marL="2286000" indent="0" algn="l" defTabSz="457200" rtl="0" eaLnBrk="1" latinLnBrk="0" hangingPunct="1">
+              <a:spcBef>
+                <a:spcPts val="1000"/>
+              </a:spcBef>
+              <a:spcAft>
+                <a:spcPts val="0"/>
+              </a:spcAft>
+              <a:buClr>
+                <a:schemeClr val="accent1"/>
+              </a:buClr>
+              <a:buSzPct val="80000"/>
+              <a:buFont typeface="Wingdings 3" charset="2"/>
+              <a:buNone/>
+              <a:defRPr sz="1600" b="1" i="0" kern="1200">
+                <a:solidFill>
+                  <a:schemeClr val="tx1">
+                    <a:lumMod val="75000"/>
+                    <a:lumOff val="25000"/>
+                  </a:schemeClr>
+                </a:solidFill>
+                <a:latin typeface="+mn-lt"/>
+                <a:ea typeface="+mn-ea"/>
+                <a:cs typeface="+mn-cs"/>
+              </a:defRPr>
+            </a:lvl6pPr>
+            <a:lvl7pPr marL="2743200" indent="0" algn="l" defTabSz="457200" rtl="0" eaLnBrk="1" latinLnBrk="0" hangingPunct="1">
+              <a:spcBef>
+                <a:spcPts val="1000"/>
+              </a:spcBef>
+              <a:spcAft>
+                <a:spcPts val="0"/>
+              </a:spcAft>
+              <a:buClr>
+                <a:schemeClr val="accent1"/>
+              </a:buClr>
+              <a:buSzPct val="80000"/>
+              <a:buFont typeface="Wingdings 3" charset="2"/>
+              <a:buNone/>
+              <a:defRPr sz="1600" b="1" i="0" kern="1200">
+                <a:solidFill>
+                  <a:schemeClr val="tx1">
+                    <a:lumMod val="75000"/>
+                    <a:lumOff val="25000"/>
+                  </a:schemeClr>
+                </a:solidFill>
+                <a:latin typeface="+mn-lt"/>
+                <a:ea typeface="+mn-ea"/>
+                <a:cs typeface="+mn-cs"/>
+              </a:defRPr>
+            </a:lvl7pPr>
+            <a:lvl8pPr marL="3200400" indent="0" algn="l" defTabSz="457200" rtl="0" eaLnBrk="1" latinLnBrk="0" hangingPunct="1">
+              <a:spcBef>
+                <a:spcPts val="1000"/>
+              </a:spcBef>
+              <a:spcAft>
+                <a:spcPts val="0"/>
+              </a:spcAft>
+              <a:buClr>
+                <a:schemeClr val="accent1"/>
+              </a:buClr>
+              <a:buSzPct val="80000"/>
+              <a:buFont typeface="Wingdings 3" charset="2"/>
+              <a:buNone/>
+              <a:defRPr sz="1600" b="1" i="0" kern="1200">
+                <a:solidFill>
+                  <a:schemeClr val="tx1">
+                    <a:lumMod val="75000"/>
+                    <a:lumOff val="25000"/>
+                  </a:schemeClr>
+                </a:solidFill>
+                <a:latin typeface="+mn-lt"/>
+                <a:ea typeface="+mn-ea"/>
+                <a:cs typeface="+mn-cs"/>
+              </a:defRPr>
+            </a:lvl8pPr>
+            <a:lvl9pPr marL="3657600" indent="0" algn="l" defTabSz="457200" rtl="0" eaLnBrk="1" latinLnBrk="0" hangingPunct="1">
+              <a:spcBef>
+                <a:spcPts val="1000"/>
+              </a:spcBef>
+              <a:spcAft>
+                <a:spcPts val="0"/>
+              </a:spcAft>
+              <a:buClr>
+                <a:schemeClr val="accent1"/>
+              </a:buClr>
+              <a:buSzPct val="80000"/>
+              <a:buFont typeface="Wingdings 3" charset="2"/>
+              <a:buNone/>
+              <a:defRPr sz="1600" b="1" i="0" kern="1200">
+                <a:solidFill>
+                  <a:schemeClr val="tx1">
+                    <a:lumMod val="75000"/>
+                    <a:lumOff val="25000"/>
+                  </a:schemeClr>
+                </a:solidFill>
+                <a:latin typeface="+mn-lt"/>
+                <a:ea typeface="+mn-ea"/>
+                <a:cs typeface="+mn-cs"/>
+              </a:defRPr>
+            </a:lvl9pPr>
+          </a:lstStyle>
+          <a:p>
+            <a:r>
+              <a:rPr lang="hu-HU" dirty="0" err="1"/>
+              <a:t>Admin</a:t>
+            </a:r>
+            <a:endParaRPr lang="hu-HU" dirty="0"/>
+          </a:p>
+        </p:txBody>
+      </p:sp>
+      <p:sp>
+        <p:nvSpPr>
+          <p:cNvPr id="16" name="Szöveg helye 3">
+            <a:extLst>
+              <a:ext uri="{FF2B5EF4-FFF2-40B4-BE49-F238E27FC236}">
+                <a16:creationId xmlns:a16="http://schemas.microsoft.com/office/drawing/2014/main" id="{0AFEDA9A-31A6-432E-AC98-E03C6B548C28}"/>
+              </a:ext>
+            </a:extLst>
+          </p:cNvPr>
+          <p:cNvSpPr txBox="1">
+            <a:spLocks/>
+          </p:cNvSpPr>
+          <p:nvPr/>
+        </p:nvSpPr>
+        <p:spPr>
+          <a:xfrm>
+            <a:off x="7710706" y="3173380"/>
+            <a:ext cx="2973164" cy="1063761"/>
+          </a:xfrm>
+          <a:prstGeom prst="rect">
+            <a:avLst/>
+          </a:prstGeom>
+        </p:spPr>
+        <p:txBody>
+          <a:bodyPr vert="horz" lIns="91440" tIns="45720" rIns="91440" bIns="45720" rtlCol="0" anchor="t">
+            <a:normAutofit fontScale="92500" lnSpcReduction="10000"/>
+          </a:bodyPr>
+          <a:lstStyle>
+            <a:lvl1pPr marL="0" indent="0" algn="l" defTabSz="457200" rtl="0" eaLnBrk="1" latinLnBrk="0" hangingPunct="1">
+              <a:spcBef>
+                <a:spcPts val="1000"/>
+              </a:spcBef>
+              <a:spcAft>
+                <a:spcPts val="0"/>
+              </a:spcAft>
+              <a:buClr>
+                <a:schemeClr val="accent1"/>
+              </a:buClr>
+              <a:buSzPct val="80000"/>
+              <a:buFont typeface="Wingdings 3" charset="2"/>
+              <a:buNone/>
+              <a:defRPr sz="1400" b="0" i="0" kern="1200">
+                <a:solidFill>
+                  <a:schemeClr val="tx1">
+                    <a:lumMod val="75000"/>
+                    <a:lumOff val="25000"/>
+                  </a:schemeClr>
+                </a:solidFill>
+                <a:latin typeface="+mn-lt"/>
+                <a:ea typeface="+mn-ea"/>
+                <a:cs typeface="+mn-cs"/>
+              </a:defRPr>
+            </a:lvl1pPr>
+            <a:lvl2pPr marL="457200" indent="0" algn="l" defTabSz="457200" rtl="0" eaLnBrk="1" latinLnBrk="0" hangingPunct="1">
+              <a:spcBef>
+                <a:spcPts val="1000"/>
+              </a:spcBef>
+              <a:spcAft>
+                <a:spcPts val="0"/>
+              </a:spcAft>
+              <a:buClr>
+                <a:schemeClr val="accent1"/>
+              </a:buClr>
+              <a:buSzPct val="80000"/>
+              <a:buFont typeface="Wingdings 3" charset="2"/>
+              <a:buNone/>
+              <a:defRPr sz="1200" b="0" i="0" kern="1200">
+                <a:solidFill>
+                  <a:schemeClr val="tx1">
+                    <a:lumMod val="75000"/>
+                    <a:lumOff val="25000"/>
+                  </a:schemeClr>
+                </a:solidFill>
+                <a:latin typeface="+mn-lt"/>
+                <a:ea typeface="+mn-ea"/>
+                <a:cs typeface="+mn-cs"/>
+              </a:defRPr>
+            </a:lvl2pPr>
+            <a:lvl3pPr marL="914400" indent="0" algn="l" defTabSz="457200" rtl="0" eaLnBrk="1" latinLnBrk="0" hangingPunct="1">
+              <a:spcBef>
+                <a:spcPts val="1000"/>
+              </a:spcBef>
+              <a:spcAft>
+                <a:spcPts val="0"/>
+              </a:spcAft>
+              <a:buClr>
+                <a:schemeClr val="accent1"/>
+              </a:buClr>
+              <a:buSzPct val="80000"/>
+              <a:buFont typeface="Wingdings 3" charset="2"/>
+              <a:buNone/>
+              <a:defRPr sz="1000" b="0" i="0" kern="1200">
+                <a:solidFill>
+                  <a:schemeClr val="tx1">
+                    <a:lumMod val="75000"/>
+                    <a:lumOff val="25000"/>
+                  </a:schemeClr>
+                </a:solidFill>
+                <a:latin typeface="+mn-lt"/>
+                <a:ea typeface="+mn-ea"/>
+                <a:cs typeface="+mn-cs"/>
+              </a:defRPr>
+            </a:lvl3pPr>
+            <a:lvl4pPr marL="1371600" indent="0" algn="l" defTabSz="457200" rtl="0" eaLnBrk="1" latinLnBrk="0" hangingPunct="1">
+              <a:spcBef>
+                <a:spcPts val="1000"/>
+              </a:spcBef>
+              <a:spcAft>
+                <a:spcPts val="0"/>
+              </a:spcAft>
+              <a:buClr>
+                <a:schemeClr val="accent1"/>
+              </a:buClr>
+              <a:buSzPct val="80000"/>
+              <a:buFont typeface="Wingdings 3" charset="2"/>
+              <a:buNone/>
+              <a:defRPr sz="900" b="0" i="0" kern="1200">
+                <a:solidFill>
+                  <a:schemeClr val="tx1">
+                    <a:lumMod val="75000"/>
+                    <a:lumOff val="25000"/>
+                  </a:schemeClr>
+                </a:solidFill>
+                <a:latin typeface="+mn-lt"/>
+                <a:ea typeface="+mn-ea"/>
+                <a:cs typeface="+mn-cs"/>
+              </a:defRPr>
+            </a:lvl4pPr>
+            <a:lvl5pPr marL="1828800" indent="0" algn="l" defTabSz="457200" rtl="0" eaLnBrk="1" latinLnBrk="0" hangingPunct="1">
+              <a:spcBef>
+                <a:spcPts val="1000"/>
+              </a:spcBef>
+              <a:spcAft>
+                <a:spcPts val="0"/>
+              </a:spcAft>
+              <a:buClr>
+                <a:schemeClr val="accent1"/>
+              </a:buClr>
+              <a:buSzPct val="80000"/>
+              <a:buFont typeface="Wingdings 3" charset="2"/>
+              <a:buNone/>
+              <a:defRPr sz="900" b="0" i="0" kern="1200">
+                <a:solidFill>
+                  <a:schemeClr val="tx1">
+                    <a:lumMod val="75000"/>
+                    <a:lumOff val="25000"/>
+                  </a:schemeClr>
+                </a:solidFill>
+                <a:latin typeface="+mn-lt"/>
+                <a:ea typeface="+mn-ea"/>
+                <a:cs typeface="+mn-cs"/>
+              </a:defRPr>
+            </a:lvl5pPr>
+            <a:lvl6pPr marL="2286000" indent="0" algn="l" defTabSz="457200" rtl="0" eaLnBrk="1" latinLnBrk="0" hangingPunct="1">
+              <a:spcBef>
+                <a:spcPts val="1000"/>
+              </a:spcBef>
+              <a:spcAft>
+                <a:spcPts val="0"/>
+              </a:spcAft>
+              <a:buClr>
+                <a:schemeClr val="accent1"/>
+              </a:buClr>
+              <a:buSzPct val="80000"/>
+              <a:buFont typeface="Wingdings 3" charset="2"/>
+              <a:buNone/>
+              <a:defRPr sz="900" b="0" i="0" kern="1200">
+                <a:solidFill>
+                  <a:schemeClr val="tx1">
+                    <a:lumMod val="75000"/>
+                    <a:lumOff val="25000"/>
+                  </a:schemeClr>
+                </a:solidFill>
+                <a:latin typeface="+mn-lt"/>
+                <a:ea typeface="+mn-ea"/>
+                <a:cs typeface="+mn-cs"/>
+              </a:defRPr>
+            </a:lvl6pPr>
+            <a:lvl7pPr marL="2743200" indent="0" algn="l" defTabSz="457200" rtl="0" eaLnBrk="1" latinLnBrk="0" hangingPunct="1">
+              <a:spcBef>
+                <a:spcPts val="1000"/>
+              </a:spcBef>
+              <a:spcAft>
+                <a:spcPts val="0"/>
+              </a:spcAft>
+              <a:buClr>
+                <a:schemeClr val="accent1"/>
+              </a:buClr>
+              <a:buSzPct val="80000"/>
+              <a:buFont typeface="Wingdings 3" charset="2"/>
+              <a:buNone/>
+              <a:defRPr sz="900" b="0" i="0" kern="1200">
+                <a:solidFill>
+                  <a:schemeClr val="tx1">
+                    <a:lumMod val="75000"/>
+                    <a:lumOff val="25000"/>
+                  </a:schemeClr>
+                </a:solidFill>
+                <a:latin typeface="+mn-lt"/>
+                <a:ea typeface="+mn-ea"/>
+                <a:cs typeface="+mn-cs"/>
+              </a:defRPr>
+            </a:lvl7pPr>
+            <a:lvl8pPr marL="3200400" indent="0" algn="l" defTabSz="457200" rtl="0" eaLnBrk="1" latinLnBrk="0" hangingPunct="1">
+              <a:spcBef>
+                <a:spcPts val="1000"/>
+              </a:spcBef>
+              <a:spcAft>
+                <a:spcPts val="0"/>
+              </a:spcAft>
+              <a:buClr>
+                <a:schemeClr val="accent1"/>
+              </a:buClr>
+              <a:buSzPct val="80000"/>
+              <a:buFont typeface="Wingdings 3" charset="2"/>
+              <a:buNone/>
+              <a:defRPr sz="900" b="0" i="0" kern="1200">
+                <a:solidFill>
+                  <a:schemeClr val="tx1">
+                    <a:lumMod val="75000"/>
+                    <a:lumOff val="25000"/>
+                  </a:schemeClr>
+                </a:solidFill>
+                <a:latin typeface="+mn-lt"/>
+                <a:ea typeface="+mn-ea"/>
+                <a:cs typeface="+mn-cs"/>
+              </a:defRPr>
+            </a:lvl8pPr>
+            <a:lvl9pPr marL="3657600" indent="0" algn="l" defTabSz="457200" rtl="0" eaLnBrk="1" latinLnBrk="0" hangingPunct="1">
+              <a:spcBef>
+                <a:spcPts val="1000"/>
+              </a:spcBef>
+              <a:spcAft>
+                <a:spcPts val="0"/>
+              </a:spcAft>
+              <a:buClr>
+                <a:schemeClr val="accent1"/>
+              </a:buClr>
+              <a:buSzPct val="80000"/>
+              <a:buFont typeface="Wingdings 3" charset="2"/>
+              <a:buNone/>
+              <a:defRPr sz="900" b="0" i="0" kern="1200">
+                <a:solidFill>
+                  <a:schemeClr val="tx1">
+                    <a:lumMod val="75000"/>
+                    <a:lumOff val="25000"/>
+                  </a:schemeClr>
+                </a:solidFill>
+                <a:latin typeface="+mn-lt"/>
+                <a:ea typeface="+mn-ea"/>
+                <a:cs typeface="+mn-cs"/>
+              </a:defRPr>
+            </a:lvl9pPr>
+          </a:lstStyle>
+          <a:p>
+            <a:r>
+              <a:rPr lang="hu-HU" dirty="0"/>
+              <a:t>Az oldalon az </a:t>
+            </a:r>
+            <a:r>
+              <a:rPr lang="hu-HU" dirty="0" err="1"/>
+              <a:t>admin</a:t>
+            </a:r>
+            <a:r>
+              <a:rPr lang="hu-HU" dirty="0"/>
+              <a:t> felhasználónak van lehetősége új bort feltölteni és törölni a készletből </a:t>
+            </a:r>
+            <a:r>
+              <a:rPr lang="hu-HU" dirty="0" err="1"/>
+              <a:t>emelett</a:t>
+            </a:r>
+            <a:r>
+              <a:rPr lang="hu-HU" dirty="0"/>
+              <a:t>  látja a rendelések státuszát és tudja azt </a:t>
+            </a:r>
+            <a:r>
+              <a:rPr lang="hu-HU" dirty="0" err="1"/>
+              <a:t>modositani</a:t>
+            </a:r>
+            <a:endParaRPr lang="hu-HU" dirty="0"/>
+          </a:p>
+        </p:txBody>
+      </p:sp>
+      <p:sp>
+        <p:nvSpPr>
+          <p:cNvPr id="17" name="Szöveg helye 2">
+            <a:extLst>
+              <a:ext uri="{FF2B5EF4-FFF2-40B4-BE49-F238E27FC236}">
+                <a16:creationId xmlns:a16="http://schemas.microsoft.com/office/drawing/2014/main" id="{6D219E82-E881-437A-AF40-6B6B1861608B}"/>
+              </a:ext>
+            </a:extLst>
+          </p:cNvPr>
+          <p:cNvSpPr txBox="1">
+            <a:spLocks/>
+          </p:cNvSpPr>
+          <p:nvPr/>
+        </p:nvSpPr>
+        <p:spPr>
+          <a:xfrm>
+            <a:off x="7697994" y="4192167"/>
+            <a:ext cx="2973163" cy="322792"/>
+          </a:xfrm>
+          <a:prstGeom prst="rect">
+            <a:avLst/>
+          </a:prstGeom>
+        </p:spPr>
+        <p:txBody>
+          <a:bodyPr vert="horz" lIns="91440" tIns="45720" rIns="91440" bIns="45720" rtlCol="0" anchor="b">
+            <a:noAutofit/>
+          </a:bodyPr>
+          <a:lstStyle>
+            <a:lvl1pPr marL="0" indent="0" algn="l" defTabSz="457200" rtl="0" eaLnBrk="1" latinLnBrk="0" hangingPunct="1">
+              <a:spcBef>
+                <a:spcPts val="1000"/>
+              </a:spcBef>
+              <a:spcAft>
+                <a:spcPts val="0"/>
+              </a:spcAft>
+              <a:buClr>
+                <a:schemeClr val="accent1"/>
+              </a:buClr>
+              <a:buSzPct val="80000"/>
+              <a:buFont typeface="Wingdings 3" charset="2"/>
+              <a:buNone/>
+              <a:defRPr sz="2400" b="0" i="0" kern="1200">
+                <a:solidFill>
+                  <a:schemeClr val="accent1">
+                    <a:lumMod val="60000"/>
+                    <a:lumOff val="40000"/>
+                  </a:schemeClr>
+                </a:solidFill>
+                <a:latin typeface="+mn-lt"/>
+                <a:ea typeface="+mn-ea"/>
+                <a:cs typeface="+mn-cs"/>
+              </a:defRPr>
+            </a:lvl1pPr>
+            <a:lvl2pPr marL="457200" indent="0" algn="l" defTabSz="457200" rtl="0" eaLnBrk="1" latinLnBrk="0" hangingPunct="1">
+              <a:spcBef>
+                <a:spcPts val="1000"/>
+              </a:spcBef>
+              <a:spcAft>
+                <a:spcPts val="0"/>
+              </a:spcAft>
+              <a:buClr>
+                <a:schemeClr val="accent1"/>
+              </a:buClr>
+              <a:buSzPct val="80000"/>
+              <a:buFont typeface="Wingdings 3" charset="2"/>
+              <a:buNone/>
+              <a:defRPr sz="2000" b="1" i="0" kern="1200">
+                <a:solidFill>
+                  <a:schemeClr val="tx1">
+                    <a:lumMod val="75000"/>
+                    <a:lumOff val="25000"/>
+                  </a:schemeClr>
+                </a:solidFill>
+                <a:latin typeface="+mn-lt"/>
+                <a:ea typeface="+mn-ea"/>
+                <a:cs typeface="+mn-cs"/>
+              </a:defRPr>
+            </a:lvl2pPr>
+            <a:lvl3pPr marL="914400" indent="0" algn="l" defTabSz="457200" rtl="0" eaLnBrk="1" latinLnBrk="0" hangingPunct="1">
+              <a:spcBef>
+                <a:spcPts val="1000"/>
+              </a:spcBef>
+              <a:spcAft>
+                <a:spcPts val="0"/>
+              </a:spcAft>
+              <a:buClr>
+                <a:schemeClr val="accent1"/>
+              </a:buClr>
+              <a:buSzPct val="80000"/>
+              <a:buFont typeface="Wingdings 3" charset="2"/>
+              <a:buNone/>
+              <a:defRPr sz="1800" b="1" i="0" kern="1200">
+                <a:solidFill>
+                  <a:schemeClr val="tx1">
+                    <a:lumMod val="75000"/>
+                    <a:lumOff val="25000"/>
+                  </a:schemeClr>
+                </a:solidFill>
+                <a:latin typeface="+mn-lt"/>
+                <a:ea typeface="+mn-ea"/>
+                <a:cs typeface="+mn-cs"/>
+              </a:defRPr>
+            </a:lvl3pPr>
+            <a:lvl4pPr marL="1371600" indent="0" algn="l" defTabSz="457200" rtl="0" eaLnBrk="1" latinLnBrk="0" hangingPunct="1">
+              <a:spcBef>
+                <a:spcPts val="1000"/>
+              </a:spcBef>
+              <a:spcAft>
+                <a:spcPts val="0"/>
+              </a:spcAft>
+              <a:buClr>
+                <a:schemeClr val="accent1"/>
+              </a:buClr>
+              <a:buSzPct val="80000"/>
+              <a:buFont typeface="Wingdings 3" charset="2"/>
+              <a:buNone/>
+              <a:defRPr sz="1600" b="1" i="0" kern="1200">
+                <a:solidFill>
+                  <a:schemeClr val="tx1">
+                    <a:lumMod val="75000"/>
+                    <a:lumOff val="25000"/>
+                  </a:schemeClr>
+                </a:solidFill>
+                <a:latin typeface="+mn-lt"/>
+                <a:ea typeface="+mn-ea"/>
+                <a:cs typeface="+mn-cs"/>
+              </a:defRPr>
+            </a:lvl4pPr>
+            <a:lvl5pPr marL="1828800" indent="0" algn="l" defTabSz="457200" rtl="0" eaLnBrk="1" latinLnBrk="0" hangingPunct="1">
+              <a:spcBef>
+                <a:spcPts val="1000"/>
+              </a:spcBef>
+              <a:spcAft>
+                <a:spcPts val="0"/>
+              </a:spcAft>
+              <a:buClr>
+                <a:schemeClr val="accent1"/>
+              </a:buClr>
+              <a:buSzPct val="80000"/>
+              <a:buFont typeface="Wingdings 3" charset="2"/>
+              <a:buNone/>
+              <a:defRPr sz="1600" b="1" i="0" kern="1200">
+                <a:solidFill>
+                  <a:schemeClr val="tx1">
+                    <a:lumMod val="75000"/>
+                    <a:lumOff val="25000"/>
+                  </a:schemeClr>
+                </a:solidFill>
+                <a:latin typeface="+mn-lt"/>
+                <a:ea typeface="+mn-ea"/>
+                <a:cs typeface="+mn-cs"/>
+              </a:defRPr>
+            </a:lvl5pPr>
+            <a:lvl6pPr marL="2286000" indent="0" algn="l" defTabSz="457200" rtl="0" eaLnBrk="1" latinLnBrk="0" hangingPunct="1">
+              <a:spcBef>
+                <a:spcPts val="1000"/>
+              </a:spcBef>
+              <a:spcAft>
+                <a:spcPts val="0"/>
+              </a:spcAft>
+              <a:buClr>
+                <a:schemeClr val="accent1"/>
+              </a:buClr>
+              <a:buSzPct val="80000"/>
+              <a:buFont typeface="Wingdings 3" charset="2"/>
+              <a:buNone/>
+              <a:defRPr sz="1600" b="1" i="0" kern="1200">
+                <a:solidFill>
+                  <a:schemeClr val="tx1">
+                    <a:lumMod val="75000"/>
+                    <a:lumOff val="25000"/>
+                  </a:schemeClr>
+                </a:solidFill>
+                <a:latin typeface="+mn-lt"/>
+                <a:ea typeface="+mn-ea"/>
+                <a:cs typeface="+mn-cs"/>
+              </a:defRPr>
+            </a:lvl6pPr>
+            <a:lvl7pPr marL="2743200" indent="0" algn="l" defTabSz="457200" rtl="0" eaLnBrk="1" latinLnBrk="0" hangingPunct="1">
+              <a:spcBef>
+                <a:spcPts val="1000"/>
+              </a:spcBef>
+              <a:spcAft>
+                <a:spcPts val="0"/>
+              </a:spcAft>
+              <a:buClr>
+                <a:schemeClr val="accent1"/>
+              </a:buClr>
+              <a:buSzPct val="80000"/>
+              <a:buFont typeface="Wingdings 3" charset="2"/>
+              <a:buNone/>
+              <a:defRPr sz="1600" b="1" i="0" kern="1200">
+                <a:solidFill>
+                  <a:schemeClr val="tx1">
+                    <a:lumMod val="75000"/>
+                    <a:lumOff val="25000"/>
+                  </a:schemeClr>
+                </a:solidFill>
+                <a:latin typeface="+mn-lt"/>
+                <a:ea typeface="+mn-ea"/>
+                <a:cs typeface="+mn-cs"/>
+              </a:defRPr>
+            </a:lvl7pPr>
+            <a:lvl8pPr marL="3200400" indent="0" algn="l" defTabSz="457200" rtl="0" eaLnBrk="1" latinLnBrk="0" hangingPunct="1">
+              <a:spcBef>
+                <a:spcPts val="1000"/>
+              </a:spcBef>
+              <a:spcAft>
+                <a:spcPts val="0"/>
+              </a:spcAft>
+              <a:buClr>
+                <a:schemeClr val="accent1"/>
+              </a:buClr>
+              <a:buSzPct val="80000"/>
+              <a:buFont typeface="Wingdings 3" charset="2"/>
+              <a:buNone/>
+              <a:defRPr sz="1600" b="1" i="0" kern="1200">
+                <a:solidFill>
+                  <a:schemeClr val="tx1">
+                    <a:lumMod val="75000"/>
+                    <a:lumOff val="25000"/>
+                  </a:schemeClr>
+                </a:solidFill>
+                <a:latin typeface="+mn-lt"/>
+                <a:ea typeface="+mn-ea"/>
+                <a:cs typeface="+mn-cs"/>
+              </a:defRPr>
+            </a:lvl8pPr>
+            <a:lvl9pPr marL="3657600" indent="0" algn="l" defTabSz="457200" rtl="0" eaLnBrk="1" latinLnBrk="0" hangingPunct="1">
+              <a:spcBef>
+                <a:spcPts val="1000"/>
+              </a:spcBef>
+              <a:spcAft>
+                <a:spcPts val="0"/>
+              </a:spcAft>
+              <a:buClr>
+                <a:schemeClr val="accent1"/>
+              </a:buClr>
+              <a:buSzPct val="80000"/>
+              <a:buFont typeface="Wingdings 3" charset="2"/>
+              <a:buNone/>
+              <a:defRPr sz="1600" b="1" i="0" kern="1200">
+                <a:solidFill>
+                  <a:schemeClr val="tx1">
+                    <a:lumMod val="75000"/>
+                    <a:lumOff val="25000"/>
+                  </a:schemeClr>
+                </a:solidFill>
+                <a:latin typeface="+mn-lt"/>
+                <a:ea typeface="+mn-ea"/>
+                <a:cs typeface="+mn-cs"/>
+              </a:defRPr>
+            </a:lvl9pPr>
+          </a:lstStyle>
+          <a:p>
+            <a:r>
+              <a:rPr lang="hu-HU" dirty="0"/>
+              <a:t>E-mail</a:t>
+            </a:r>
+          </a:p>
+        </p:txBody>
+      </p:sp>
+      <p:sp>
+        <p:nvSpPr>
+          <p:cNvPr id="18" name="Szöveg helye 3">
+            <a:extLst>
+              <a:ext uri="{FF2B5EF4-FFF2-40B4-BE49-F238E27FC236}">
+                <a16:creationId xmlns:a16="http://schemas.microsoft.com/office/drawing/2014/main" id="{83916353-E661-448F-A502-1199AB2DD767}"/>
+              </a:ext>
+            </a:extLst>
+          </p:cNvPr>
+          <p:cNvSpPr txBox="1">
+            <a:spLocks/>
+          </p:cNvSpPr>
+          <p:nvPr/>
+        </p:nvSpPr>
+        <p:spPr>
+          <a:xfrm>
+            <a:off x="7799483" y="4788992"/>
+            <a:ext cx="2973164" cy="1063761"/>
+          </a:xfrm>
+          <a:prstGeom prst="rect">
+            <a:avLst/>
+          </a:prstGeom>
+        </p:spPr>
+        <p:txBody>
+          <a:bodyPr vert="horz" lIns="91440" tIns="45720" rIns="91440" bIns="45720" rtlCol="0" anchor="t">
+            <a:normAutofit/>
+          </a:bodyPr>
+          <a:lstStyle>
+            <a:lvl1pPr marL="0" indent="0" algn="l" defTabSz="457200" rtl="0" eaLnBrk="1" latinLnBrk="0" hangingPunct="1">
+              <a:spcBef>
+                <a:spcPts val="1000"/>
+              </a:spcBef>
+              <a:spcAft>
+                <a:spcPts val="0"/>
+              </a:spcAft>
+              <a:buClr>
+                <a:schemeClr val="accent1"/>
+              </a:buClr>
+              <a:buSzPct val="80000"/>
+              <a:buFont typeface="Wingdings 3" charset="2"/>
+              <a:buNone/>
+              <a:defRPr sz="1400" b="0" i="0" kern="1200">
+                <a:solidFill>
+                  <a:schemeClr val="tx1">
+                    <a:lumMod val="75000"/>
+                    <a:lumOff val="25000"/>
+                  </a:schemeClr>
+                </a:solidFill>
+                <a:latin typeface="+mn-lt"/>
+                <a:ea typeface="+mn-ea"/>
+                <a:cs typeface="+mn-cs"/>
+              </a:defRPr>
+            </a:lvl1pPr>
+            <a:lvl2pPr marL="457200" indent="0" algn="l" defTabSz="457200" rtl="0" eaLnBrk="1" latinLnBrk="0" hangingPunct="1">
+              <a:spcBef>
+                <a:spcPts val="1000"/>
+              </a:spcBef>
+              <a:spcAft>
+                <a:spcPts val="0"/>
+              </a:spcAft>
+              <a:buClr>
+                <a:schemeClr val="accent1"/>
+              </a:buClr>
+              <a:buSzPct val="80000"/>
+              <a:buFont typeface="Wingdings 3" charset="2"/>
+              <a:buNone/>
+              <a:defRPr sz="1200" b="0" i="0" kern="1200">
+                <a:solidFill>
+                  <a:schemeClr val="tx1">
+                    <a:lumMod val="75000"/>
+                    <a:lumOff val="25000"/>
+                  </a:schemeClr>
+                </a:solidFill>
+                <a:latin typeface="+mn-lt"/>
+                <a:ea typeface="+mn-ea"/>
+                <a:cs typeface="+mn-cs"/>
+              </a:defRPr>
+            </a:lvl2pPr>
+            <a:lvl3pPr marL="914400" indent="0" algn="l" defTabSz="457200" rtl="0" eaLnBrk="1" latinLnBrk="0" hangingPunct="1">
+              <a:spcBef>
+                <a:spcPts val="1000"/>
+              </a:spcBef>
+              <a:spcAft>
+                <a:spcPts val="0"/>
+              </a:spcAft>
+              <a:buClr>
+                <a:schemeClr val="accent1"/>
+              </a:buClr>
+              <a:buSzPct val="80000"/>
+              <a:buFont typeface="Wingdings 3" charset="2"/>
+              <a:buNone/>
+              <a:defRPr sz="1000" b="0" i="0" kern="1200">
+                <a:solidFill>
+                  <a:schemeClr val="tx1">
+                    <a:lumMod val="75000"/>
+                    <a:lumOff val="25000"/>
+                  </a:schemeClr>
+                </a:solidFill>
+                <a:latin typeface="+mn-lt"/>
+                <a:ea typeface="+mn-ea"/>
+                <a:cs typeface="+mn-cs"/>
+              </a:defRPr>
+            </a:lvl3pPr>
+            <a:lvl4pPr marL="1371600" indent="0" algn="l" defTabSz="457200" rtl="0" eaLnBrk="1" latinLnBrk="0" hangingPunct="1">
+              <a:spcBef>
+                <a:spcPts val="1000"/>
+              </a:spcBef>
+              <a:spcAft>
+                <a:spcPts val="0"/>
+              </a:spcAft>
+              <a:buClr>
+                <a:schemeClr val="accent1"/>
+              </a:buClr>
+              <a:buSzPct val="80000"/>
+              <a:buFont typeface="Wingdings 3" charset="2"/>
+              <a:buNone/>
+              <a:defRPr sz="900" b="0" i="0" kern="1200">
+                <a:solidFill>
+                  <a:schemeClr val="tx1">
+                    <a:lumMod val="75000"/>
+                    <a:lumOff val="25000"/>
+                  </a:schemeClr>
+                </a:solidFill>
+                <a:latin typeface="+mn-lt"/>
+                <a:ea typeface="+mn-ea"/>
+                <a:cs typeface="+mn-cs"/>
+              </a:defRPr>
+            </a:lvl4pPr>
+            <a:lvl5pPr marL="1828800" indent="0" algn="l" defTabSz="457200" rtl="0" eaLnBrk="1" latinLnBrk="0" hangingPunct="1">
+              <a:spcBef>
+                <a:spcPts val="1000"/>
+              </a:spcBef>
+              <a:spcAft>
+                <a:spcPts val="0"/>
+              </a:spcAft>
+              <a:buClr>
+                <a:schemeClr val="accent1"/>
+              </a:buClr>
+              <a:buSzPct val="80000"/>
+              <a:buFont typeface="Wingdings 3" charset="2"/>
+              <a:buNone/>
+              <a:defRPr sz="900" b="0" i="0" kern="1200">
+                <a:solidFill>
+                  <a:schemeClr val="tx1">
+                    <a:lumMod val="75000"/>
+                    <a:lumOff val="25000"/>
+                  </a:schemeClr>
+                </a:solidFill>
+                <a:latin typeface="+mn-lt"/>
+                <a:ea typeface="+mn-ea"/>
+                <a:cs typeface="+mn-cs"/>
+              </a:defRPr>
+            </a:lvl5pPr>
+            <a:lvl6pPr marL="2286000" indent="0" algn="l" defTabSz="457200" rtl="0" eaLnBrk="1" latinLnBrk="0" hangingPunct="1">
+              <a:spcBef>
+                <a:spcPts val="1000"/>
+              </a:spcBef>
+              <a:spcAft>
+                <a:spcPts val="0"/>
+              </a:spcAft>
+              <a:buClr>
+                <a:schemeClr val="accent1"/>
+              </a:buClr>
+              <a:buSzPct val="80000"/>
+              <a:buFont typeface="Wingdings 3" charset="2"/>
+              <a:buNone/>
+              <a:defRPr sz="900" b="0" i="0" kern="1200">
+                <a:solidFill>
+                  <a:schemeClr val="tx1">
+                    <a:lumMod val="75000"/>
+                    <a:lumOff val="25000"/>
+                  </a:schemeClr>
+                </a:solidFill>
+                <a:latin typeface="+mn-lt"/>
+                <a:ea typeface="+mn-ea"/>
+                <a:cs typeface="+mn-cs"/>
+              </a:defRPr>
+            </a:lvl6pPr>
+            <a:lvl7pPr marL="2743200" indent="0" algn="l" defTabSz="457200" rtl="0" eaLnBrk="1" latinLnBrk="0" hangingPunct="1">
+              <a:spcBef>
+                <a:spcPts val="1000"/>
+              </a:spcBef>
+              <a:spcAft>
+                <a:spcPts val="0"/>
+              </a:spcAft>
+              <a:buClr>
+                <a:schemeClr val="accent1"/>
+              </a:buClr>
+              <a:buSzPct val="80000"/>
+              <a:buFont typeface="Wingdings 3" charset="2"/>
+              <a:buNone/>
+              <a:defRPr sz="900" b="0" i="0" kern="1200">
+                <a:solidFill>
+                  <a:schemeClr val="tx1">
+                    <a:lumMod val="75000"/>
+                    <a:lumOff val="25000"/>
+                  </a:schemeClr>
+                </a:solidFill>
+                <a:latin typeface="+mn-lt"/>
+                <a:ea typeface="+mn-ea"/>
+                <a:cs typeface="+mn-cs"/>
+              </a:defRPr>
+            </a:lvl7pPr>
+            <a:lvl8pPr marL="3200400" indent="0" algn="l" defTabSz="457200" rtl="0" eaLnBrk="1" latinLnBrk="0" hangingPunct="1">
+              <a:spcBef>
+                <a:spcPts val="1000"/>
+              </a:spcBef>
+              <a:spcAft>
+                <a:spcPts val="0"/>
+              </a:spcAft>
+              <a:buClr>
+                <a:schemeClr val="accent1"/>
+              </a:buClr>
+              <a:buSzPct val="80000"/>
+              <a:buFont typeface="Wingdings 3" charset="2"/>
+              <a:buNone/>
+              <a:defRPr sz="900" b="0" i="0" kern="1200">
+                <a:solidFill>
+                  <a:schemeClr val="tx1">
+                    <a:lumMod val="75000"/>
+                    <a:lumOff val="25000"/>
+                  </a:schemeClr>
+                </a:solidFill>
+                <a:latin typeface="+mn-lt"/>
+                <a:ea typeface="+mn-ea"/>
+                <a:cs typeface="+mn-cs"/>
+              </a:defRPr>
+            </a:lvl8pPr>
+            <a:lvl9pPr marL="3657600" indent="0" algn="l" defTabSz="457200" rtl="0" eaLnBrk="1" latinLnBrk="0" hangingPunct="1">
+              <a:spcBef>
+                <a:spcPts val="1000"/>
+              </a:spcBef>
+              <a:spcAft>
+                <a:spcPts val="0"/>
+              </a:spcAft>
+              <a:buClr>
+                <a:schemeClr val="accent1"/>
+              </a:buClr>
+              <a:buSzPct val="80000"/>
+              <a:buFont typeface="Wingdings 3" charset="2"/>
+              <a:buNone/>
+              <a:defRPr sz="900" b="0" i="0" kern="1200">
+                <a:solidFill>
+                  <a:schemeClr val="tx1">
+                    <a:lumMod val="75000"/>
+                    <a:lumOff val="25000"/>
+                  </a:schemeClr>
+                </a:solidFill>
+                <a:latin typeface="+mn-lt"/>
+                <a:ea typeface="+mn-ea"/>
+                <a:cs typeface="+mn-cs"/>
+              </a:defRPr>
+            </a:lvl9pPr>
+          </a:lstStyle>
+          <a:p>
+            <a:r>
+              <a:rPr lang="hu-HU" dirty="0"/>
+              <a:t>Az oldal küldd emailt a rendelés </a:t>
+            </a:r>
+            <a:r>
+              <a:rPr lang="hu-HU" dirty="0" err="1"/>
+              <a:t>leaadásárol</a:t>
+            </a:r>
+            <a:r>
+              <a:rPr lang="hu-HU" dirty="0"/>
+              <a:t> és </a:t>
+            </a:r>
+            <a:r>
+              <a:rPr lang="hu-HU" dirty="0" err="1"/>
+              <a:t>visszaigazolásárol</a:t>
+            </a:r>
+            <a:endParaRPr lang="hu-HU" dirty="0"/>
           </a:p>
         </p:txBody>
       </p:sp>
     </p:spTree>
     <p:extLst>
       <p:ext uri="{BB962C8B-B14F-4D97-AF65-F5344CB8AC3E}">
-        <p14:creationId xmlns:p14="http://schemas.microsoft.com/office/powerpoint/2010/main" val="905651949"/>
+        <p14:creationId xmlns:p14="http://schemas.microsoft.com/office/powerpoint/2010/main" val="150014971"/>
       </p:ext>
     </p:extLst>
   </p:cSld>
@@ -13456,7 +16365,7 @@
           <p:cNvPr id="2" name="Cím 1">
             <a:extLst>
               <a:ext uri="{FF2B5EF4-FFF2-40B4-BE49-F238E27FC236}">
-                <a16:creationId xmlns:a16="http://schemas.microsoft.com/office/drawing/2014/main" id="{5DBB9CEF-2FD7-4E36-B0FF-6EFA6B1BF4D8}"/>
+                <a16:creationId xmlns:a16="http://schemas.microsoft.com/office/drawing/2014/main" id="{0B9594A9-144C-4D96-AEFB-EFC6801290E7}"/>
               </a:ext>
             </a:extLst>
           </p:cNvPr>
@@ -13474,29 +16383,17 @@
           <a:p>
             <a:r>
               <a:rPr lang="hu-HU" dirty="0"/>
-              <a:t>Ki miben </a:t>
-            </a:r>
-            <a:r>
-              <a:rPr lang="hu-HU" dirty="0" err="1"/>
-              <a:t>segitett</a:t>
-            </a:r>
-            <a:r>
-              <a:rPr lang="hu-HU" dirty="0"/>
-              <a:t> ki kinek </a:t>
-            </a:r>
-            <a:r>
-              <a:rPr lang="hu-HU"/>
-              <a:t>segitett</a:t>
+              <a:t>Program</a:t>
             </a:r>
           </a:p>
         </p:txBody>
       </p:sp>
       <p:sp>
         <p:nvSpPr>
-          <p:cNvPr id="3" name="Tartalom helye 2">
+          <p:cNvPr id="3" name="Szöveg helye 2">
             <a:extLst>
               <a:ext uri="{FF2B5EF4-FFF2-40B4-BE49-F238E27FC236}">
-                <a16:creationId xmlns:a16="http://schemas.microsoft.com/office/drawing/2014/main" id="{C8145B6A-58DD-49C9-929B-4B52082FD485}"/>
+                <a16:creationId xmlns:a16="http://schemas.microsoft.com/office/drawing/2014/main" id="{C7A3523B-1183-4AD3-8109-0E480C80C90A}"/>
               </a:ext>
             </a:extLst>
           </p:cNvPr>
@@ -13504,7 +16401,7 @@
             <a:spLocks noGrp="1"/>
           </p:cNvSpPr>
           <p:nvPr>
-            <p:ph idx="1"/>
+            <p:ph type="body" idx="1"/>
           </p:nvPr>
         </p:nvSpPr>
         <p:spPr/>
@@ -13512,14 +16409,334 @@
           <a:bodyPr/>
           <a:lstStyle/>
           <a:p>
-            <a:endParaRPr lang="hu-HU"/>
+            <a:r>
+              <a:rPr lang="hu-HU" dirty="0"/>
+              <a:t>Frontend</a:t>
+            </a:r>
           </a:p>
         </p:txBody>
       </p:sp>
+      <p:sp>
+        <p:nvSpPr>
+          <p:cNvPr id="4" name="Szöveg helye 3">
+            <a:extLst>
+              <a:ext uri="{FF2B5EF4-FFF2-40B4-BE49-F238E27FC236}">
+                <a16:creationId xmlns:a16="http://schemas.microsoft.com/office/drawing/2014/main" id="{E7A8C4F0-2934-4DBD-AEC6-4E28DACD80DE}"/>
+              </a:ext>
+            </a:extLst>
+          </p:cNvPr>
+          <p:cNvSpPr>
+            <a:spLocks noGrp="1"/>
+          </p:cNvSpPr>
+          <p:nvPr>
+            <p:ph type="body" sz="half" idx="15"/>
+          </p:nvPr>
+        </p:nvSpPr>
+        <p:spPr/>
+        <p:txBody>
+          <a:bodyPr/>
+          <a:lstStyle/>
+          <a:p>
+            <a:pPr marL="628650" lvl="1" indent="-171450">
+              <a:buFont typeface="Wingdings" panose="05000000000000000000" pitchFamily="2" charset="2"/>
+              <a:buChar char="Ø"/>
+            </a:pPr>
+            <a:r>
+              <a:rPr lang="hu-HU" dirty="0"/>
+              <a:t>HTML</a:t>
+            </a:r>
+          </a:p>
+          <a:p>
+            <a:pPr marL="628650" lvl="1" indent="-171450">
+              <a:buFont typeface="Wingdings" panose="05000000000000000000" pitchFamily="2" charset="2"/>
+              <a:buChar char="Ø"/>
+            </a:pPr>
+            <a:r>
+              <a:rPr lang="hu-HU" dirty="0"/>
+              <a:t>CSS</a:t>
+            </a:r>
+          </a:p>
+          <a:p>
+            <a:pPr marL="628650" lvl="1" indent="-171450">
+              <a:buFont typeface="Wingdings" panose="05000000000000000000" pitchFamily="2" charset="2"/>
+              <a:buChar char="Ø"/>
+            </a:pPr>
+            <a:r>
+              <a:rPr lang="hu-HU" dirty="0"/>
+              <a:t>JS</a:t>
+            </a:r>
+          </a:p>
+          <a:p>
+            <a:pPr marL="628650" lvl="1" indent="-171450">
+              <a:buFont typeface="Wingdings" panose="05000000000000000000" pitchFamily="2" charset="2"/>
+              <a:buChar char="Ø"/>
+            </a:pPr>
+            <a:r>
+              <a:rPr lang="hu-HU" dirty="0" err="1"/>
+              <a:t>Bootstrap</a:t>
+            </a:r>
+            <a:endParaRPr lang="hu-HU" dirty="0"/>
+          </a:p>
+        </p:txBody>
+      </p:sp>
+      <p:sp>
+        <p:nvSpPr>
+          <p:cNvPr id="5" name="Szöveg helye 4">
+            <a:extLst>
+              <a:ext uri="{FF2B5EF4-FFF2-40B4-BE49-F238E27FC236}">
+                <a16:creationId xmlns:a16="http://schemas.microsoft.com/office/drawing/2014/main" id="{9871830C-852A-415B-992A-048766F7D175}"/>
+              </a:ext>
+            </a:extLst>
+          </p:cNvPr>
+          <p:cNvSpPr>
+            <a:spLocks noGrp="1"/>
+          </p:cNvSpPr>
+          <p:nvPr>
+            <p:ph type="body" sz="quarter" idx="3"/>
+          </p:nvPr>
+        </p:nvSpPr>
+        <p:spPr/>
+        <p:txBody>
+          <a:bodyPr/>
+          <a:lstStyle/>
+          <a:p>
+            <a:r>
+              <a:rPr lang="hu-HU" dirty="0"/>
+              <a:t>Backend</a:t>
+            </a:r>
+          </a:p>
+        </p:txBody>
+      </p:sp>
+      <p:sp>
+        <p:nvSpPr>
+          <p:cNvPr id="6" name="Szöveg helye 5">
+            <a:extLst>
+              <a:ext uri="{FF2B5EF4-FFF2-40B4-BE49-F238E27FC236}">
+                <a16:creationId xmlns:a16="http://schemas.microsoft.com/office/drawing/2014/main" id="{FE708D95-5C72-41E9-8D51-7EB303656641}"/>
+              </a:ext>
+            </a:extLst>
+          </p:cNvPr>
+          <p:cNvSpPr>
+            <a:spLocks noGrp="1"/>
+          </p:cNvSpPr>
+          <p:nvPr>
+            <p:ph type="body" sz="half" idx="16"/>
+          </p:nvPr>
+        </p:nvSpPr>
+        <p:spPr/>
+        <p:txBody>
+          <a:bodyPr>
+            <a:normAutofit/>
+          </a:bodyPr>
+          <a:lstStyle/>
+          <a:p>
+            <a:pPr marL="742950" lvl="1" indent="-285750">
+              <a:buFont typeface="Wingdings" panose="05000000000000000000" pitchFamily="2" charset="2"/>
+              <a:buChar char="ü"/>
+            </a:pPr>
+            <a:r>
+              <a:rPr lang="hu-HU" sz="1600" dirty="0"/>
+              <a:t>PHP</a:t>
+            </a:r>
+          </a:p>
+        </p:txBody>
+      </p:sp>
+      <p:sp>
+        <p:nvSpPr>
+          <p:cNvPr id="7" name="Szöveg helye 6">
+            <a:extLst>
+              <a:ext uri="{FF2B5EF4-FFF2-40B4-BE49-F238E27FC236}">
+                <a16:creationId xmlns:a16="http://schemas.microsoft.com/office/drawing/2014/main" id="{D7272FC0-5FA8-41BB-8DCC-98A96C7DC104}"/>
+              </a:ext>
+            </a:extLst>
+          </p:cNvPr>
+          <p:cNvSpPr>
+            <a:spLocks noGrp="1"/>
+          </p:cNvSpPr>
+          <p:nvPr>
+            <p:ph type="body" sz="quarter" idx="13"/>
+          </p:nvPr>
+        </p:nvSpPr>
+        <p:spPr/>
+        <p:txBody>
+          <a:bodyPr/>
+          <a:lstStyle/>
+          <a:p>
+            <a:r>
+              <a:rPr lang="hu-HU" dirty="0" err="1"/>
+              <a:t>Database</a:t>
+            </a:r>
+            <a:r>
+              <a:rPr lang="hu-HU" dirty="0"/>
+              <a:t> - </a:t>
+            </a:r>
+            <a:r>
+              <a:rPr lang="hu-HU" dirty="0" err="1"/>
+              <a:t>MySQL</a:t>
+            </a:r>
+            <a:endParaRPr lang="hu-HU" dirty="0"/>
+          </a:p>
+        </p:txBody>
+      </p:sp>
+      <p:sp>
+        <p:nvSpPr>
+          <p:cNvPr id="8" name="Szöveg helye 7">
+            <a:extLst>
+              <a:ext uri="{FF2B5EF4-FFF2-40B4-BE49-F238E27FC236}">
+                <a16:creationId xmlns:a16="http://schemas.microsoft.com/office/drawing/2014/main" id="{D89B6E42-A0B4-41BD-BB61-8CFD8ACCA099}"/>
+              </a:ext>
+            </a:extLst>
+          </p:cNvPr>
+          <p:cNvSpPr>
+            <a:spLocks noGrp="1"/>
+          </p:cNvSpPr>
+          <p:nvPr>
+            <p:ph type="body" sz="half" idx="17"/>
+          </p:nvPr>
+        </p:nvSpPr>
+        <p:spPr/>
+        <p:txBody>
+          <a:bodyPr>
+            <a:normAutofit/>
+          </a:bodyPr>
+          <a:lstStyle/>
+          <a:p>
+            <a:pPr marL="628650" lvl="1" indent="-171450">
+              <a:buFont typeface="Courier New" panose="02070309020205020404" pitchFamily="49" charset="0"/>
+              <a:buChar char="o"/>
+            </a:pPr>
+            <a:r>
+              <a:rPr lang="hu-HU" sz="1800" dirty="0" err="1"/>
+              <a:t>phpMyAdmin</a:t>
+            </a:r>
+            <a:endParaRPr lang="hu-HU" sz="1800" dirty="0"/>
+          </a:p>
+        </p:txBody>
+      </p:sp>
+      <p:pic>
+        <p:nvPicPr>
+          <p:cNvPr id="10" name="Kép 9">
+            <a:extLst>
+              <a:ext uri="{FF2B5EF4-FFF2-40B4-BE49-F238E27FC236}">
+                <a16:creationId xmlns:a16="http://schemas.microsoft.com/office/drawing/2014/main" id="{CCFBFFC8-83F5-4F13-B6AD-75A48D09F43D}"/>
+              </a:ext>
+            </a:extLst>
+          </p:cNvPr>
+          <p:cNvPicPr>
+            <a:picLocks noChangeAspect="1"/>
+          </p:cNvPicPr>
+          <p:nvPr/>
+        </p:nvPicPr>
+        <p:blipFill>
+          <a:blip r:embed="rId2"/>
+          <a:stretch>
+            <a:fillRect/>
+          </a:stretch>
+        </p:blipFill>
+        <p:spPr>
+          <a:xfrm>
+            <a:off x="4762627" y="3884103"/>
+            <a:ext cx="2439878" cy="1673604"/>
+          </a:xfrm>
+          <a:prstGeom prst="rect">
+            <a:avLst/>
+          </a:prstGeom>
+        </p:spPr>
+      </p:pic>
+      <p:pic>
+        <p:nvPicPr>
+          <p:cNvPr id="18" name="Kép 17">
+            <a:extLst>
+              <a:ext uri="{FF2B5EF4-FFF2-40B4-BE49-F238E27FC236}">
+                <a16:creationId xmlns:a16="http://schemas.microsoft.com/office/drawing/2014/main" id="{A75F86C9-34DF-41EB-AB26-BF7FF2094DBE}"/>
+              </a:ext>
+            </a:extLst>
+          </p:cNvPr>
+          <p:cNvPicPr>
+            <a:picLocks noChangeAspect="1"/>
+          </p:cNvPicPr>
+          <p:nvPr/>
+        </p:nvPicPr>
+        <p:blipFill>
+          <a:blip r:embed="rId3"/>
+          <a:stretch>
+            <a:fillRect/>
+          </a:stretch>
+        </p:blipFill>
+        <p:spPr>
+          <a:xfrm>
+            <a:off x="293396" y="3315444"/>
+            <a:ext cx="3762100" cy="3845871"/>
+          </a:xfrm>
+          <a:prstGeom prst="rect">
+            <a:avLst/>
+          </a:prstGeom>
+        </p:spPr>
+      </p:pic>
+      <p:pic>
+        <p:nvPicPr>
+          <p:cNvPr id="20" name="Kép 19">
+            <a:extLst>
+              <a:ext uri="{FF2B5EF4-FFF2-40B4-BE49-F238E27FC236}">
+                <a16:creationId xmlns:a16="http://schemas.microsoft.com/office/drawing/2014/main" id="{1CA3053C-547A-48CF-AF09-22440B12F2F9}"/>
+              </a:ext>
+            </a:extLst>
+          </p:cNvPr>
+          <p:cNvPicPr>
+            <a:picLocks noChangeAspect="1"/>
+          </p:cNvPicPr>
+          <p:nvPr/>
+        </p:nvPicPr>
+        <p:blipFill>
+          <a:blip r:embed="rId4"/>
+          <a:stretch>
+            <a:fillRect/>
+          </a:stretch>
+        </p:blipFill>
+        <p:spPr>
+          <a:xfrm>
+            <a:off x="0" y="2045506"/>
+            <a:ext cx="1320567" cy="1320567"/>
+          </a:xfrm>
+          <a:prstGeom prst="rect">
+            <a:avLst/>
+          </a:prstGeom>
+        </p:spPr>
+      </p:pic>
+      <p:pic>
+        <p:nvPicPr>
+          <p:cNvPr id="22" name="Kép 21">
+            <a:extLst>
+              <a:ext uri="{FF2B5EF4-FFF2-40B4-BE49-F238E27FC236}">
+                <a16:creationId xmlns:a16="http://schemas.microsoft.com/office/drawing/2014/main" id="{F13A157A-C417-4DB7-87C5-E5F72F196E89}"/>
+              </a:ext>
+            </a:extLst>
+          </p:cNvPr>
+          <p:cNvPicPr>
+            <a:picLocks noChangeAspect="1"/>
+          </p:cNvPicPr>
+          <p:nvPr/>
+        </p:nvPicPr>
+        <p:blipFill>
+          <a:blip r:embed="rId5"/>
+          <a:stretch>
+            <a:fillRect/>
+          </a:stretch>
+        </p:blipFill>
+        <p:spPr>
+          <a:xfrm>
+            <a:off x="8201724" y="3429000"/>
+            <a:ext cx="2952750" cy="2933700"/>
+          </a:xfrm>
+          <a:prstGeom prst="rect">
+            <a:avLst/>
+          </a:prstGeom>
+        </p:spPr>
+      </p:pic>
     </p:spTree>
     <p:extLst>
       <p:ext uri="{BB962C8B-B14F-4D97-AF65-F5344CB8AC3E}">
-        <p14:creationId xmlns:p14="http://schemas.microsoft.com/office/powerpoint/2010/main" val="3647982292"/>
+        <p14:creationId xmlns:p14="http://schemas.microsoft.com/office/powerpoint/2010/main" val="3731094037"/>
       </p:ext>
     </p:extLst>
   </p:cSld>

--- a/GypoWinery/GypoWinery.pptx
+++ b/GypoWinery/GypoWinery.pptx
@@ -9,6 +9,13 @@
     <p:sldId id="257" r:id="rId3"/>
     <p:sldId id="258" r:id="rId4"/>
     <p:sldId id="259" r:id="rId5"/>
+    <p:sldId id="260" r:id="rId6"/>
+    <p:sldId id="261" r:id="rId7"/>
+    <p:sldId id="262" r:id="rId8"/>
+    <p:sldId id="263" r:id="rId9"/>
+    <p:sldId id="264" r:id="rId10"/>
+    <p:sldId id="265" r:id="rId11"/>
+    <p:sldId id="266" r:id="rId12"/>
   </p:sldIdLst>
   <p:sldSz cx="12192000" cy="6858000"/>
   <p:notesSz cx="6858000" cy="9144000"/>
@@ -451,7 +458,7 @@
             <a:fld id="{5923F103-BC34-4FE4-A40E-EDDEECFDA5D0}" type="datetimeFigureOut">
               <a:rPr lang="en-US" dirty="0"/>
               <a:pPr/>
-              <a:t>3/10/2025</a:t>
+              <a:t>3/11/2025</a:t>
             </a:fld>
             <a:endParaRPr lang="en-US" dirty="0"/>
           </a:p>
@@ -1535,7 +1542,7 @@
           <a:p>
             <a:fld id="{923A1CC3-2375-41D4-9E03-427CAF2A4C1A}" type="datetimeFigureOut">
               <a:rPr lang="en-US" dirty="0"/>
-              <a:t>3/10/2025</a:t>
+              <a:t>3/11/2025</a:t>
             </a:fld>
             <a:endParaRPr lang="en-US" dirty="0"/>
           </a:p>
@@ -2511,7 +2518,7 @@
           <a:p>
             <a:fld id="{AFF16868-8199-4C2C-A5B1-63AEE139F88E}" type="datetimeFigureOut">
               <a:rPr lang="en-US" dirty="0"/>
-              <a:t>3/10/2025</a:t>
+              <a:t>3/11/2025</a:t>
             </a:fld>
             <a:endParaRPr lang="en-US" dirty="0"/>
           </a:p>
@@ -3641,7 +3648,7 @@
           <a:p>
             <a:fld id="{AAD9FF7F-6988-44CC-821B-644E70CD2F73}" type="datetimeFigureOut">
               <a:rPr lang="en-US" dirty="0"/>
-              <a:t>3/10/2025</a:t>
+              <a:t>3/11/2025</a:t>
             </a:fld>
             <a:endParaRPr lang="en-US" dirty="0"/>
           </a:p>
@@ -4670,7 +4677,7 @@
           <a:p>
             <a:fld id="{5C12C299-16B2-4475-990D-751901EACC14}" type="datetimeFigureOut">
               <a:rPr lang="en-US" dirty="0"/>
-              <a:t>3/10/2025</a:t>
+              <a:t>3/11/2025</a:t>
             </a:fld>
             <a:endParaRPr lang="en-US" dirty="0"/>
           </a:p>
@@ -5326,7 +5333,7 @@
           <a:p>
             <a:fld id="{9FE86839-B9D8-4651-8783-F325ECE74E65}" type="datetimeFigureOut">
               <a:rPr lang="en-US" dirty="0"/>
-              <a:t>3/10/2025</a:t>
+              <a:t>3/11/2025</a:t>
             </a:fld>
             <a:endParaRPr lang="en-US" dirty="0"/>
           </a:p>
@@ -6183,7 +6190,7 @@
           <a:p>
             <a:fld id="{FD484F64-32F6-45C5-931F-ADC1662401D0}" type="datetimeFigureOut">
               <a:rPr lang="en-US" dirty="0"/>
-              <a:t>3/10/2025</a:t>
+              <a:t>3/11/2025</a:t>
             </a:fld>
             <a:endParaRPr lang="en-US" dirty="0"/>
           </a:p>
@@ -6369,7 +6376,7 @@
           <a:p>
             <a:fld id="{53086D93-FCAC-47E0-A2EE-787E62CA814C}" type="datetimeFigureOut">
               <a:rPr lang="en-US" dirty="0"/>
-              <a:t>3/10/2025</a:t>
+              <a:t>3/11/2025</a:t>
             </a:fld>
             <a:endParaRPr lang="en-US" dirty="0"/>
           </a:p>
@@ -7337,7 +7344,7 @@
           <a:p>
             <a:fld id="{CDA879A6-0FD0-4734-A311-86BFCA472E6E}" type="datetimeFigureOut">
               <a:rPr lang="en-US" dirty="0"/>
-              <a:t>3/10/2025</a:t>
+              <a:t>3/11/2025</a:t>
             </a:fld>
             <a:endParaRPr lang="en-US" dirty="0"/>
           </a:p>
@@ -7544,7 +7551,7 @@
           <a:p>
             <a:fld id="{19C9CA7B-DFD4-44B5-8C60-D14B8CD1FB59}" type="datetimeFigureOut">
               <a:rPr lang="en-US" dirty="0"/>
-              <a:t>3/10/2025</a:t>
+              <a:t>3/11/2025</a:t>
             </a:fld>
             <a:endParaRPr lang="en-US" dirty="0"/>
           </a:p>
@@ -8574,7 +8581,7 @@
           <a:p>
             <a:fld id="{F34E6425-0181-43F2-84FC-787E803FD2F8}" type="datetimeFigureOut">
               <a:rPr lang="en-US" dirty="0"/>
-              <a:t>3/10/2025</a:t>
+              <a:t>3/11/2025</a:t>
             </a:fld>
             <a:endParaRPr lang="en-US" dirty="0"/>
           </a:p>
@@ -8842,7 +8849,7 @@
           <a:p>
             <a:fld id="{3BDB8791-F1B0-41E7-B7FD-A781E65C4266}" type="datetimeFigureOut">
               <a:rPr lang="en-US" dirty="0"/>
-              <a:t>3/10/2025</a:t>
+              <a:t>3/11/2025</a:t>
             </a:fld>
             <a:endParaRPr lang="en-US" dirty="0"/>
           </a:p>
@@ -9248,7 +9255,7 @@
           <a:p>
             <a:fld id="{5FDD63B2-E120-4ED8-B27B-C685F510A5FE}" type="datetimeFigureOut">
               <a:rPr lang="en-US" dirty="0"/>
-              <a:t>3/10/2025</a:t>
+              <a:t>3/11/2025</a:t>
             </a:fld>
             <a:endParaRPr lang="en-US" dirty="0"/>
           </a:p>
@@ -9371,7 +9378,7 @@
           <a:p>
             <a:fld id="{7AA18ACC-A947-437B-A130-35BD54FDF1E9}" type="datetimeFigureOut">
               <a:rPr lang="en-US" dirty="0"/>
-              <a:t>3/10/2025</a:t>
+              <a:t>3/11/2025</a:t>
             </a:fld>
             <a:endParaRPr lang="en-US" dirty="0"/>
           </a:p>
@@ -9462,7 +9469,7 @@
           <a:p>
             <a:fld id="{7C8D7E02-BCB8-4D50-A234-369438C08659}" type="datetimeFigureOut">
               <a:rPr lang="en-US" dirty="0"/>
-              <a:t>3/10/2025</a:t>
+              <a:t>3/11/2025</a:t>
             </a:fld>
             <a:endParaRPr lang="en-US" dirty="0"/>
           </a:p>
@@ -10539,7 +10546,7 @@
           <a:p>
             <a:fld id="{76E86A4C-8E40-4F87-A4F0-01A0687C5742}" type="datetimeFigureOut">
               <a:rPr lang="en-US" dirty="0"/>
-              <a:t>3/10/2025</a:t>
+              <a:t>3/11/2025</a:t>
             </a:fld>
             <a:endParaRPr lang="en-US" dirty="0"/>
           </a:p>
@@ -11643,7 +11650,7 @@
           <a:p>
             <a:fld id="{35E72C73-2D91-4E12-BA25-F0AA0C03599B}" type="datetimeFigureOut">
               <a:rPr lang="en-US" dirty="0"/>
-              <a:t>3/10/2025</a:t>
+              <a:t>3/11/2025</a:t>
             </a:fld>
             <a:endParaRPr lang="en-US" dirty="0"/>
           </a:p>
@@ -12636,7 +12643,7 @@
           <a:p>
             <a:fld id="{2BE451C3-0FF4-47C4-B829-773ADF60F88C}" type="datetimeFigureOut">
               <a:rPr lang="en-US" dirty="0"/>
-              <a:t>3/10/2025</a:t>
+              <a:t>3/11/2025</a:t>
             </a:fld>
             <a:endParaRPr lang="en-US" dirty="0"/>
           </a:p>
@@ -13270,6 +13277,575 @@
 </p:sld>
 </file>
 
+<file path=ppt/slides/slide10.xml><?xml version="1.0" encoding="utf-8"?>
+<p:sld xmlns:a="http://schemas.openxmlformats.org/drawingml/2006/main" xmlns:r="http://schemas.openxmlformats.org/officeDocument/2006/relationships" xmlns:p="http://schemas.openxmlformats.org/presentationml/2006/main">
+  <p:cSld>
+    <p:spTree>
+      <p:nvGrpSpPr>
+        <p:cNvPr id="1" name=""/>
+        <p:cNvGrpSpPr/>
+        <p:nvPr/>
+      </p:nvGrpSpPr>
+      <p:grpSpPr>
+        <a:xfrm>
+          <a:off x="0" y="0"/>
+          <a:ext cx="0" cy="0"/>
+          <a:chOff x="0" y="0"/>
+          <a:chExt cx="0" cy="0"/>
+        </a:xfrm>
+      </p:grpSpPr>
+      <p:sp>
+        <p:nvSpPr>
+          <p:cNvPr id="2" name="Cím 1">
+            <a:extLst>
+              <a:ext uri="{FF2B5EF4-FFF2-40B4-BE49-F238E27FC236}">
+                <a16:creationId xmlns:a16="http://schemas.microsoft.com/office/drawing/2014/main" id="{69A9C6DA-0CA7-4D2B-AA72-D3C36A29ECB7}"/>
+              </a:ext>
+            </a:extLst>
+          </p:cNvPr>
+          <p:cNvSpPr>
+            <a:spLocks noGrp="1"/>
+          </p:cNvSpPr>
+          <p:nvPr>
+            <p:ph type="title"/>
+          </p:nvPr>
+        </p:nvSpPr>
+        <p:spPr/>
+        <p:txBody>
+          <a:bodyPr/>
+          <a:lstStyle/>
+          <a:p>
+            <a:r>
+              <a:rPr lang="hu-HU" dirty="0"/>
+              <a:t>Feladatok</a:t>
+            </a:r>
+          </a:p>
+        </p:txBody>
+      </p:sp>
+      <p:sp>
+        <p:nvSpPr>
+          <p:cNvPr id="3" name="Szöveg helye 2">
+            <a:extLst>
+              <a:ext uri="{FF2B5EF4-FFF2-40B4-BE49-F238E27FC236}">
+                <a16:creationId xmlns:a16="http://schemas.microsoft.com/office/drawing/2014/main" id="{50F383D3-5999-4478-A683-443B35597DFB}"/>
+              </a:ext>
+            </a:extLst>
+          </p:cNvPr>
+          <p:cNvSpPr>
+            <a:spLocks noGrp="1"/>
+          </p:cNvSpPr>
+          <p:nvPr>
+            <p:ph type="body" idx="1"/>
+          </p:nvPr>
+        </p:nvSpPr>
+        <p:spPr/>
+        <p:txBody>
+          <a:bodyPr/>
+          <a:lstStyle/>
+          <a:p>
+            <a:r>
+              <a:rPr lang="hu-HU" dirty="0"/>
+              <a:t>Majzik Bence</a:t>
+            </a:r>
+          </a:p>
+        </p:txBody>
+      </p:sp>
+      <p:sp>
+        <p:nvSpPr>
+          <p:cNvPr id="4" name="Szöveg helye 3">
+            <a:extLst>
+              <a:ext uri="{FF2B5EF4-FFF2-40B4-BE49-F238E27FC236}">
+                <a16:creationId xmlns:a16="http://schemas.microsoft.com/office/drawing/2014/main" id="{8F4AAC3A-2047-4AE2-A6C5-E1C5886104C2}"/>
+              </a:ext>
+            </a:extLst>
+          </p:cNvPr>
+          <p:cNvSpPr>
+            <a:spLocks noGrp="1"/>
+          </p:cNvSpPr>
+          <p:nvPr>
+            <p:ph type="body" sz="half" idx="15"/>
+          </p:nvPr>
+        </p:nvSpPr>
+        <p:spPr/>
+        <p:txBody>
+          <a:bodyPr/>
+          <a:lstStyle/>
+          <a:p>
+            <a:pPr marL="742950" lvl="1" indent="-285750">
+              <a:buFont typeface="Wingdings" panose="05000000000000000000" pitchFamily="2" charset="2"/>
+              <a:buChar char="ü"/>
+            </a:pPr>
+            <a:r>
+              <a:rPr lang="hu-HU" dirty="0"/>
+              <a:t>Design</a:t>
+            </a:r>
+          </a:p>
+          <a:p>
+            <a:pPr marL="742950" lvl="1" indent="-285750">
+              <a:buFont typeface="Wingdings" panose="05000000000000000000" pitchFamily="2" charset="2"/>
+              <a:buChar char="ü"/>
+            </a:pPr>
+            <a:r>
+              <a:rPr lang="hu-HU" dirty="0"/>
+              <a:t>HTML</a:t>
+            </a:r>
+          </a:p>
+          <a:p>
+            <a:pPr marL="742950" lvl="1" indent="-285750">
+              <a:buFont typeface="Wingdings" panose="05000000000000000000" pitchFamily="2" charset="2"/>
+              <a:buChar char="ü"/>
+            </a:pPr>
+            <a:r>
+              <a:rPr lang="hu-HU" dirty="0" err="1"/>
+              <a:t>Admin</a:t>
+            </a:r>
+            <a:r>
+              <a:rPr lang="hu-HU" dirty="0"/>
+              <a:t> GUI</a:t>
+            </a:r>
+          </a:p>
+          <a:p>
+            <a:pPr marL="742950" lvl="1" indent="-285750">
+              <a:buFont typeface="Wingdings" panose="05000000000000000000" pitchFamily="2" charset="2"/>
+              <a:buChar char="ü"/>
+            </a:pPr>
+            <a:r>
+              <a:rPr lang="hu-HU" dirty="0" err="1"/>
+              <a:t>Database</a:t>
+            </a:r>
+            <a:endParaRPr lang="hu-HU" dirty="0"/>
+          </a:p>
+          <a:p>
+            <a:pPr marL="742950" lvl="1" indent="-285750">
+              <a:buFont typeface="Wingdings" panose="05000000000000000000" pitchFamily="2" charset="2"/>
+              <a:buChar char="ü"/>
+            </a:pPr>
+            <a:r>
+              <a:rPr lang="hu-HU" dirty="0"/>
+              <a:t>Rendelés  </a:t>
+            </a:r>
+          </a:p>
+          <a:p>
+            <a:pPr marL="742950" lvl="1" indent="-285750">
+              <a:buFont typeface="Wingdings" panose="05000000000000000000" pitchFamily="2" charset="2"/>
+              <a:buChar char="ü"/>
+            </a:pPr>
+            <a:r>
+              <a:rPr lang="hu-HU" dirty="0"/>
+              <a:t>Dokumentáció</a:t>
+            </a:r>
+          </a:p>
+          <a:p>
+            <a:pPr marL="742950" lvl="1" indent="-285750">
+              <a:buFont typeface="Wingdings" panose="05000000000000000000" pitchFamily="2" charset="2"/>
+              <a:buChar char="ü"/>
+            </a:pPr>
+            <a:endParaRPr lang="hu-HU" dirty="0"/>
+          </a:p>
+        </p:txBody>
+      </p:sp>
+      <p:sp>
+        <p:nvSpPr>
+          <p:cNvPr id="5" name="Szöveg helye 4">
+            <a:extLst>
+              <a:ext uri="{FF2B5EF4-FFF2-40B4-BE49-F238E27FC236}">
+                <a16:creationId xmlns:a16="http://schemas.microsoft.com/office/drawing/2014/main" id="{048AFD28-FBAA-44E6-92FA-48CDB3943069}"/>
+              </a:ext>
+            </a:extLst>
+          </p:cNvPr>
+          <p:cNvSpPr>
+            <a:spLocks noGrp="1"/>
+          </p:cNvSpPr>
+          <p:nvPr>
+            <p:ph type="body" sz="quarter" idx="3"/>
+          </p:nvPr>
+        </p:nvSpPr>
+        <p:spPr/>
+        <p:txBody>
+          <a:bodyPr/>
+          <a:lstStyle/>
+          <a:p>
+            <a:r>
+              <a:rPr lang="hu-HU" dirty="0"/>
+              <a:t>Gábor Bence</a:t>
+            </a:r>
+          </a:p>
+        </p:txBody>
+      </p:sp>
+      <p:sp>
+        <p:nvSpPr>
+          <p:cNvPr id="6" name="Szöveg helye 5">
+            <a:extLst>
+              <a:ext uri="{FF2B5EF4-FFF2-40B4-BE49-F238E27FC236}">
+                <a16:creationId xmlns:a16="http://schemas.microsoft.com/office/drawing/2014/main" id="{0DD80B26-7254-4984-AFEE-1AECB0F959DD}"/>
+              </a:ext>
+            </a:extLst>
+          </p:cNvPr>
+          <p:cNvSpPr>
+            <a:spLocks noGrp="1"/>
+          </p:cNvSpPr>
+          <p:nvPr>
+            <p:ph type="body" sz="half" idx="16"/>
+          </p:nvPr>
+        </p:nvSpPr>
+        <p:spPr/>
+        <p:txBody>
+          <a:bodyPr/>
+          <a:lstStyle/>
+          <a:p>
+            <a:pPr marL="742950" lvl="1" indent="-285750">
+              <a:buFont typeface="Wingdings" panose="05000000000000000000" pitchFamily="2" charset="2"/>
+              <a:buChar char="ü"/>
+            </a:pPr>
+            <a:r>
+              <a:rPr lang="hu-HU" dirty="0" err="1"/>
+              <a:t>Admin</a:t>
+            </a:r>
+            <a:r>
+              <a:rPr lang="hu-HU" dirty="0"/>
+              <a:t> Login</a:t>
+            </a:r>
+          </a:p>
+          <a:p>
+            <a:pPr marL="742950" lvl="1" indent="-285750">
+              <a:buFont typeface="Wingdings" panose="05000000000000000000" pitchFamily="2" charset="2"/>
+              <a:buChar char="ü"/>
+            </a:pPr>
+            <a:r>
+              <a:rPr lang="hu-HU" dirty="0" err="1"/>
+              <a:t>Admin</a:t>
+            </a:r>
+            <a:r>
+              <a:rPr lang="hu-HU" dirty="0"/>
+              <a:t> GUI</a:t>
+            </a:r>
+          </a:p>
+          <a:p>
+            <a:pPr marL="742950" lvl="1" indent="-285750">
+              <a:buFont typeface="Wingdings" panose="05000000000000000000" pitchFamily="2" charset="2"/>
+              <a:buChar char="ü"/>
+            </a:pPr>
+            <a:r>
+              <a:rPr lang="hu-HU" dirty="0" err="1"/>
+              <a:t>Database</a:t>
+            </a:r>
+            <a:endParaRPr lang="hu-HU" dirty="0"/>
+          </a:p>
+          <a:p>
+            <a:pPr marL="742950" lvl="1" indent="-285750">
+              <a:buFont typeface="Wingdings" panose="05000000000000000000" pitchFamily="2" charset="2"/>
+              <a:buChar char="ü"/>
+            </a:pPr>
+            <a:r>
+              <a:rPr lang="hu-HU" dirty="0"/>
+              <a:t>HTML</a:t>
+            </a:r>
+          </a:p>
+          <a:p>
+            <a:pPr marL="742950" lvl="1" indent="-285750">
+              <a:buFont typeface="Wingdings" panose="05000000000000000000" pitchFamily="2" charset="2"/>
+              <a:buChar char="ü"/>
+            </a:pPr>
+            <a:r>
+              <a:rPr lang="hu-HU" dirty="0"/>
+              <a:t>Dokumentáció</a:t>
+            </a:r>
+          </a:p>
+          <a:p>
+            <a:pPr marL="742950" lvl="1" indent="-285750">
+              <a:buFont typeface="Wingdings" panose="05000000000000000000" pitchFamily="2" charset="2"/>
+              <a:buChar char="ü"/>
+            </a:pPr>
+            <a:endParaRPr lang="hu-HU" dirty="0"/>
+          </a:p>
+        </p:txBody>
+      </p:sp>
+      <p:sp>
+        <p:nvSpPr>
+          <p:cNvPr id="7" name="Szöveg helye 6">
+            <a:extLst>
+              <a:ext uri="{FF2B5EF4-FFF2-40B4-BE49-F238E27FC236}">
+                <a16:creationId xmlns:a16="http://schemas.microsoft.com/office/drawing/2014/main" id="{D9FB308C-75A2-4A27-8D65-3D4CE3CCE5FE}"/>
+              </a:ext>
+            </a:extLst>
+          </p:cNvPr>
+          <p:cNvSpPr>
+            <a:spLocks noGrp="1"/>
+          </p:cNvSpPr>
+          <p:nvPr>
+            <p:ph type="body" sz="quarter" idx="13"/>
+          </p:nvPr>
+        </p:nvSpPr>
+        <p:spPr/>
+        <p:txBody>
+          <a:bodyPr/>
+          <a:lstStyle/>
+          <a:p>
+            <a:r>
+              <a:rPr lang="hu-HU" dirty="0"/>
+              <a:t>Gellértfy Tamás</a:t>
+            </a:r>
+          </a:p>
+        </p:txBody>
+      </p:sp>
+      <p:sp>
+        <p:nvSpPr>
+          <p:cNvPr id="8" name="Szöveg helye 7">
+            <a:extLst>
+              <a:ext uri="{FF2B5EF4-FFF2-40B4-BE49-F238E27FC236}">
+                <a16:creationId xmlns:a16="http://schemas.microsoft.com/office/drawing/2014/main" id="{9708EEB7-3201-42E1-97BE-B33BACBC83A6}"/>
+              </a:ext>
+            </a:extLst>
+          </p:cNvPr>
+          <p:cNvSpPr>
+            <a:spLocks noGrp="1"/>
+          </p:cNvSpPr>
+          <p:nvPr>
+            <p:ph type="body" sz="half" idx="17"/>
+          </p:nvPr>
+        </p:nvSpPr>
+        <p:spPr/>
+        <p:txBody>
+          <a:bodyPr/>
+          <a:lstStyle/>
+          <a:p>
+            <a:pPr marL="742950" lvl="1" indent="-285750">
+              <a:buFont typeface="Wingdings" panose="05000000000000000000" pitchFamily="2" charset="2"/>
+              <a:buChar char="ü"/>
+            </a:pPr>
+            <a:r>
+              <a:rPr lang="hu-HU" dirty="0" err="1"/>
+              <a:t>Kviz</a:t>
+            </a:r>
+            <a:endParaRPr lang="hu-HU" dirty="0"/>
+          </a:p>
+          <a:p>
+            <a:pPr marL="742950" lvl="1" indent="-285750">
+              <a:buFont typeface="Wingdings" panose="05000000000000000000" pitchFamily="2" charset="2"/>
+              <a:buChar char="ü"/>
+            </a:pPr>
+            <a:r>
+              <a:rPr lang="hu-HU" dirty="0" err="1"/>
+              <a:t>Dark</a:t>
+            </a:r>
+            <a:r>
+              <a:rPr lang="hu-HU" dirty="0"/>
+              <a:t> </a:t>
+            </a:r>
+            <a:r>
+              <a:rPr lang="hu-HU" dirty="0" err="1"/>
+              <a:t>Mode</a:t>
+            </a:r>
+            <a:endParaRPr lang="hu-HU" dirty="0"/>
+          </a:p>
+          <a:p>
+            <a:pPr marL="742950" lvl="1" indent="-285750">
+              <a:buFont typeface="Wingdings" panose="05000000000000000000" pitchFamily="2" charset="2"/>
+              <a:buChar char="ü"/>
+            </a:pPr>
+            <a:r>
+              <a:rPr lang="hu-HU" dirty="0" err="1"/>
+              <a:t>Database</a:t>
+            </a:r>
+            <a:endParaRPr lang="hu-HU" dirty="0"/>
+          </a:p>
+          <a:p>
+            <a:pPr marL="742950" lvl="1" indent="-285750">
+              <a:buFont typeface="Wingdings" panose="05000000000000000000" pitchFamily="2" charset="2"/>
+              <a:buChar char="ü"/>
+            </a:pPr>
+            <a:r>
+              <a:rPr lang="hu-HU" dirty="0"/>
+              <a:t>Nyelv választó</a:t>
+            </a:r>
+          </a:p>
+          <a:p>
+            <a:pPr marL="742950" lvl="1" indent="-285750">
+              <a:buFont typeface="Wingdings" panose="05000000000000000000" pitchFamily="2" charset="2"/>
+              <a:buChar char="ü"/>
+            </a:pPr>
+            <a:r>
+              <a:rPr lang="hu-HU" dirty="0"/>
+              <a:t>HTML</a:t>
+            </a:r>
+          </a:p>
+          <a:p>
+            <a:pPr marL="742950" lvl="1" indent="-285750">
+              <a:buFont typeface="Wingdings" panose="05000000000000000000" pitchFamily="2" charset="2"/>
+              <a:buChar char="ü"/>
+            </a:pPr>
+            <a:r>
+              <a:rPr lang="hu-HU" dirty="0"/>
+              <a:t>Dokumentáció</a:t>
+            </a:r>
+          </a:p>
+          <a:p>
+            <a:pPr marL="742950" lvl="1" indent="-285750">
+              <a:buFont typeface="Wingdings" panose="05000000000000000000" pitchFamily="2" charset="2"/>
+              <a:buChar char="ü"/>
+            </a:pPr>
+            <a:r>
+              <a:rPr lang="hu-HU" dirty="0"/>
+              <a:t>PPT</a:t>
+            </a:r>
+          </a:p>
+        </p:txBody>
+      </p:sp>
+    </p:spTree>
+    <p:extLst>
+      <p:ext uri="{BB962C8B-B14F-4D97-AF65-F5344CB8AC3E}">
+        <p14:creationId xmlns:p14="http://schemas.microsoft.com/office/powerpoint/2010/main" val="92500263"/>
+      </p:ext>
+    </p:extLst>
+  </p:cSld>
+  <p:clrMapOvr>
+    <a:masterClrMapping/>
+  </p:clrMapOvr>
+  <p:transition spd="slow">
+    <p:push dir="u"/>
+  </p:transition>
+</p:sld>
+</file>
+
+<file path=ppt/slides/slide11.xml><?xml version="1.0" encoding="utf-8"?>
+<p:sld xmlns:a="http://schemas.openxmlformats.org/drawingml/2006/main" xmlns:r="http://schemas.openxmlformats.org/officeDocument/2006/relationships" xmlns:p="http://schemas.openxmlformats.org/presentationml/2006/main">
+  <p:cSld>
+    <p:spTree>
+      <p:nvGrpSpPr>
+        <p:cNvPr id="1" name=""/>
+        <p:cNvGrpSpPr/>
+        <p:nvPr/>
+      </p:nvGrpSpPr>
+      <p:grpSpPr>
+        <a:xfrm>
+          <a:off x="0" y="0"/>
+          <a:ext cx="0" cy="0"/>
+          <a:chOff x="0" y="0"/>
+          <a:chExt cx="0" cy="0"/>
+        </a:xfrm>
+      </p:grpSpPr>
+      <p:sp>
+        <p:nvSpPr>
+          <p:cNvPr id="2" name="Cím 1">
+            <a:extLst>
+              <a:ext uri="{FF2B5EF4-FFF2-40B4-BE49-F238E27FC236}">
+                <a16:creationId xmlns:a16="http://schemas.microsoft.com/office/drawing/2014/main" id="{84E8A2D6-7C60-4C7C-94BF-F2D92200554A}"/>
+              </a:ext>
+            </a:extLst>
+          </p:cNvPr>
+          <p:cNvSpPr>
+            <a:spLocks noGrp="1"/>
+          </p:cNvSpPr>
+          <p:nvPr>
+            <p:ph type="title"/>
+          </p:nvPr>
+        </p:nvSpPr>
+        <p:spPr/>
+        <p:txBody>
+          <a:bodyPr/>
+          <a:lstStyle/>
+          <a:p>
+            <a:r>
+              <a:rPr lang="hu-HU" dirty="0"/>
+              <a:t>Fejlesztések</a:t>
+            </a:r>
+          </a:p>
+        </p:txBody>
+      </p:sp>
+      <p:sp>
+        <p:nvSpPr>
+          <p:cNvPr id="3" name="Tartalom helye 2">
+            <a:extLst>
+              <a:ext uri="{FF2B5EF4-FFF2-40B4-BE49-F238E27FC236}">
+                <a16:creationId xmlns:a16="http://schemas.microsoft.com/office/drawing/2014/main" id="{A3FE92F8-DD3B-4460-A582-A9CC57866F70}"/>
+              </a:ext>
+            </a:extLst>
+          </p:cNvPr>
+          <p:cNvSpPr>
+            <a:spLocks noGrp="1"/>
+          </p:cNvSpPr>
+          <p:nvPr>
+            <p:ph idx="1"/>
+          </p:nvPr>
+        </p:nvSpPr>
+        <p:spPr/>
+        <p:txBody>
+          <a:bodyPr/>
+          <a:lstStyle/>
+          <a:p>
+            <a:r>
+              <a:rPr lang="hu-HU" dirty="0"/>
+              <a:t>Online Fizetés</a:t>
+            </a:r>
+          </a:p>
+          <a:p>
+            <a:r>
+              <a:rPr lang="hu-HU" dirty="0"/>
+              <a:t>Mobile app</a:t>
+            </a:r>
+          </a:p>
+          <a:p>
+            <a:r>
+              <a:rPr lang="hu-HU" dirty="0"/>
+              <a:t>Reklámok az oldalon (</a:t>
+            </a:r>
+            <a:r>
+              <a:rPr lang="hu-HU" dirty="0" err="1"/>
+              <a:t>monetizáció</a:t>
+            </a:r>
+            <a:r>
+              <a:rPr lang="hu-HU" dirty="0"/>
+              <a:t>)</a:t>
+            </a:r>
+          </a:p>
+        </p:txBody>
+      </p:sp>
+      <p:pic>
+        <p:nvPicPr>
+          <p:cNvPr id="5" name="Kép 4">
+            <a:extLst>
+              <a:ext uri="{FF2B5EF4-FFF2-40B4-BE49-F238E27FC236}">
+                <a16:creationId xmlns:a16="http://schemas.microsoft.com/office/drawing/2014/main" id="{CAB348D3-1512-4C3F-BF35-21E5D4CF62C5}"/>
+              </a:ext>
+            </a:extLst>
+          </p:cNvPr>
+          <p:cNvPicPr>
+            <a:picLocks noChangeAspect="1"/>
+          </p:cNvPicPr>
+          <p:nvPr/>
+        </p:nvPicPr>
+        <p:blipFill>
+          <a:blip r:embed="rId2"/>
+          <a:stretch>
+            <a:fillRect/>
+          </a:stretch>
+        </p:blipFill>
+        <p:spPr>
+          <a:xfrm>
+            <a:off x="7176728" y="2480945"/>
+            <a:ext cx="2739639" cy="2051685"/>
+          </a:xfrm>
+          <a:prstGeom prst="rect">
+            <a:avLst/>
+          </a:prstGeom>
+        </p:spPr>
+      </p:pic>
+    </p:spTree>
+    <p:extLst>
+      <p:ext uri="{BB962C8B-B14F-4D97-AF65-F5344CB8AC3E}">
+        <p14:creationId xmlns:p14="http://schemas.microsoft.com/office/powerpoint/2010/main" val="1807680192"/>
+      </p:ext>
+    </p:extLst>
+  </p:cSld>
+  <p:clrMapOvr>
+    <a:masterClrMapping/>
+  </p:clrMapOvr>
+  <p:transition spd="slow">
+    <p:push dir="u"/>
+  </p:transition>
+</p:sld>
+</file>
+
 <file path=ppt/slides/slide2.xml><?xml version="1.0" encoding="utf-8"?>
 <p:sld xmlns:a="http://schemas.openxmlformats.org/drawingml/2006/main" xmlns:r="http://schemas.openxmlformats.org/officeDocument/2006/relationships" xmlns:p="http://schemas.openxmlformats.org/presentationml/2006/main">
   <p:cSld>
@@ -13531,6 +14107,820 @@
   <p:clrMapOvr>
     <a:masterClrMapping/>
   </p:clrMapOvr>
+  <p:transition spd="slow">
+    <p:push dir="u"/>
+  </p:transition>
+  <p:timing>
+    <p:tnLst>
+      <p:par>
+        <p:cTn id="1" dur="indefinite" restart="never" nodeType="tmRoot">
+          <p:childTnLst>
+            <p:seq concurrent="1" nextAc="seek">
+              <p:cTn id="2" dur="indefinite" nodeType="mainSeq">
+                <p:childTnLst>
+                  <p:par>
+                    <p:cTn id="3" fill="hold">
+                      <p:stCondLst>
+                        <p:cond delay="indefinite"/>
+                      </p:stCondLst>
+                      <p:childTnLst>
+                        <p:par>
+                          <p:cTn id="4" fill="hold">
+                            <p:stCondLst>
+                              <p:cond delay="0"/>
+                            </p:stCondLst>
+                            <p:childTnLst>
+                              <p:par>
+                                <p:cTn id="5" presetID="2" presetClass="entr" presetSubtype="4" fill="hold" nodeType="clickEffect">
+                                  <p:stCondLst>
+                                    <p:cond delay="0"/>
+                                  </p:stCondLst>
+                                  <p:childTnLst>
+                                    <p:set>
+                                      <p:cBhvr>
+                                        <p:cTn id="6" dur="1" fill="hold">
+                                          <p:stCondLst>
+                                            <p:cond delay="0"/>
+                                          </p:stCondLst>
+                                        </p:cTn>
+                                        <p:tgtEl>
+                                          <p:spTgt spid="3">
+                                            <p:txEl>
+                                              <p:pRg st="0" end="0"/>
+                                            </p:txEl>
+                                          </p:spTgt>
+                                        </p:tgtEl>
+                                        <p:attrNameLst>
+                                          <p:attrName>style.visibility</p:attrName>
+                                        </p:attrNameLst>
+                                      </p:cBhvr>
+                                      <p:to>
+                                        <p:strVal val="visible"/>
+                                      </p:to>
+                                    </p:set>
+                                    <p:anim calcmode="lin" valueType="num">
+                                      <p:cBhvr additive="base">
+                                        <p:cTn id="7" dur="500" fill="hold"/>
+                                        <p:tgtEl>
+                                          <p:spTgt spid="3">
+                                            <p:txEl>
+                                              <p:pRg st="0" end="0"/>
+                                            </p:txEl>
+                                          </p:spTgt>
+                                        </p:tgtEl>
+                                        <p:attrNameLst>
+                                          <p:attrName>ppt_x</p:attrName>
+                                        </p:attrNameLst>
+                                      </p:cBhvr>
+                                      <p:tavLst>
+                                        <p:tav tm="0">
+                                          <p:val>
+                                            <p:strVal val="#ppt_x"/>
+                                          </p:val>
+                                        </p:tav>
+                                        <p:tav tm="100000">
+                                          <p:val>
+                                            <p:strVal val="#ppt_x"/>
+                                          </p:val>
+                                        </p:tav>
+                                      </p:tavLst>
+                                    </p:anim>
+                                    <p:anim calcmode="lin" valueType="num">
+                                      <p:cBhvr additive="base">
+                                        <p:cTn id="8" dur="500" fill="hold"/>
+                                        <p:tgtEl>
+                                          <p:spTgt spid="3">
+                                            <p:txEl>
+                                              <p:pRg st="0" end="0"/>
+                                            </p:txEl>
+                                          </p:spTgt>
+                                        </p:tgtEl>
+                                        <p:attrNameLst>
+                                          <p:attrName>ppt_y</p:attrName>
+                                        </p:attrNameLst>
+                                      </p:cBhvr>
+                                      <p:tavLst>
+                                        <p:tav tm="0">
+                                          <p:val>
+                                            <p:strVal val="1+#ppt_h/2"/>
+                                          </p:val>
+                                        </p:tav>
+                                        <p:tav tm="100000">
+                                          <p:val>
+                                            <p:strVal val="#ppt_y"/>
+                                          </p:val>
+                                        </p:tav>
+                                      </p:tavLst>
+                                    </p:anim>
+                                  </p:childTnLst>
+                                </p:cTn>
+                              </p:par>
+                            </p:childTnLst>
+                          </p:cTn>
+                        </p:par>
+                      </p:childTnLst>
+                    </p:cTn>
+                  </p:par>
+                  <p:par>
+                    <p:cTn id="9" fill="hold">
+                      <p:stCondLst>
+                        <p:cond delay="indefinite"/>
+                      </p:stCondLst>
+                      <p:childTnLst>
+                        <p:par>
+                          <p:cTn id="10" fill="hold">
+                            <p:stCondLst>
+                              <p:cond delay="0"/>
+                            </p:stCondLst>
+                            <p:childTnLst>
+                              <p:par>
+                                <p:cTn id="11" presetID="42" presetClass="entr" presetSubtype="0" fill="hold" nodeType="clickEffect">
+                                  <p:stCondLst>
+                                    <p:cond delay="0"/>
+                                  </p:stCondLst>
+                                  <p:childTnLst>
+                                    <p:set>
+                                      <p:cBhvr>
+                                        <p:cTn id="12" dur="1" fill="hold">
+                                          <p:stCondLst>
+                                            <p:cond delay="0"/>
+                                          </p:stCondLst>
+                                        </p:cTn>
+                                        <p:tgtEl>
+                                          <p:spTgt spid="4">
+                                            <p:txEl>
+                                              <p:pRg st="0" end="0"/>
+                                            </p:txEl>
+                                          </p:spTgt>
+                                        </p:tgtEl>
+                                        <p:attrNameLst>
+                                          <p:attrName>style.visibility</p:attrName>
+                                        </p:attrNameLst>
+                                      </p:cBhvr>
+                                      <p:to>
+                                        <p:strVal val="visible"/>
+                                      </p:to>
+                                    </p:set>
+                                    <p:animEffect transition="in" filter="fade">
+                                      <p:cBhvr>
+                                        <p:cTn id="13" dur="1000"/>
+                                        <p:tgtEl>
+                                          <p:spTgt spid="4">
+                                            <p:txEl>
+                                              <p:pRg st="0" end="0"/>
+                                            </p:txEl>
+                                          </p:spTgt>
+                                        </p:tgtEl>
+                                      </p:cBhvr>
+                                    </p:animEffect>
+                                    <p:anim calcmode="lin" valueType="num">
+                                      <p:cBhvr>
+                                        <p:cTn id="14" dur="1000" fill="hold"/>
+                                        <p:tgtEl>
+                                          <p:spTgt spid="4">
+                                            <p:txEl>
+                                              <p:pRg st="0" end="0"/>
+                                            </p:txEl>
+                                          </p:spTgt>
+                                        </p:tgtEl>
+                                        <p:attrNameLst>
+                                          <p:attrName>ppt_x</p:attrName>
+                                        </p:attrNameLst>
+                                      </p:cBhvr>
+                                      <p:tavLst>
+                                        <p:tav tm="0">
+                                          <p:val>
+                                            <p:strVal val="#ppt_x"/>
+                                          </p:val>
+                                        </p:tav>
+                                        <p:tav tm="100000">
+                                          <p:val>
+                                            <p:strVal val="#ppt_x"/>
+                                          </p:val>
+                                        </p:tav>
+                                      </p:tavLst>
+                                    </p:anim>
+                                    <p:anim calcmode="lin" valueType="num">
+                                      <p:cBhvr>
+                                        <p:cTn id="15" dur="1000" fill="hold"/>
+                                        <p:tgtEl>
+                                          <p:spTgt spid="4">
+                                            <p:txEl>
+                                              <p:pRg st="0" end="0"/>
+                                            </p:txEl>
+                                          </p:spTgt>
+                                        </p:tgtEl>
+                                        <p:attrNameLst>
+                                          <p:attrName>ppt_y</p:attrName>
+                                        </p:attrNameLst>
+                                      </p:cBhvr>
+                                      <p:tavLst>
+                                        <p:tav tm="0">
+                                          <p:val>
+                                            <p:strVal val="#ppt_y+.1"/>
+                                          </p:val>
+                                        </p:tav>
+                                        <p:tav tm="100000">
+                                          <p:val>
+                                            <p:strVal val="#ppt_y"/>
+                                          </p:val>
+                                        </p:tav>
+                                      </p:tavLst>
+                                    </p:anim>
+                                  </p:childTnLst>
+                                </p:cTn>
+                              </p:par>
+                            </p:childTnLst>
+                          </p:cTn>
+                        </p:par>
+                      </p:childTnLst>
+                    </p:cTn>
+                  </p:par>
+                  <p:par>
+                    <p:cTn id="16" fill="hold">
+                      <p:stCondLst>
+                        <p:cond delay="indefinite"/>
+                      </p:stCondLst>
+                      <p:childTnLst>
+                        <p:par>
+                          <p:cTn id="17" fill="hold">
+                            <p:stCondLst>
+                              <p:cond delay="0"/>
+                            </p:stCondLst>
+                            <p:childTnLst>
+                              <p:par>
+                                <p:cTn id="18" presetID="2" presetClass="entr" presetSubtype="4" fill="hold" nodeType="clickEffect">
+                                  <p:stCondLst>
+                                    <p:cond delay="0"/>
+                                  </p:stCondLst>
+                                  <p:childTnLst>
+                                    <p:set>
+                                      <p:cBhvr>
+                                        <p:cTn id="19" dur="1" fill="hold">
+                                          <p:stCondLst>
+                                            <p:cond delay="0"/>
+                                          </p:stCondLst>
+                                        </p:cTn>
+                                        <p:tgtEl>
+                                          <p:spTgt spid="5">
+                                            <p:txEl>
+                                              <p:pRg st="0" end="0"/>
+                                            </p:txEl>
+                                          </p:spTgt>
+                                        </p:tgtEl>
+                                        <p:attrNameLst>
+                                          <p:attrName>style.visibility</p:attrName>
+                                        </p:attrNameLst>
+                                      </p:cBhvr>
+                                      <p:to>
+                                        <p:strVal val="visible"/>
+                                      </p:to>
+                                    </p:set>
+                                    <p:anim calcmode="lin" valueType="num">
+                                      <p:cBhvr additive="base">
+                                        <p:cTn id="20" dur="500" fill="hold"/>
+                                        <p:tgtEl>
+                                          <p:spTgt spid="5">
+                                            <p:txEl>
+                                              <p:pRg st="0" end="0"/>
+                                            </p:txEl>
+                                          </p:spTgt>
+                                        </p:tgtEl>
+                                        <p:attrNameLst>
+                                          <p:attrName>ppt_x</p:attrName>
+                                        </p:attrNameLst>
+                                      </p:cBhvr>
+                                      <p:tavLst>
+                                        <p:tav tm="0">
+                                          <p:val>
+                                            <p:strVal val="#ppt_x"/>
+                                          </p:val>
+                                        </p:tav>
+                                        <p:tav tm="100000">
+                                          <p:val>
+                                            <p:strVal val="#ppt_x"/>
+                                          </p:val>
+                                        </p:tav>
+                                      </p:tavLst>
+                                    </p:anim>
+                                    <p:anim calcmode="lin" valueType="num">
+                                      <p:cBhvr additive="base">
+                                        <p:cTn id="21" dur="500" fill="hold"/>
+                                        <p:tgtEl>
+                                          <p:spTgt spid="5">
+                                            <p:txEl>
+                                              <p:pRg st="0" end="0"/>
+                                            </p:txEl>
+                                          </p:spTgt>
+                                        </p:tgtEl>
+                                        <p:attrNameLst>
+                                          <p:attrName>ppt_y</p:attrName>
+                                        </p:attrNameLst>
+                                      </p:cBhvr>
+                                      <p:tavLst>
+                                        <p:tav tm="0">
+                                          <p:val>
+                                            <p:strVal val="1+#ppt_h/2"/>
+                                          </p:val>
+                                        </p:tav>
+                                        <p:tav tm="100000">
+                                          <p:val>
+                                            <p:strVal val="#ppt_y"/>
+                                          </p:val>
+                                        </p:tav>
+                                      </p:tavLst>
+                                    </p:anim>
+                                  </p:childTnLst>
+                                </p:cTn>
+                              </p:par>
+                            </p:childTnLst>
+                          </p:cTn>
+                        </p:par>
+                      </p:childTnLst>
+                    </p:cTn>
+                  </p:par>
+                  <p:par>
+                    <p:cTn id="22" fill="hold">
+                      <p:stCondLst>
+                        <p:cond delay="indefinite"/>
+                      </p:stCondLst>
+                      <p:childTnLst>
+                        <p:par>
+                          <p:cTn id="23" fill="hold">
+                            <p:stCondLst>
+                              <p:cond delay="0"/>
+                            </p:stCondLst>
+                            <p:childTnLst>
+                              <p:par>
+                                <p:cTn id="24" presetID="42" presetClass="entr" presetSubtype="0" fill="hold" nodeType="clickEffect">
+                                  <p:stCondLst>
+                                    <p:cond delay="0"/>
+                                  </p:stCondLst>
+                                  <p:childTnLst>
+                                    <p:set>
+                                      <p:cBhvr>
+                                        <p:cTn id="25" dur="1" fill="hold">
+                                          <p:stCondLst>
+                                            <p:cond delay="0"/>
+                                          </p:stCondLst>
+                                        </p:cTn>
+                                        <p:tgtEl>
+                                          <p:spTgt spid="6">
+                                            <p:txEl>
+                                              <p:pRg st="0" end="0"/>
+                                            </p:txEl>
+                                          </p:spTgt>
+                                        </p:tgtEl>
+                                        <p:attrNameLst>
+                                          <p:attrName>style.visibility</p:attrName>
+                                        </p:attrNameLst>
+                                      </p:cBhvr>
+                                      <p:to>
+                                        <p:strVal val="visible"/>
+                                      </p:to>
+                                    </p:set>
+                                    <p:animEffect transition="in" filter="fade">
+                                      <p:cBhvr>
+                                        <p:cTn id="26" dur="1000"/>
+                                        <p:tgtEl>
+                                          <p:spTgt spid="6">
+                                            <p:txEl>
+                                              <p:pRg st="0" end="0"/>
+                                            </p:txEl>
+                                          </p:spTgt>
+                                        </p:tgtEl>
+                                      </p:cBhvr>
+                                    </p:animEffect>
+                                    <p:anim calcmode="lin" valueType="num">
+                                      <p:cBhvr>
+                                        <p:cTn id="27" dur="1000" fill="hold"/>
+                                        <p:tgtEl>
+                                          <p:spTgt spid="6">
+                                            <p:txEl>
+                                              <p:pRg st="0" end="0"/>
+                                            </p:txEl>
+                                          </p:spTgt>
+                                        </p:tgtEl>
+                                        <p:attrNameLst>
+                                          <p:attrName>ppt_x</p:attrName>
+                                        </p:attrNameLst>
+                                      </p:cBhvr>
+                                      <p:tavLst>
+                                        <p:tav tm="0">
+                                          <p:val>
+                                            <p:strVal val="#ppt_x"/>
+                                          </p:val>
+                                        </p:tav>
+                                        <p:tav tm="100000">
+                                          <p:val>
+                                            <p:strVal val="#ppt_x"/>
+                                          </p:val>
+                                        </p:tav>
+                                      </p:tavLst>
+                                    </p:anim>
+                                    <p:anim calcmode="lin" valueType="num">
+                                      <p:cBhvr>
+                                        <p:cTn id="28" dur="1000" fill="hold"/>
+                                        <p:tgtEl>
+                                          <p:spTgt spid="6">
+                                            <p:txEl>
+                                              <p:pRg st="0" end="0"/>
+                                            </p:txEl>
+                                          </p:spTgt>
+                                        </p:tgtEl>
+                                        <p:attrNameLst>
+                                          <p:attrName>ppt_y</p:attrName>
+                                        </p:attrNameLst>
+                                      </p:cBhvr>
+                                      <p:tavLst>
+                                        <p:tav tm="0">
+                                          <p:val>
+                                            <p:strVal val="#ppt_y+.1"/>
+                                          </p:val>
+                                        </p:tav>
+                                        <p:tav tm="100000">
+                                          <p:val>
+                                            <p:strVal val="#ppt_y"/>
+                                          </p:val>
+                                        </p:tav>
+                                      </p:tavLst>
+                                    </p:anim>
+                                  </p:childTnLst>
+                                </p:cTn>
+                              </p:par>
+                            </p:childTnLst>
+                          </p:cTn>
+                        </p:par>
+                      </p:childTnLst>
+                    </p:cTn>
+                  </p:par>
+                  <p:par>
+                    <p:cTn id="29" fill="hold">
+                      <p:stCondLst>
+                        <p:cond delay="indefinite"/>
+                      </p:stCondLst>
+                      <p:childTnLst>
+                        <p:par>
+                          <p:cTn id="30" fill="hold">
+                            <p:stCondLst>
+                              <p:cond delay="0"/>
+                            </p:stCondLst>
+                            <p:childTnLst>
+                              <p:par>
+                                <p:cTn id="31" presetID="42" presetClass="entr" presetSubtype="0" fill="hold" nodeType="clickEffect">
+                                  <p:stCondLst>
+                                    <p:cond delay="0"/>
+                                  </p:stCondLst>
+                                  <p:childTnLst>
+                                    <p:set>
+                                      <p:cBhvr>
+                                        <p:cTn id="32" dur="1" fill="hold">
+                                          <p:stCondLst>
+                                            <p:cond delay="0"/>
+                                          </p:stCondLst>
+                                        </p:cTn>
+                                        <p:tgtEl>
+                                          <p:spTgt spid="6">
+                                            <p:txEl>
+                                              <p:pRg st="1" end="1"/>
+                                            </p:txEl>
+                                          </p:spTgt>
+                                        </p:tgtEl>
+                                        <p:attrNameLst>
+                                          <p:attrName>style.visibility</p:attrName>
+                                        </p:attrNameLst>
+                                      </p:cBhvr>
+                                      <p:to>
+                                        <p:strVal val="visible"/>
+                                      </p:to>
+                                    </p:set>
+                                    <p:animEffect transition="in" filter="fade">
+                                      <p:cBhvr>
+                                        <p:cTn id="33" dur="1000"/>
+                                        <p:tgtEl>
+                                          <p:spTgt spid="6">
+                                            <p:txEl>
+                                              <p:pRg st="1" end="1"/>
+                                            </p:txEl>
+                                          </p:spTgt>
+                                        </p:tgtEl>
+                                      </p:cBhvr>
+                                    </p:animEffect>
+                                    <p:anim calcmode="lin" valueType="num">
+                                      <p:cBhvr>
+                                        <p:cTn id="34" dur="1000" fill="hold"/>
+                                        <p:tgtEl>
+                                          <p:spTgt spid="6">
+                                            <p:txEl>
+                                              <p:pRg st="1" end="1"/>
+                                            </p:txEl>
+                                          </p:spTgt>
+                                        </p:tgtEl>
+                                        <p:attrNameLst>
+                                          <p:attrName>ppt_x</p:attrName>
+                                        </p:attrNameLst>
+                                      </p:cBhvr>
+                                      <p:tavLst>
+                                        <p:tav tm="0">
+                                          <p:val>
+                                            <p:strVal val="#ppt_x"/>
+                                          </p:val>
+                                        </p:tav>
+                                        <p:tav tm="100000">
+                                          <p:val>
+                                            <p:strVal val="#ppt_x"/>
+                                          </p:val>
+                                        </p:tav>
+                                      </p:tavLst>
+                                    </p:anim>
+                                    <p:anim calcmode="lin" valueType="num">
+                                      <p:cBhvr>
+                                        <p:cTn id="35" dur="1000" fill="hold"/>
+                                        <p:tgtEl>
+                                          <p:spTgt spid="6">
+                                            <p:txEl>
+                                              <p:pRg st="1" end="1"/>
+                                            </p:txEl>
+                                          </p:spTgt>
+                                        </p:tgtEl>
+                                        <p:attrNameLst>
+                                          <p:attrName>ppt_y</p:attrName>
+                                        </p:attrNameLst>
+                                      </p:cBhvr>
+                                      <p:tavLst>
+                                        <p:tav tm="0">
+                                          <p:val>
+                                            <p:strVal val="#ppt_y+.1"/>
+                                          </p:val>
+                                        </p:tav>
+                                        <p:tav tm="100000">
+                                          <p:val>
+                                            <p:strVal val="#ppt_y"/>
+                                          </p:val>
+                                        </p:tav>
+                                      </p:tavLst>
+                                    </p:anim>
+                                  </p:childTnLst>
+                                </p:cTn>
+                              </p:par>
+                            </p:childTnLst>
+                          </p:cTn>
+                        </p:par>
+                      </p:childTnLst>
+                    </p:cTn>
+                  </p:par>
+                  <p:par>
+                    <p:cTn id="36" fill="hold">
+                      <p:stCondLst>
+                        <p:cond delay="indefinite"/>
+                      </p:stCondLst>
+                      <p:childTnLst>
+                        <p:par>
+                          <p:cTn id="37" fill="hold">
+                            <p:stCondLst>
+                              <p:cond delay="0"/>
+                            </p:stCondLst>
+                            <p:childTnLst>
+                              <p:par>
+                                <p:cTn id="38" presetID="42" presetClass="entr" presetSubtype="0" fill="hold" nodeType="clickEffect">
+                                  <p:stCondLst>
+                                    <p:cond delay="0"/>
+                                  </p:stCondLst>
+                                  <p:childTnLst>
+                                    <p:set>
+                                      <p:cBhvr>
+                                        <p:cTn id="39" dur="1" fill="hold">
+                                          <p:stCondLst>
+                                            <p:cond delay="0"/>
+                                          </p:stCondLst>
+                                        </p:cTn>
+                                        <p:tgtEl>
+                                          <p:spTgt spid="6">
+                                            <p:txEl>
+                                              <p:pRg st="2" end="2"/>
+                                            </p:txEl>
+                                          </p:spTgt>
+                                        </p:tgtEl>
+                                        <p:attrNameLst>
+                                          <p:attrName>style.visibility</p:attrName>
+                                        </p:attrNameLst>
+                                      </p:cBhvr>
+                                      <p:to>
+                                        <p:strVal val="visible"/>
+                                      </p:to>
+                                    </p:set>
+                                    <p:animEffect transition="in" filter="fade">
+                                      <p:cBhvr>
+                                        <p:cTn id="40" dur="1000"/>
+                                        <p:tgtEl>
+                                          <p:spTgt spid="6">
+                                            <p:txEl>
+                                              <p:pRg st="2" end="2"/>
+                                            </p:txEl>
+                                          </p:spTgt>
+                                        </p:tgtEl>
+                                      </p:cBhvr>
+                                    </p:animEffect>
+                                    <p:anim calcmode="lin" valueType="num">
+                                      <p:cBhvr>
+                                        <p:cTn id="41" dur="1000" fill="hold"/>
+                                        <p:tgtEl>
+                                          <p:spTgt spid="6">
+                                            <p:txEl>
+                                              <p:pRg st="2" end="2"/>
+                                            </p:txEl>
+                                          </p:spTgt>
+                                        </p:tgtEl>
+                                        <p:attrNameLst>
+                                          <p:attrName>ppt_x</p:attrName>
+                                        </p:attrNameLst>
+                                      </p:cBhvr>
+                                      <p:tavLst>
+                                        <p:tav tm="0">
+                                          <p:val>
+                                            <p:strVal val="#ppt_x"/>
+                                          </p:val>
+                                        </p:tav>
+                                        <p:tav tm="100000">
+                                          <p:val>
+                                            <p:strVal val="#ppt_x"/>
+                                          </p:val>
+                                        </p:tav>
+                                      </p:tavLst>
+                                    </p:anim>
+                                    <p:anim calcmode="lin" valueType="num">
+                                      <p:cBhvr>
+                                        <p:cTn id="42" dur="1000" fill="hold"/>
+                                        <p:tgtEl>
+                                          <p:spTgt spid="6">
+                                            <p:txEl>
+                                              <p:pRg st="2" end="2"/>
+                                            </p:txEl>
+                                          </p:spTgt>
+                                        </p:tgtEl>
+                                        <p:attrNameLst>
+                                          <p:attrName>ppt_y</p:attrName>
+                                        </p:attrNameLst>
+                                      </p:cBhvr>
+                                      <p:tavLst>
+                                        <p:tav tm="0">
+                                          <p:val>
+                                            <p:strVal val="#ppt_y+.1"/>
+                                          </p:val>
+                                        </p:tav>
+                                        <p:tav tm="100000">
+                                          <p:val>
+                                            <p:strVal val="#ppt_y"/>
+                                          </p:val>
+                                        </p:tav>
+                                      </p:tavLst>
+                                    </p:anim>
+                                  </p:childTnLst>
+                                </p:cTn>
+                              </p:par>
+                            </p:childTnLst>
+                          </p:cTn>
+                        </p:par>
+                      </p:childTnLst>
+                    </p:cTn>
+                  </p:par>
+                  <p:par>
+                    <p:cTn id="43" fill="hold">
+                      <p:stCondLst>
+                        <p:cond delay="indefinite"/>
+                      </p:stCondLst>
+                      <p:childTnLst>
+                        <p:par>
+                          <p:cTn id="44" fill="hold">
+                            <p:stCondLst>
+                              <p:cond delay="0"/>
+                            </p:stCondLst>
+                            <p:childTnLst>
+                              <p:par>
+                                <p:cTn id="45" presetID="42" presetClass="entr" presetSubtype="0" fill="hold" nodeType="clickEffect">
+                                  <p:stCondLst>
+                                    <p:cond delay="0"/>
+                                  </p:stCondLst>
+                                  <p:childTnLst>
+                                    <p:set>
+                                      <p:cBhvr>
+                                        <p:cTn id="46" dur="1" fill="hold">
+                                          <p:stCondLst>
+                                            <p:cond delay="0"/>
+                                          </p:stCondLst>
+                                        </p:cTn>
+                                        <p:tgtEl>
+                                          <p:spTgt spid="6">
+                                            <p:txEl>
+                                              <p:pRg st="3" end="3"/>
+                                            </p:txEl>
+                                          </p:spTgt>
+                                        </p:tgtEl>
+                                        <p:attrNameLst>
+                                          <p:attrName>style.visibility</p:attrName>
+                                        </p:attrNameLst>
+                                      </p:cBhvr>
+                                      <p:to>
+                                        <p:strVal val="visible"/>
+                                      </p:to>
+                                    </p:set>
+                                    <p:animEffect transition="in" filter="fade">
+                                      <p:cBhvr>
+                                        <p:cTn id="47" dur="1000"/>
+                                        <p:tgtEl>
+                                          <p:spTgt spid="6">
+                                            <p:txEl>
+                                              <p:pRg st="3" end="3"/>
+                                            </p:txEl>
+                                          </p:spTgt>
+                                        </p:tgtEl>
+                                      </p:cBhvr>
+                                    </p:animEffect>
+                                    <p:anim calcmode="lin" valueType="num">
+                                      <p:cBhvr>
+                                        <p:cTn id="48" dur="1000" fill="hold"/>
+                                        <p:tgtEl>
+                                          <p:spTgt spid="6">
+                                            <p:txEl>
+                                              <p:pRg st="3" end="3"/>
+                                            </p:txEl>
+                                          </p:spTgt>
+                                        </p:tgtEl>
+                                        <p:attrNameLst>
+                                          <p:attrName>ppt_x</p:attrName>
+                                        </p:attrNameLst>
+                                      </p:cBhvr>
+                                      <p:tavLst>
+                                        <p:tav tm="0">
+                                          <p:val>
+                                            <p:strVal val="#ppt_x"/>
+                                          </p:val>
+                                        </p:tav>
+                                        <p:tav tm="100000">
+                                          <p:val>
+                                            <p:strVal val="#ppt_x"/>
+                                          </p:val>
+                                        </p:tav>
+                                      </p:tavLst>
+                                    </p:anim>
+                                    <p:anim calcmode="lin" valueType="num">
+                                      <p:cBhvr>
+                                        <p:cTn id="49" dur="1000" fill="hold"/>
+                                        <p:tgtEl>
+                                          <p:spTgt spid="6">
+                                            <p:txEl>
+                                              <p:pRg st="3" end="3"/>
+                                            </p:txEl>
+                                          </p:spTgt>
+                                        </p:tgtEl>
+                                        <p:attrNameLst>
+                                          <p:attrName>ppt_y</p:attrName>
+                                        </p:attrNameLst>
+                                      </p:cBhvr>
+                                      <p:tavLst>
+                                        <p:tav tm="0">
+                                          <p:val>
+                                            <p:strVal val="#ppt_y+.1"/>
+                                          </p:val>
+                                        </p:tav>
+                                        <p:tav tm="100000">
+                                          <p:val>
+                                            <p:strVal val="#ppt_y"/>
+                                          </p:val>
+                                        </p:tav>
+                                      </p:tavLst>
+                                    </p:anim>
+                                  </p:childTnLst>
+                                </p:cTn>
+                              </p:par>
+                            </p:childTnLst>
+                          </p:cTn>
+                        </p:par>
+                      </p:childTnLst>
+                    </p:cTn>
+                  </p:par>
+                </p:childTnLst>
+              </p:cTn>
+              <p:prevCondLst>
+                <p:cond evt="onPrev" delay="0">
+                  <p:tgtEl>
+                    <p:sldTgt/>
+                  </p:tgtEl>
+                </p:cond>
+              </p:prevCondLst>
+              <p:nextCondLst>
+                <p:cond evt="onNext" delay="0">
+                  <p:tgtEl>
+                    <p:sldTgt/>
+                  </p:tgtEl>
+                </p:cond>
+              </p:nextCondLst>
+            </p:seq>
+          </p:childTnLst>
+        </p:cTn>
+      </p:par>
+    </p:tnLst>
+  </p:timing>
 </p:sld>
 </file>
 
@@ -13574,13 +14964,8 @@
           <a:p>
             <a:r>
               <a:rPr lang="hu-HU" dirty="0"/>
-              <a:t>Funkciók </a:t>
+              <a:t>Funkciók az oldalon.</a:t>
             </a:r>
-            <a:r>
-              <a:rPr lang="hu-HU"/>
-              <a:t>az oldalon.</a:t>
-            </a:r>
-            <a:endParaRPr lang="hu-HU" dirty="0"/>
           </a:p>
         </p:txBody>
       </p:sp>
@@ -16340,6 +17725,1532 @@
   <p:clrMapOvr>
     <a:masterClrMapping/>
   </p:clrMapOvr>
+  <p:transition spd="slow">
+    <p:push dir="u"/>
+  </p:transition>
+  <p:timing>
+    <p:tnLst>
+      <p:par>
+        <p:cTn id="1" dur="indefinite" restart="never" nodeType="tmRoot">
+          <p:childTnLst>
+            <p:seq concurrent="1" nextAc="seek">
+              <p:cTn id="2" dur="indefinite" nodeType="mainSeq">
+                <p:childTnLst>
+                  <p:par>
+                    <p:cTn id="3" fill="hold">
+                      <p:stCondLst>
+                        <p:cond delay="indefinite"/>
+                      </p:stCondLst>
+                      <p:childTnLst>
+                        <p:par>
+                          <p:cTn id="4" fill="hold">
+                            <p:stCondLst>
+                              <p:cond delay="0"/>
+                            </p:stCondLst>
+                            <p:childTnLst>
+                              <p:par>
+                                <p:cTn id="5" presetID="31" presetClass="entr" presetSubtype="0" fill="hold" grpId="0" nodeType="clickEffect">
+                                  <p:stCondLst>
+                                    <p:cond delay="0"/>
+                                  </p:stCondLst>
+                                  <p:childTnLst>
+                                    <p:set>
+                                      <p:cBhvr>
+                                        <p:cTn id="6" dur="1" fill="hold">
+                                          <p:stCondLst>
+                                            <p:cond delay="0"/>
+                                          </p:stCondLst>
+                                        </p:cTn>
+                                        <p:tgtEl>
+                                          <p:spTgt spid="2"/>
+                                        </p:tgtEl>
+                                        <p:attrNameLst>
+                                          <p:attrName>style.visibility</p:attrName>
+                                        </p:attrNameLst>
+                                      </p:cBhvr>
+                                      <p:to>
+                                        <p:strVal val="visible"/>
+                                      </p:to>
+                                    </p:set>
+                                    <p:anim calcmode="lin" valueType="num">
+                                      <p:cBhvr>
+                                        <p:cTn id="7" dur="1000" fill="hold"/>
+                                        <p:tgtEl>
+                                          <p:spTgt spid="2"/>
+                                        </p:tgtEl>
+                                        <p:attrNameLst>
+                                          <p:attrName>ppt_w</p:attrName>
+                                        </p:attrNameLst>
+                                      </p:cBhvr>
+                                      <p:tavLst>
+                                        <p:tav tm="0">
+                                          <p:val>
+                                            <p:fltVal val="0"/>
+                                          </p:val>
+                                        </p:tav>
+                                        <p:tav tm="100000">
+                                          <p:val>
+                                            <p:strVal val="#ppt_w"/>
+                                          </p:val>
+                                        </p:tav>
+                                      </p:tavLst>
+                                    </p:anim>
+                                    <p:anim calcmode="lin" valueType="num">
+                                      <p:cBhvr>
+                                        <p:cTn id="8" dur="1000" fill="hold"/>
+                                        <p:tgtEl>
+                                          <p:spTgt spid="2"/>
+                                        </p:tgtEl>
+                                        <p:attrNameLst>
+                                          <p:attrName>ppt_h</p:attrName>
+                                        </p:attrNameLst>
+                                      </p:cBhvr>
+                                      <p:tavLst>
+                                        <p:tav tm="0">
+                                          <p:val>
+                                            <p:fltVal val="0"/>
+                                          </p:val>
+                                        </p:tav>
+                                        <p:tav tm="100000">
+                                          <p:val>
+                                            <p:strVal val="#ppt_h"/>
+                                          </p:val>
+                                        </p:tav>
+                                      </p:tavLst>
+                                    </p:anim>
+                                    <p:anim calcmode="lin" valueType="num">
+                                      <p:cBhvr>
+                                        <p:cTn id="9" dur="1000" fill="hold"/>
+                                        <p:tgtEl>
+                                          <p:spTgt spid="2"/>
+                                        </p:tgtEl>
+                                        <p:attrNameLst>
+                                          <p:attrName>style.rotation</p:attrName>
+                                        </p:attrNameLst>
+                                      </p:cBhvr>
+                                      <p:tavLst>
+                                        <p:tav tm="0">
+                                          <p:val>
+                                            <p:fltVal val="90"/>
+                                          </p:val>
+                                        </p:tav>
+                                        <p:tav tm="100000">
+                                          <p:val>
+                                            <p:fltVal val="0"/>
+                                          </p:val>
+                                        </p:tav>
+                                      </p:tavLst>
+                                    </p:anim>
+                                    <p:animEffect transition="in" filter="fade">
+                                      <p:cBhvr>
+                                        <p:cTn id="10" dur="1000"/>
+                                        <p:tgtEl>
+                                          <p:spTgt spid="2"/>
+                                        </p:tgtEl>
+                                      </p:cBhvr>
+                                    </p:animEffect>
+                                  </p:childTnLst>
+                                </p:cTn>
+                              </p:par>
+                            </p:childTnLst>
+                          </p:cTn>
+                        </p:par>
+                      </p:childTnLst>
+                    </p:cTn>
+                  </p:par>
+                  <p:par>
+                    <p:cTn id="11" fill="hold">
+                      <p:stCondLst>
+                        <p:cond delay="indefinite"/>
+                      </p:stCondLst>
+                      <p:childTnLst>
+                        <p:par>
+                          <p:cTn id="12" fill="hold">
+                            <p:stCondLst>
+                              <p:cond delay="0"/>
+                            </p:stCondLst>
+                            <p:childTnLst>
+                              <p:par>
+                                <p:cTn id="13" presetID="42" presetClass="entr" presetSubtype="0" fill="hold" nodeType="clickEffect">
+                                  <p:stCondLst>
+                                    <p:cond delay="0"/>
+                                  </p:stCondLst>
+                                  <p:childTnLst>
+                                    <p:set>
+                                      <p:cBhvr>
+                                        <p:cTn id="14" dur="1" fill="hold">
+                                          <p:stCondLst>
+                                            <p:cond delay="0"/>
+                                          </p:stCondLst>
+                                        </p:cTn>
+                                        <p:tgtEl>
+                                          <p:spTgt spid="3">
+                                            <p:txEl>
+                                              <p:pRg st="0" end="0"/>
+                                            </p:txEl>
+                                          </p:spTgt>
+                                        </p:tgtEl>
+                                        <p:attrNameLst>
+                                          <p:attrName>style.visibility</p:attrName>
+                                        </p:attrNameLst>
+                                      </p:cBhvr>
+                                      <p:to>
+                                        <p:strVal val="visible"/>
+                                      </p:to>
+                                    </p:set>
+                                    <p:animEffect transition="in" filter="fade">
+                                      <p:cBhvr>
+                                        <p:cTn id="15" dur="1000"/>
+                                        <p:tgtEl>
+                                          <p:spTgt spid="3">
+                                            <p:txEl>
+                                              <p:pRg st="0" end="0"/>
+                                            </p:txEl>
+                                          </p:spTgt>
+                                        </p:tgtEl>
+                                      </p:cBhvr>
+                                    </p:animEffect>
+                                    <p:anim calcmode="lin" valueType="num">
+                                      <p:cBhvr>
+                                        <p:cTn id="16" dur="1000" fill="hold"/>
+                                        <p:tgtEl>
+                                          <p:spTgt spid="3">
+                                            <p:txEl>
+                                              <p:pRg st="0" end="0"/>
+                                            </p:txEl>
+                                          </p:spTgt>
+                                        </p:tgtEl>
+                                        <p:attrNameLst>
+                                          <p:attrName>ppt_x</p:attrName>
+                                        </p:attrNameLst>
+                                      </p:cBhvr>
+                                      <p:tavLst>
+                                        <p:tav tm="0">
+                                          <p:val>
+                                            <p:strVal val="#ppt_x"/>
+                                          </p:val>
+                                        </p:tav>
+                                        <p:tav tm="100000">
+                                          <p:val>
+                                            <p:strVal val="#ppt_x"/>
+                                          </p:val>
+                                        </p:tav>
+                                      </p:tavLst>
+                                    </p:anim>
+                                    <p:anim calcmode="lin" valueType="num">
+                                      <p:cBhvr>
+                                        <p:cTn id="17" dur="1000" fill="hold"/>
+                                        <p:tgtEl>
+                                          <p:spTgt spid="3">
+                                            <p:txEl>
+                                              <p:pRg st="0" end="0"/>
+                                            </p:txEl>
+                                          </p:spTgt>
+                                        </p:tgtEl>
+                                        <p:attrNameLst>
+                                          <p:attrName>ppt_y</p:attrName>
+                                        </p:attrNameLst>
+                                      </p:cBhvr>
+                                      <p:tavLst>
+                                        <p:tav tm="0">
+                                          <p:val>
+                                            <p:strVal val="#ppt_y+.1"/>
+                                          </p:val>
+                                        </p:tav>
+                                        <p:tav tm="100000">
+                                          <p:val>
+                                            <p:strVal val="#ppt_y"/>
+                                          </p:val>
+                                        </p:tav>
+                                      </p:tavLst>
+                                    </p:anim>
+                                  </p:childTnLst>
+                                </p:cTn>
+                              </p:par>
+                            </p:childTnLst>
+                          </p:cTn>
+                        </p:par>
+                      </p:childTnLst>
+                    </p:cTn>
+                  </p:par>
+                  <p:par>
+                    <p:cTn id="18" fill="hold">
+                      <p:stCondLst>
+                        <p:cond delay="indefinite"/>
+                      </p:stCondLst>
+                      <p:childTnLst>
+                        <p:par>
+                          <p:cTn id="19" fill="hold">
+                            <p:stCondLst>
+                              <p:cond delay="0"/>
+                            </p:stCondLst>
+                            <p:childTnLst>
+                              <p:par>
+                                <p:cTn id="20" presetID="2" presetClass="entr" presetSubtype="4" fill="hold" nodeType="clickEffect">
+                                  <p:stCondLst>
+                                    <p:cond delay="0"/>
+                                  </p:stCondLst>
+                                  <p:childTnLst>
+                                    <p:set>
+                                      <p:cBhvr>
+                                        <p:cTn id="21" dur="1" fill="hold">
+                                          <p:stCondLst>
+                                            <p:cond delay="0"/>
+                                          </p:stCondLst>
+                                        </p:cTn>
+                                        <p:tgtEl>
+                                          <p:spTgt spid="4">
+                                            <p:txEl>
+                                              <p:pRg st="0" end="0"/>
+                                            </p:txEl>
+                                          </p:spTgt>
+                                        </p:tgtEl>
+                                        <p:attrNameLst>
+                                          <p:attrName>style.visibility</p:attrName>
+                                        </p:attrNameLst>
+                                      </p:cBhvr>
+                                      <p:to>
+                                        <p:strVal val="visible"/>
+                                      </p:to>
+                                    </p:set>
+                                    <p:anim calcmode="lin" valueType="num">
+                                      <p:cBhvr additive="base">
+                                        <p:cTn id="22" dur="500" fill="hold"/>
+                                        <p:tgtEl>
+                                          <p:spTgt spid="4">
+                                            <p:txEl>
+                                              <p:pRg st="0" end="0"/>
+                                            </p:txEl>
+                                          </p:spTgt>
+                                        </p:tgtEl>
+                                        <p:attrNameLst>
+                                          <p:attrName>ppt_x</p:attrName>
+                                        </p:attrNameLst>
+                                      </p:cBhvr>
+                                      <p:tavLst>
+                                        <p:tav tm="0">
+                                          <p:val>
+                                            <p:strVal val="#ppt_x"/>
+                                          </p:val>
+                                        </p:tav>
+                                        <p:tav tm="100000">
+                                          <p:val>
+                                            <p:strVal val="#ppt_x"/>
+                                          </p:val>
+                                        </p:tav>
+                                      </p:tavLst>
+                                    </p:anim>
+                                    <p:anim calcmode="lin" valueType="num">
+                                      <p:cBhvr additive="base">
+                                        <p:cTn id="23" dur="500" fill="hold"/>
+                                        <p:tgtEl>
+                                          <p:spTgt spid="4">
+                                            <p:txEl>
+                                              <p:pRg st="0" end="0"/>
+                                            </p:txEl>
+                                          </p:spTgt>
+                                        </p:tgtEl>
+                                        <p:attrNameLst>
+                                          <p:attrName>ppt_y</p:attrName>
+                                        </p:attrNameLst>
+                                      </p:cBhvr>
+                                      <p:tavLst>
+                                        <p:tav tm="0">
+                                          <p:val>
+                                            <p:strVal val="1+#ppt_h/2"/>
+                                          </p:val>
+                                        </p:tav>
+                                        <p:tav tm="100000">
+                                          <p:val>
+                                            <p:strVal val="#ppt_y"/>
+                                          </p:val>
+                                        </p:tav>
+                                      </p:tavLst>
+                                    </p:anim>
+                                  </p:childTnLst>
+                                </p:cTn>
+                              </p:par>
+                            </p:childTnLst>
+                          </p:cTn>
+                        </p:par>
+                      </p:childTnLst>
+                    </p:cTn>
+                  </p:par>
+                  <p:par>
+                    <p:cTn id="24" fill="hold">
+                      <p:stCondLst>
+                        <p:cond delay="indefinite"/>
+                      </p:stCondLst>
+                      <p:childTnLst>
+                        <p:par>
+                          <p:cTn id="25" fill="hold">
+                            <p:stCondLst>
+                              <p:cond delay="0"/>
+                            </p:stCondLst>
+                            <p:childTnLst>
+                              <p:par>
+                                <p:cTn id="26" presetID="42" presetClass="entr" presetSubtype="0" fill="hold" nodeType="clickEffect">
+                                  <p:stCondLst>
+                                    <p:cond delay="0"/>
+                                  </p:stCondLst>
+                                  <p:childTnLst>
+                                    <p:set>
+                                      <p:cBhvr>
+                                        <p:cTn id="27" dur="1" fill="hold">
+                                          <p:stCondLst>
+                                            <p:cond delay="0"/>
+                                          </p:stCondLst>
+                                        </p:cTn>
+                                        <p:tgtEl>
+                                          <p:spTgt spid="9">
+                                            <p:txEl>
+                                              <p:pRg st="0" end="0"/>
+                                            </p:txEl>
+                                          </p:spTgt>
+                                        </p:tgtEl>
+                                        <p:attrNameLst>
+                                          <p:attrName>style.visibility</p:attrName>
+                                        </p:attrNameLst>
+                                      </p:cBhvr>
+                                      <p:to>
+                                        <p:strVal val="visible"/>
+                                      </p:to>
+                                    </p:set>
+                                    <p:animEffect transition="in" filter="fade">
+                                      <p:cBhvr>
+                                        <p:cTn id="28" dur="1000"/>
+                                        <p:tgtEl>
+                                          <p:spTgt spid="9">
+                                            <p:txEl>
+                                              <p:pRg st="0" end="0"/>
+                                            </p:txEl>
+                                          </p:spTgt>
+                                        </p:tgtEl>
+                                      </p:cBhvr>
+                                    </p:animEffect>
+                                    <p:anim calcmode="lin" valueType="num">
+                                      <p:cBhvr>
+                                        <p:cTn id="29" dur="1000" fill="hold"/>
+                                        <p:tgtEl>
+                                          <p:spTgt spid="9">
+                                            <p:txEl>
+                                              <p:pRg st="0" end="0"/>
+                                            </p:txEl>
+                                          </p:spTgt>
+                                        </p:tgtEl>
+                                        <p:attrNameLst>
+                                          <p:attrName>ppt_x</p:attrName>
+                                        </p:attrNameLst>
+                                      </p:cBhvr>
+                                      <p:tavLst>
+                                        <p:tav tm="0">
+                                          <p:val>
+                                            <p:strVal val="#ppt_x"/>
+                                          </p:val>
+                                        </p:tav>
+                                        <p:tav tm="100000">
+                                          <p:val>
+                                            <p:strVal val="#ppt_x"/>
+                                          </p:val>
+                                        </p:tav>
+                                      </p:tavLst>
+                                    </p:anim>
+                                    <p:anim calcmode="lin" valueType="num">
+                                      <p:cBhvr>
+                                        <p:cTn id="30" dur="1000" fill="hold"/>
+                                        <p:tgtEl>
+                                          <p:spTgt spid="9">
+                                            <p:txEl>
+                                              <p:pRg st="0" end="0"/>
+                                            </p:txEl>
+                                          </p:spTgt>
+                                        </p:tgtEl>
+                                        <p:attrNameLst>
+                                          <p:attrName>ppt_y</p:attrName>
+                                        </p:attrNameLst>
+                                      </p:cBhvr>
+                                      <p:tavLst>
+                                        <p:tav tm="0">
+                                          <p:val>
+                                            <p:strVal val="#ppt_y+.1"/>
+                                          </p:val>
+                                        </p:tav>
+                                        <p:tav tm="100000">
+                                          <p:val>
+                                            <p:strVal val="#ppt_y"/>
+                                          </p:val>
+                                        </p:tav>
+                                      </p:tavLst>
+                                    </p:anim>
+                                  </p:childTnLst>
+                                </p:cTn>
+                              </p:par>
+                            </p:childTnLst>
+                          </p:cTn>
+                        </p:par>
+                      </p:childTnLst>
+                    </p:cTn>
+                  </p:par>
+                  <p:par>
+                    <p:cTn id="31" fill="hold">
+                      <p:stCondLst>
+                        <p:cond delay="indefinite"/>
+                      </p:stCondLst>
+                      <p:childTnLst>
+                        <p:par>
+                          <p:cTn id="32" fill="hold">
+                            <p:stCondLst>
+                              <p:cond delay="0"/>
+                            </p:stCondLst>
+                            <p:childTnLst>
+                              <p:par>
+                                <p:cTn id="33" presetID="42" presetClass="entr" presetSubtype="0" fill="hold" nodeType="clickEffect">
+                                  <p:stCondLst>
+                                    <p:cond delay="0"/>
+                                  </p:stCondLst>
+                                  <p:childTnLst>
+                                    <p:set>
+                                      <p:cBhvr>
+                                        <p:cTn id="34" dur="1" fill="hold">
+                                          <p:stCondLst>
+                                            <p:cond delay="0"/>
+                                          </p:stCondLst>
+                                        </p:cTn>
+                                        <p:tgtEl>
+                                          <p:spTgt spid="10">
+                                            <p:txEl>
+                                              <p:pRg st="0" end="0"/>
+                                            </p:txEl>
+                                          </p:spTgt>
+                                        </p:tgtEl>
+                                        <p:attrNameLst>
+                                          <p:attrName>style.visibility</p:attrName>
+                                        </p:attrNameLst>
+                                      </p:cBhvr>
+                                      <p:to>
+                                        <p:strVal val="visible"/>
+                                      </p:to>
+                                    </p:set>
+                                    <p:animEffect transition="in" filter="fade">
+                                      <p:cBhvr>
+                                        <p:cTn id="35" dur="1000"/>
+                                        <p:tgtEl>
+                                          <p:spTgt spid="10">
+                                            <p:txEl>
+                                              <p:pRg st="0" end="0"/>
+                                            </p:txEl>
+                                          </p:spTgt>
+                                        </p:tgtEl>
+                                      </p:cBhvr>
+                                    </p:animEffect>
+                                    <p:anim calcmode="lin" valueType="num">
+                                      <p:cBhvr>
+                                        <p:cTn id="36" dur="1000" fill="hold"/>
+                                        <p:tgtEl>
+                                          <p:spTgt spid="10">
+                                            <p:txEl>
+                                              <p:pRg st="0" end="0"/>
+                                            </p:txEl>
+                                          </p:spTgt>
+                                        </p:tgtEl>
+                                        <p:attrNameLst>
+                                          <p:attrName>ppt_x</p:attrName>
+                                        </p:attrNameLst>
+                                      </p:cBhvr>
+                                      <p:tavLst>
+                                        <p:tav tm="0">
+                                          <p:val>
+                                            <p:strVal val="#ppt_x"/>
+                                          </p:val>
+                                        </p:tav>
+                                        <p:tav tm="100000">
+                                          <p:val>
+                                            <p:strVal val="#ppt_x"/>
+                                          </p:val>
+                                        </p:tav>
+                                      </p:tavLst>
+                                    </p:anim>
+                                    <p:anim calcmode="lin" valueType="num">
+                                      <p:cBhvr>
+                                        <p:cTn id="37" dur="1000" fill="hold"/>
+                                        <p:tgtEl>
+                                          <p:spTgt spid="10">
+                                            <p:txEl>
+                                              <p:pRg st="0" end="0"/>
+                                            </p:txEl>
+                                          </p:spTgt>
+                                        </p:tgtEl>
+                                        <p:attrNameLst>
+                                          <p:attrName>ppt_y</p:attrName>
+                                        </p:attrNameLst>
+                                      </p:cBhvr>
+                                      <p:tavLst>
+                                        <p:tav tm="0">
+                                          <p:val>
+                                            <p:strVal val="#ppt_y+.1"/>
+                                          </p:val>
+                                        </p:tav>
+                                        <p:tav tm="100000">
+                                          <p:val>
+                                            <p:strVal val="#ppt_y"/>
+                                          </p:val>
+                                        </p:tav>
+                                      </p:tavLst>
+                                    </p:anim>
+                                  </p:childTnLst>
+                                </p:cTn>
+                              </p:par>
+                            </p:childTnLst>
+                          </p:cTn>
+                        </p:par>
+                      </p:childTnLst>
+                    </p:cTn>
+                  </p:par>
+                  <p:par>
+                    <p:cTn id="38" fill="hold">
+                      <p:stCondLst>
+                        <p:cond delay="indefinite"/>
+                      </p:stCondLst>
+                      <p:childTnLst>
+                        <p:par>
+                          <p:cTn id="39" fill="hold">
+                            <p:stCondLst>
+                              <p:cond delay="0"/>
+                            </p:stCondLst>
+                            <p:childTnLst>
+                              <p:par>
+                                <p:cTn id="40" presetID="42" presetClass="entr" presetSubtype="0" fill="hold" nodeType="clickEffect">
+                                  <p:stCondLst>
+                                    <p:cond delay="0"/>
+                                  </p:stCondLst>
+                                  <p:childTnLst>
+                                    <p:set>
+                                      <p:cBhvr>
+                                        <p:cTn id="41" dur="1" fill="hold">
+                                          <p:stCondLst>
+                                            <p:cond delay="0"/>
+                                          </p:stCondLst>
+                                        </p:cTn>
+                                        <p:tgtEl>
+                                          <p:spTgt spid="11">
+                                            <p:txEl>
+                                              <p:pRg st="0" end="0"/>
+                                            </p:txEl>
+                                          </p:spTgt>
+                                        </p:tgtEl>
+                                        <p:attrNameLst>
+                                          <p:attrName>style.visibility</p:attrName>
+                                        </p:attrNameLst>
+                                      </p:cBhvr>
+                                      <p:to>
+                                        <p:strVal val="visible"/>
+                                      </p:to>
+                                    </p:set>
+                                    <p:animEffect transition="in" filter="fade">
+                                      <p:cBhvr>
+                                        <p:cTn id="42" dur="1000"/>
+                                        <p:tgtEl>
+                                          <p:spTgt spid="11">
+                                            <p:txEl>
+                                              <p:pRg st="0" end="0"/>
+                                            </p:txEl>
+                                          </p:spTgt>
+                                        </p:tgtEl>
+                                      </p:cBhvr>
+                                    </p:animEffect>
+                                    <p:anim calcmode="lin" valueType="num">
+                                      <p:cBhvr>
+                                        <p:cTn id="43" dur="1000" fill="hold"/>
+                                        <p:tgtEl>
+                                          <p:spTgt spid="11">
+                                            <p:txEl>
+                                              <p:pRg st="0" end="0"/>
+                                            </p:txEl>
+                                          </p:spTgt>
+                                        </p:tgtEl>
+                                        <p:attrNameLst>
+                                          <p:attrName>ppt_x</p:attrName>
+                                        </p:attrNameLst>
+                                      </p:cBhvr>
+                                      <p:tavLst>
+                                        <p:tav tm="0">
+                                          <p:val>
+                                            <p:strVal val="#ppt_x"/>
+                                          </p:val>
+                                        </p:tav>
+                                        <p:tav tm="100000">
+                                          <p:val>
+                                            <p:strVal val="#ppt_x"/>
+                                          </p:val>
+                                        </p:tav>
+                                      </p:tavLst>
+                                    </p:anim>
+                                    <p:anim calcmode="lin" valueType="num">
+                                      <p:cBhvr>
+                                        <p:cTn id="44" dur="1000" fill="hold"/>
+                                        <p:tgtEl>
+                                          <p:spTgt spid="11">
+                                            <p:txEl>
+                                              <p:pRg st="0" end="0"/>
+                                            </p:txEl>
+                                          </p:spTgt>
+                                        </p:tgtEl>
+                                        <p:attrNameLst>
+                                          <p:attrName>ppt_y</p:attrName>
+                                        </p:attrNameLst>
+                                      </p:cBhvr>
+                                      <p:tavLst>
+                                        <p:tav tm="0">
+                                          <p:val>
+                                            <p:strVal val="#ppt_y+.1"/>
+                                          </p:val>
+                                        </p:tav>
+                                        <p:tav tm="100000">
+                                          <p:val>
+                                            <p:strVal val="#ppt_y"/>
+                                          </p:val>
+                                        </p:tav>
+                                      </p:tavLst>
+                                    </p:anim>
+                                  </p:childTnLst>
+                                </p:cTn>
+                              </p:par>
+                            </p:childTnLst>
+                          </p:cTn>
+                        </p:par>
+                      </p:childTnLst>
+                    </p:cTn>
+                  </p:par>
+                  <p:par>
+                    <p:cTn id="45" fill="hold">
+                      <p:stCondLst>
+                        <p:cond delay="indefinite"/>
+                      </p:stCondLst>
+                      <p:childTnLst>
+                        <p:par>
+                          <p:cTn id="46" fill="hold">
+                            <p:stCondLst>
+                              <p:cond delay="0"/>
+                            </p:stCondLst>
+                            <p:childTnLst>
+                              <p:par>
+                                <p:cTn id="47" presetID="42" presetClass="entr" presetSubtype="0" fill="hold" nodeType="clickEffect">
+                                  <p:stCondLst>
+                                    <p:cond delay="0"/>
+                                  </p:stCondLst>
+                                  <p:childTnLst>
+                                    <p:set>
+                                      <p:cBhvr>
+                                        <p:cTn id="48" dur="1" fill="hold">
+                                          <p:stCondLst>
+                                            <p:cond delay="0"/>
+                                          </p:stCondLst>
+                                        </p:cTn>
+                                        <p:tgtEl>
+                                          <p:spTgt spid="12">
+                                            <p:txEl>
+                                              <p:pRg st="0" end="0"/>
+                                            </p:txEl>
+                                          </p:spTgt>
+                                        </p:tgtEl>
+                                        <p:attrNameLst>
+                                          <p:attrName>style.visibility</p:attrName>
+                                        </p:attrNameLst>
+                                      </p:cBhvr>
+                                      <p:to>
+                                        <p:strVal val="visible"/>
+                                      </p:to>
+                                    </p:set>
+                                    <p:animEffect transition="in" filter="fade">
+                                      <p:cBhvr>
+                                        <p:cTn id="49" dur="1000"/>
+                                        <p:tgtEl>
+                                          <p:spTgt spid="12">
+                                            <p:txEl>
+                                              <p:pRg st="0" end="0"/>
+                                            </p:txEl>
+                                          </p:spTgt>
+                                        </p:tgtEl>
+                                      </p:cBhvr>
+                                    </p:animEffect>
+                                    <p:anim calcmode="lin" valueType="num">
+                                      <p:cBhvr>
+                                        <p:cTn id="50" dur="1000" fill="hold"/>
+                                        <p:tgtEl>
+                                          <p:spTgt spid="12">
+                                            <p:txEl>
+                                              <p:pRg st="0" end="0"/>
+                                            </p:txEl>
+                                          </p:spTgt>
+                                        </p:tgtEl>
+                                        <p:attrNameLst>
+                                          <p:attrName>ppt_x</p:attrName>
+                                        </p:attrNameLst>
+                                      </p:cBhvr>
+                                      <p:tavLst>
+                                        <p:tav tm="0">
+                                          <p:val>
+                                            <p:strVal val="#ppt_x"/>
+                                          </p:val>
+                                        </p:tav>
+                                        <p:tav tm="100000">
+                                          <p:val>
+                                            <p:strVal val="#ppt_x"/>
+                                          </p:val>
+                                        </p:tav>
+                                      </p:tavLst>
+                                    </p:anim>
+                                    <p:anim calcmode="lin" valueType="num">
+                                      <p:cBhvr>
+                                        <p:cTn id="51" dur="1000" fill="hold"/>
+                                        <p:tgtEl>
+                                          <p:spTgt spid="12">
+                                            <p:txEl>
+                                              <p:pRg st="0" end="0"/>
+                                            </p:txEl>
+                                          </p:spTgt>
+                                        </p:tgtEl>
+                                        <p:attrNameLst>
+                                          <p:attrName>ppt_y</p:attrName>
+                                        </p:attrNameLst>
+                                      </p:cBhvr>
+                                      <p:tavLst>
+                                        <p:tav tm="0">
+                                          <p:val>
+                                            <p:strVal val="#ppt_y+.1"/>
+                                          </p:val>
+                                        </p:tav>
+                                        <p:tav tm="100000">
+                                          <p:val>
+                                            <p:strVal val="#ppt_y"/>
+                                          </p:val>
+                                        </p:tav>
+                                      </p:tavLst>
+                                    </p:anim>
+                                  </p:childTnLst>
+                                </p:cTn>
+                              </p:par>
+                            </p:childTnLst>
+                          </p:cTn>
+                        </p:par>
+                      </p:childTnLst>
+                    </p:cTn>
+                  </p:par>
+                  <p:par>
+                    <p:cTn id="52" fill="hold">
+                      <p:stCondLst>
+                        <p:cond delay="indefinite"/>
+                      </p:stCondLst>
+                      <p:childTnLst>
+                        <p:par>
+                          <p:cTn id="53" fill="hold">
+                            <p:stCondLst>
+                              <p:cond delay="0"/>
+                            </p:stCondLst>
+                            <p:childTnLst>
+                              <p:par>
+                                <p:cTn id="54" presetID="42" presetClass="entr" presetSubtype="0" fill="hold" nodeType="clickEffect">
+                                  <p:stCondLst>
+                                    <p:cond delay="0"/>
+                                  </p:stCondLst>
+                                  <p:childTnLst>
+                                    <p:set>
+                                      <p:cBhvr>
+                                        <p:cTn id="55" dur="1" fill="hold">
+                                          <p:stCondLst>
+                                            <p:cond delay="0"/>
+                                          </p:stCondLst>
+                                        </p:cTn>
+                                        <p:tgtEl>
+                                          <p:spTgt spid="13">
+                                            <p:txEl>
+                                              <p:pRg st="0" end="0"/>
+                                            </p:txEl>
+                                          </p:spTgt>
+                                        </p:tgtEl>
+                                        <p:attrNameLst>
+                                          <p:attrName>style.visibility</p:attrName>
+                                        </p:attrNameLst>
+                                      </p:cBhvr>
+                                      <p:to>
+                                        <p:strVal val="visible"/>
+                                      </p:to>
+                                    </p:set>
+                                    <p:animEffect transition="in" filter="fade">
+                                      <p:cBhvr>
+                                        <p:cTn id="56" dur="1000"/>
+                                        <p:tgtEl>
+                                          <p:spTgt spid="13">
+                                            <p:txEl>
+                                              <p:pRg st="0" end="0"/>
+                                            </p:txEl>
+                                          </p:spTgt>
+                                        </p:tgtEl>
+                                      </p:cBhvr>
+                                    </p:animEffect>
+                                    <p:anim calcmode="lin" valueType="num">
+                                      <p:cBhvr>
+                                        <p:cTn id="57" dur="1000" fill="hold"/>
+                                        <p:tgtEl>
+                                          <p:spTgt spid="13">
+                                            <p:txEl>
+                                              <p:pRg st="0" end="0"/>
+                                            </p:txEl>
+                                          </p:spTgt>
+                                        </p:tgtEl>
+                                        <p:attrNameLst>
+                                          <p:attrName>ppt_x</p:attrName>
+                                        </p:attrNameLst>
+                                      </p:cBhvr>
+                                      <p:tavLst>
+                                        <p:tav tm="0">
+                                          <p:val>
+                                            <p:strVal val="#ppt_x"/>
+                                          </p:val>
+                                        </p:tav>
+                                        <p:tav tm="100000">
+                                          <p:val>
+                                            <p:strVal val="#ppt_x"/>
+                                          </p:val>
+                                        </p:tav>
+                                      </p:tavLst>
+                                    </p:anim>
+                                    <p:anim calcmode="lin" valueType="num">
+                                      <p:cBhvr>
+                                        <p:cTn id="58" dur="1000" fill="hold"/>
+                                        <p:tgtEl>
+                                          <p:spTgt spid="13">
+                                            <p:txEl>
+                                              <p:pRg st="0" end="0"/>
+                                            </p:txEl>
+                                          </p:spTgt>
+                                        </p:tgtEl>
+                                        <p:attrNameLst>
+                                          <p:attrName>ppt_y</p:attrName>
+                                        </p:attrNameLst>
+                                      </p:cBhvr>
+                                      <p:tavLst>
+                                        <p:tav tm="0">
+                                          <p:val>
+                                            <p:strVal val="#ppt_y+.1"/>
+                                          </p:val>
+                                        </p:tav>
+                                        <p:tav tm="100000">
+                                          <p:val>
+                                            <p:strVal val="#ppt_y"/>
+                                          </p:val>
+                                        </p:tav>
+                                      </p:tavLst>
+                                    </p:anim>
+                                  </p:childTnLst>
+                                </p:cTn>
+                              </p:par>
+                            </p:childTnLst>
+                          </p:cTn>
+                        </p:par>
+                      </p:childTnLst>
+                    </p:cTn>
+                  </p:par>
+                  <p:par>
+                    <p:cTn id="59" fill="hold">
+                      <p:stCondLst>
+                        <p:cond delay="indefinite"/>
+                      </p:stCondLst>
+                      <p:childTnLst>
+                        <p:par>
+                          <p:cTn id="60" fill="hold">
+                            <p:stCondLst>
+                              <p:cond delay="0"/>
+                            </p:stCondLst>
+                            <p:childTnLst>
+                              <p:par>
+                                <p:cTn id="61" presetID="42" presetClass="entr" presetSubtype="0" fill="hold" nodeType="clickEffect">
+                                  <p:stCondLst>
+                                    <p:cond delay="0"/>
+                                  </p:stCondLst>
+                                  <p:childTnLst>
+                                    <p:set>
+                                      <p:cBhvr>
+                                        <p:cTn id="62" dur="1" fill="hold">
+                                          <p:stCondLst>
+                                            <p:cond delay="0"/>
+                                          </p:stCondLst>
+                                        </p:cTn>
+                                        <p:tgtEl>
+                                          <p:spTgt spid="14">
+                                            <p:txEl>
+                                              <p:pRg st="0" end="0"/>
+                                            </p:txEl>
+                                          </p:spTgt>
+                                        </p:tgtEl>
+                                        <p:attrNameLst>
+                                          <p:attrName>style.visibility</p:attrName>
+                                        </p:attrNameLst>
+                                      </p:cBhvr>
+                                      <p:to>
+                                        <p:strVal val="visible"/>
+                                      </p:to>
+                                    </p:set>
+                                    <p:animEffect transition="in" filter="fade">
+                                      <p:cBhvr>
+                                        <p:cTn id="63" dur="1000"/>
+                                        <p:tgtEl>
+                                          <p:spTgt spid="14">
+                                            <p:txEl>
+                                              <p:pRg st="0" end="0"/>
+                                            </p:txEl>
+                                          </p:spTgt>
+                                        </p:tgtEl>
+                                      </p:cBhvr>
+                                    </p:animEffect>
+                                    <p:anim calcmode="lin" valueType="num">
+                                      <p:cBhvr>
+                                        <p:cTn id="64" dur="1000" fill="hold"/>
+                                        <p:tgtEl>
+                                          <p:spTgt spid="14">
+                                            <p:txEl>
+                                              <p:pRg st="0" end="0"/>
+                                            </p:txEl>
+                                          </p:spTgt>
+                                        </p:tgtEl>
+                                        <p:attrNameLst>
+                                          <p:attrName>ppt_x</p:attrName>
+                                        </p:attrNameLst>
+                                      </p:cBhvr>
+                                      <p:tavLst>
+                                        <p:tav tm="0">
+                                          <p:val>
+                                            <p:strVal val="#ppt_x"/>
+                                          </p:val>
+                                        </p:tav>
+                                        <p:tav tm="100000">
+                                          <p:val>
+                                            <p:strVal val="#ppt_x"/>
+                                          </p:val>
+                                        </p:tav>
+                                      </p:tavLst>
+                                    </p:anim>
+                                    <p:anim calcmode="lin" valueType="num">
+                                      <p:cBhvr>
+                                        <p:cTn id="65" dur="1000" fill="hold"/>
+                                        <p:tgtEl>
+                                          <p:spTgt spid="14">
+                                            <p:txEl>
+                                              <p:pRg st="0" end="0"/>
+                                            </p:txEl>
+                                          </p:spTgt>
+                                        </p:tgtEl>
+                                        <p:attrNameLst>
+                                          <p:attrName>ppt_y</p:attrName>
+                                        </p:attrNameLst>
+                                      </p:cBhvr>
+                                      <p:tavLst>
+                                        <p:tav tm="0">
+                                          <p:val>
+                                            <p:strVal val="#ppt_y+.1"/>
+                                          </p:val>
+                                        </p:tav>
+                                        <p:tav tm="100000">
+                                          <p:val>
+                                            <p:strVal val="#ppt_y"/>
+                                          </p:val>
+                                        </p:tav>
+                                      </p:tavLst>
+                                    </p:anim>
+                                  </p:childTnLst>
+                                </p:cTn>
+                              </p:par>
+                            </p:childTnLst>
+                          </p:cTn>
+                        </p:par>
+                      </p:childTnLst>
+                    </p:cTn>
+                  </p:par>
+                  <p:par>
+                    <p:cTn id="66" fill="hold">
+                      <p:stCondLst>
+                        <p:cond delay="indefinite"/>
+                      </p:stCondLst>
+                      <p:childTnLst>
+                        <p:par>
+                          <p:cTn id="67" fill="hold">
+                            <p:stCondLst>
+                              <p:cond delay="0"/>
+                            </p:stCondLst>
+                            <p:childTnLst>
+                              <p:par>
+                                <p:cTn id="68" presetID="42" presetClass="entr" presetSubtype="0" fill="hold" nodeType="clickEffect">
+                                  <p:stCondLst>
+                                    <p:cond delay="0"/>
+                                  </p:stCondLst>
+                                  <p:childTnLst>
+                                    <p:set>
+                                      <p:cBhvr>
+                                        <p:cTn id="69" dur="1" fill="hold">
+                                          <p:stCondLst>
+                                            <p:cond delay="0"/>
+                                          </p:stCondLst>
+                                        </p:cTn>
+                                        <p:tgtEl>
+                                          <p:spTgt spid="15">
+                                            <p:txEl>
+                                              <p:pRg st="0" end="0"/>
+                                            </p:txEl>
+                                          </p:spTgt>
+                                        </p:tgtEl>
+                                        <p:attrNameLst>
+                                          <p:attrName>style.visibility</p:attrName>
+                                        </p:attrNameLst>
+                                      </p:cBhvr>
+                                      <p:to>
+                                        <p:strVal val="visible"/>
+                                      </p:to>
+                                    </p:set>
+                                    <p:animEffect transition="in" filter="fade">
+                                      <p:cBhvr>
+                                        <p:cTn id="70" dur="1000"/>
+                                        <p:tgtEl>
+                                          <p:spTgt spid="15">
+                                            <p:txEl>
+                                              <p:pRg st="0" end="0"/>
+                                            </p:txEl>
+                                          </p:spTgt>
+                                        </p:tgtEl>
+                                      </p:cBhvr>
+                                    </p:animEffect>
+                                    <p:anim calcmode="lin" valueType="num">
+                                      <p:cBhvr>
+                                        <p:cTn id="71" dur="1000" fill="hold"/>
+                                        <p:tgtEl>
+                                          <p:spTgt spid="15">
+                                            <p:txEl>
+                                              <p:pRg st="0" end="0"/>
+                                            </p:txEl>
+                                          </p:spTgt>
+                                        </p:tgtEl>
+                                        <p:attrNameLst>
+                                          <p:attrName>ppt_x</p:attrName>
+                                        </p:attrNameLst>
+                                      </p:cBhvr>
+                                      <p:tavLst>
+                                        <p:tav tm="0">
+                                          <p:val>
+                                            <p:strVal val="#ppt_x"/>
+                                          </p:val>
+                                        </p:tav>
+                                        <p:tav tm="100000">
+                                          <p:val>
+                                            <p:strVal val="#ppt_x"/>
+                                          </p:val>
+                                        </p:tav>
+                                      </p:tavLst>
+                                    </p:anim>
+                                    <p:anim calcmode="lin" valueType="num">
+                                      <p:cBhvr>
+                                        <p:cTn id="72" dur="1000" fill="hold"/>
+                                        <p:tgtEl>
+                                          <p:spTgt spid="15">
+                                            <p:txEl>
+                                              <p:pRg st="0" end="0"/>
+                                            </p:txEl>
+                                          </p:spTgt>
+                                        </p:tgtEl>
+                                        <p:attrNameLst>
+                                          <p:attrName>ppt_y</p:attrName>
+                                        </p:attrNameLst>
+                                      </p:cBhvr>
+                                      <p:tavLst>
+                                        <p:tav tm="0">
+                                          <p:val>
+                                            <p:strVal val="#ppt_y+.1"/>
+                                          </p:val>
+                                        </p:tav>
+                                        <p:tav tm="100000">
+                                          <p:val>
+                                            <p:strVal val="#ppt_y"/>
+                                          </p:val>
+                                        </p:tav>
+                                      </p:tavLst>
+                                    </p:anim>
+                                  </p:childTnLst>
+                                </p:cTn>
+                              </p:par>
+                            </p:childTnLst>
+                          </p:cTn>
+                        </p:par>
+                      </p:childTnLst>
+                    </p:cTn>
+                  </p:par>
+                  <p:par>
+                    <p:cTn id="73" fill="hold">
+                      <p:stCondLst>
+                        <p:cond delay="indefinite"/>
+                      </p:stCondLst>
+                      <p:childTnLst>
+                        <p:par>
+                          <p:cTn id="74" fill="hold">
+                            <p:stCondLst>
+                              <p:cond delay="0"/>
+                            </p:stCondLst>
+                            <p:childTnLst>
+                              <p:par>
+                                <p:cTn id="75" presetID="42" presetClass="entr" presetSubtype="0" fill="hold" nodeType="clickEffect">
+                                  <p:stCondLst>
+                                    <p:cond delay="0"/>
+                                  </p:stCondLst>
+                                  <p:childTnLst>
+                                    <p:set>
+                                      <p:cBhvr>
+                                        <p:cTn id="76" dur="1" fill="hold">
+                                          <p:stCondLst>
+                                            <p:cond delay="0"/>
+                                          </p:stCondLst>
+                                        </p:cTn>
+                                        <p:tgtEl>
+                                          <p:spTgt spid="16">
+                                            <p:txEl>
+                                              <p:pRg st="0" end="0"/>
+                                            </p:txEl>
+                                          </p:spTgt>
+                                        </p:tgtEl>
+                                        <p:attrNameLst>
+                                          <p:attrName>style.visibility</p:attrName>
+                                        </p:attrNameLst>
+                                      </p:cBhvr>
+                                      <p:to>
+                                        <p:strVal val="visible"/>
+                                      </p:to>
+                                    </p:set>
+                                    <p:animEffect transition="in" filter="fade">
+                                      <p:cBhvr>
+                                        <p:cTn id="77" dur="1000"/>
+                                        <p:tgtEl>
+                                          <p:spTgt spid="16">
+                                            <p:txEl>
+                                              <p:pRg st="0" end="0"/>
+                                            </p:txEl>
+                                          </p:spTgt>
+                                        </p:tgtEl>
+                                      </p:cBhvr>
+                                    </p:animEffect>
+                                    <p:anim calcmode="lin" valueType="num">
+                                      <p:cBhvr>
+                                        <p:cTn id="78" dur="1000" fill="hold"/>
+                                        <p:tgtEl>
+                                          <p:spTgt spid="16">
+                                            <p:txEl>
+                                              <p:pRg st="0" end="0"/>
+                                            </p:txEl>
+                                          </p:spTgt>
+                                        </p:tgtEl>
+                                        <p:attrNameLst>
+                                          <p:attrName>ppt_x</p:attrName>
+                                        </p:attrNameLst>
+                                      </p:cBhvr>
+                                      <p:tavLst>
+                                        <p:tav tm="0">
+                                          <p:val>
+                                            <p:strVal val="#ppt_x"/>
+                                          </p:val>
+                                        </p:tav>
+                                        <p:tav tm="100000">
+                                          <p:val>
+                                            <p:strVal val="#ppt_x"/>
+                                          </p:val>
+                                        </p:tav>
+                                      </p:tavLst>
+                                    </p:anim>
+                                    <p:anim calcmode="lin" valueType="num">
+                                      <p:cBhvr>
+                                        <p:cTn id="79" dur="1000" fill="hold"/>
+                                        <p:tgtEl>
+                                          <p:spTgt spid="16">
+                                            <p:txEl>
+                                              <p:pRg st="0" end="0"/>
+                                            </p:txEl>
+                                          </p:spTgt>
+                                        </p:tgtEl>
+                                        <p:attrNameLst>
+                                          <p:attrName>ppt_y</p:attrName>
+                                        </p:attrNameLst>
+                                      </p:cBhvr>
+                                      <p:tavLst>
+                                        <p:tav tm="0">
+                                          <p:val>
+                                            <p:strVal val="#ppt_y+.1"/>
+                                          </p:val>
+                                        </p:tav>
+                                        <p:tav tm="100000">
+                                          <p:val>
+                                            <p:strVal val="#ppt_y"/>
+                                          </p:val>
+                                        </p:tav>
+                                      </p:tavLst>
+                                    </p:anim>
+                                  </p:childTnLst>
+                                </p:cTn>
+                              </p:par>
+                            </p:childTnLst>
+                          </p:cTn>
+                        </p:par>
+                      </p:childTnLst>
+                    </p:cTn>
+                  </p:par>
+                  <p:par>
+                    <p:cTn id="80" fill="hold">
+                      <p:stCondLst>
+                        <p:cond delay="indefinite"/>
+                      </p:stCondLst>
+                      <p:childTnLst>
+                        <p:par>
+                          <p:cTn id="81" fill="hold">
+                            <p:stCondLst>
+                              <p:cond delay="0"/>
+                            </p:stCondLst>
+                            <p:childTnLst>
+                              <p:par>
+                                <p:cTn id="82" presetID="42" presetClass="entr" presetSubtype="0" fill="hold" nodeType="clickEffect">
+                                  <p:stCondLst>
+                                    <p:cond delay="0"/>
+                                  </p:stCondLst>
+                                  <p:childTnLst>
+                                    <p:set>
+                                      <p:cBhvr>
+                                        <p:cTn id="83" dur="1" fill="hold">
+                                          <p:stCondLst>
+                                            <p:cond delay="0"/>
+                                          </p:stCondLst>
+                                        </p:cTn>
+                                        <p:tgtEl>
+                                          <p:spTgt spid="17">
+                                            <p:txEl>
+                                              <p:pRg st="0" end="0"/>
+                                            </p:txEl>
+                                          </p:spTgt>
+                                        </p:tgtEl>
+                                        <p:attrNameLst>
+                                          <p:attrName>style.visibility</p:attrName>
+                                        </p:attrNameLst>
+                                      </p:cBhvr>
+                                      <p:to>
+                                        <p:strVal val="visible"/>
+                                      </p:to>
+                                    </p:set>
+                                    <p:animEffect transition="in" filter="fade">
+                                      <p:cBhvr>
+                                        <p:cTn id="84" dur="1000"/>
+                                        <p:tgtEl>
+                                          <p:spTgt spid="17">
+                                            <p:txEl>
+                                              <p:pRg st="0" end="0"/>
+                                            </p:txEl>
+                                          </p:spTgt>
+                                        </p:tgtEl>
+                                      </p:cBhvr>
+                                    </p:animEffect>
+                                    <p:anim calcmode="lin" valueType="num">
+                                      <p:cBhvr>
+                                        <p:cTn id="85" dur="1000" fill="hold"/>
+                                        <p:tgtEl>
+                                          <p:spTgt spid="17">
+                                            <p:txEl>
+                                              <p:pRg st="0" end="0"/>
+                                            </p:txEl>
+                                          </p:spTgt>
+                                        </p:tgtEl>
+                                        <p:attrNameLst>
+                                          <p:attrName>ppt_x</p:attrName>
+                                        </p:attrNameLst>
+                                      </p:cBhvr>
+                                      <p:tavLst>
+                                        <p:tav tm="0">
+                                          <p:val>
+                                            <p:strVal val="#ppt_x"/>
+                                          </p:val>
+                                        </p:tav>
+                                        <p:tav tm="100000">
+                                          <p:val>
+                                            <p:strVal val="#ppt_x"/>
+                                          </p:val>
+                                        </p:tav>
+                                      </p:tavLst>
+                                    </p:anim>
+                                    <p:anim calcmode="lin" valueType="num">
+                                      <p:cBhvr>
+                                        <p:cTn id="86" dur="1000" fill="hold"/>
+                                        <p:tgtEl>
+                                          <p:spTgt spid="17">
+                                            <p:txEl>
+                                              <p:pRg st="0" end="0"/>
+                                            </p:txEl>
+                                          </p:spTgt>
+                                        </p:tgtEl>
+                                        <p:attrNameLst>
+                                          <p:attrName>ppt_y</p:attrName>
+                                        </p:attrNameLst>
+                                      </p:cBhvr>
+                                      <p:tavLst>
+                                        <p:tav tm="0">
+                                          <p:val>
+                                            <p:strVal val="#ppt_y+.1"/>
+                                          </p:val>
+                                        </p:tav>
+                                        <p:tav tm="100000">
+                                          <p:val>
+                                            <p:strVal val="#ppt_y"/>
+                                          </p:val>
+                                        </p:tav>
+                                      </p:tavLst>
+                                    </p:anim>
+                                  </p:childTnLst>
+                                </p:cTn>
+                              </p:par>
+                            </p:childTnLst>
+                          </p:cTn>
+                        </p:par>
+                      </p:childTnLst>
+                    </p:cTn>
+                  </p:par>
+                  <p:par>
+                    <p:cTn id="87" fill="hold">
+                      <p:stCondLst>
+                        <p:cond delay="indefinite"/>
+                      </p:stCondLst>
+                      <p:childTnLst>
+                        <p:par>
+                          <p:cTn id="88" fill="hold">
+                            <p:stCondLst>
+                              <p:cond delay="0"/>
+                            </p:stCondLst>
+                            <p:childTnLst>
+                              <p:par>
+                                <p:cTn id="89" presetID="42" presetClass="entr" presetSubtype="0" fill="hold" nodeType="clickEffect">
+                                  <p:stCondLst>
+                                    <p:cond delay="0"/>
+                                  </p:stCondLst>
+                                  <p:childTnLst>
+                                    <p:set>
+                                      <p:cBhvr>
+                                        <p:cTn id="90" dur="1" fill="hold">
+                                          <p:stCondLst>
+                                            <p:cond delay="0"/>
+                                          </p:stCondLst>
+                                        </p:cTn>
+                                        <p:tgtEl>
+                                          <p:spTgt spid="18">
+                                            <p:txEl>
+                                              <p:pRg st="0" end="0"/>
+                                            </p:txEl>
+                                          </p:spTgt>
+                                        </p:tgtEl>
+                                        <p:attrNameLst>
+                                          <p:attrName>style.visibility</p:attrName>
+                                        </p:attrNameLst>
+                                      </p:cBhvr>
+                                      <p:to>
+                                        <p:strVal val="visible"/>
+                                      </p:to>
+                                    </p:set>
+                                    <p:animEffect transition="in" filter="fade">
+                                      <p:cBhvr>
+                                        <p:cTn id="91" dur="1000"/>
+                                        <p:tgtEl>
+                                          <p:spTgt spid="18">
+                                            <p:txEl>
+                                              <p:pRg st="0" end="0"/>
+                                            </p:txEl>
+                                          </p:spTgt>
+                                        </p:tgtEl>
+                                      </p:cBhvr>
+                                    </p:animEffect>
+                                    <p:anim calcmode="lin" valueType="num">
+                                      <p:cBhvr>
+                                        <p:cTn id="92" dur="1000" fill="hold"/>
+                                        <p:tgtEl>
+                                          <p:spTgt spid="18">
+                                            <p:txEl>
+                                              <p:pRg st="0" end="0"/>
+                                            </p:txEl>
+                                          </p:spTgt>
+                                        </p:tgtEl>
+                                        <p:attrNameLst>
+                                          <p:attrName>ppt_x</p:attrName>
+                                        </p:attrNameLst>
+                                      </p:cBhvr>
+                                      <p:tavLst>
+                                        <p:tav tm="0">
+                                          <p:val>
+                                            <p:strVal val="#ppt_x"/>
+                                          </p:val>
+                                        </p:tav>
+                                        <p:tav tm="100000">
+                                          <p:val>
+                                            <p:strVal val="#ppt_x"/>
+                                          </p:val>
+                                        </p:tav>
+                                      </p:tavLst>
+                                    </p:anim>
+                                    <p:anim calcmode="lin" valueType="num">
+                                      <p:cBhvr>
+                                        <p:cTn id="93" dur="1000" fill="hold"/>
+                                        <p:tgtEl>
+                                          <p:spTgt spid="18">
+                                            <p:txEl>
+                                              <p:pRg st="0" end="0"/>
+                                            </p:txEl>
+                                          </p:spTgt>
+                                        </p:tgtEl>
+                                        <p:attrNameLst>
+                                          <p:attrName>ppt_y</p:attrName>
+                                        </p:attrNameLst>
+                                      </p:cBhvr>
+                                      <p:tavLst>
+                                        <p:tav tm="0">
+                                          <p:val>
+                                            <p:strVal val="#ppt_y+.1"/>
+                                          </p:val>
+                                        </p:tav>
+                                        <p:tav tm="100000">
+                                          <p:val>
+                                            <p:strVal val="#ppt_y"/>
+                                          </p:val>
+                                        </p:tav>
+                                      </p:tavLst>
+                                    </p:anim>
+                                  </p:childTnLst>
+                                </p:cTn>
+                              </p:par>
+                            </p:childTnLst>
+                          </p:cTn>
+                        </p:par>
+                      </p:childTnLst>
+                    </p:cTn>
+                  </p:par>
+                </p:childTnLst>
+              </p:cTn>
+              <p:prevCondLst>
+                <p:cond evt="onPrev" delay="0">
+                  <p:tgtEl>
+                    <p:sldTgt/>
+                  </p:tgtEl>
+                </p:cond>
+              </p:prevCondLst>
+              <p:nextCondLst>
+                <p:cond evt="onNext" delay="0">
+                  <p:tgtEl>
+                    <p:sldTgt/>
+                  </p:tgtEl>
+                </p:cond>
+              </p:nextCondLst>
+            </p:seq>
+          </p:childTnLst>
+        </p:cTn>
+      </p:par>
+    </p:tnLst>
+    <p:bldLst>
+      <p:bldP spid="2" grpId="0"/>
+    </p:bldLst>
+  </p:timing>
 </p:sld>
 </file>
 
@@ -16594,7 +19505,12 @@
             <p:ph type="body" sz="half" idx="17"/>
           </p:nvPr>
         </p:nvSpPr>
-        <p:spPr/>
+        <p:spPr>
+          <a:xfrm>
+            <a:off x="7852864" y="3179763"/>
+            <a:ext cx="3145536" cy="2847293"/>
+          </a:xfrm>
+        </p:spPr>
         <p:txBody>
           <a:bodyPr>
             <a:normAutofit/>
@@ -16743,6 +19659,2455 @@
   <p:clrMapOvr>
     <a:masterClrMapping/>
   </p:clrMapOvr>
+  <p:transition spd="slow">
+    <p:push dir="u"/>
+  </p:transition>
+  <p:timing>
+    <p:tnLst>
+      <p:par>
+        <p:cTn id="1" dur="indefinite" restart="never" nodeType="tmRoot">
+          <p:childTnLst>
+            <p:seq concurrent="1" nextAc="seek">
+              <p:cTn id="2" dur="indefinite" nodeType="mainSeq">
+                <p:childTnLst>
+                  <p:par>
+                    <p:cTn id="3" fill="hold">
+                      <p:stCondLst>
+                        <p:cond delay="indefinite"/>
+                      </p:stCondLst>
+                      <p:childTnLst>
+                        <p:par>
+                          <p:cTn id="4" fill="hold">
+                            <p:stCondLst>
+                              <p:cond delay="0"/>
+                            </p:stCondLst>
+                            <p:childTnLst>
+                              <p:par>
+                                <p:cTn id="5" presetID="42" presetClass="entr" presetSubtype="0" fill="hold" nodeType="clickEffect">
+                                  <p:stCondLst>
+                                    <p:cond delay="0"/>
+                                  </p:stCondLst>
+                                  <p:childTnLst>
+                                    <p:set>
+                                      <p:cBhvr>
+                                        <p:cTn id="6" dur="1" fill="hold">
+                                          <p:stCondLst>
+                                            <p:cond delay="0"/>
+                                          </p:stCondLst>
+                                        </p:cTn>
+                                        <p:tgtEl>
+                                          <p:spTgt spid="18"/>
+                                        </p:tgtEl>
+                                        <p:attrNameLst>
+                                          <p:attrName>style.visibility</p:attrName>
+                                        </p:attrNameLst>
+                                      </p:cBhvr>
+                                      <p:to>
+                                        <p:strVal val="visible"/>
+                                      </p:to>
+                                    </p:set>
+                                    <p:animEffect transition="in" filter="fade">
+                                      <p:cBhvr>
+                                        <p:cTn id="7" dur="1000"/>
+                                        <p:tgtEl>
+                                          <p:spTgt spid="18"/>
+                                        </p:tgtEl>
+                                      </p:cBhvr>
+                                    </p:animEffect>
+                                    <p:anim calcmode="lin" valueType="num">
+                                      <p:cBhvr>
+                                        <p:cTn id="8" dur="1000" fill="hold"/>
+                                        <p:tgtEl>
+                                          <p:spTgt spid="18"/>
+                                        </p:tgtEl>
+                                        <p:attrNameLst>
+                                          <p:attrName>ppt_x</p:attrName>
+                                        </p:attrNameLst>
+                                      </p:cBhvr>
+                                      <p:tavLst>
+                                        <p:tav tm="0">
+                                          <p:val>
+                                            <p:strVal val="#ppt_x"/>
+                                          </p:val>
+                                        </p:tav>
+                                        <p:tav tm="100000">
+                                          <p:val>
+                                            <p:strVal val="#ppt_x"/>
+                                          </p:val>
+                                        </p:tav>
+                                      </p:tavLst>
+                                    </p:anim>
+                                    <p:anim calcmode="lin" valueType="num">
+                                      <p:cBhvr>
+                                        <p:cTn id="9" dur="1000" fill="hold"/>
+                                        <p:tgtEl>
+                                          <p:spTgt spid="18"/>
+                                        </p:tgtEl>
+                                        <p:attrNameLst>
+                                          <p:attrName>ppt_y</p:attrName>
+                                        </p:attrNameLst>
+                                      </p:cBhvr>
+                                      <p:tavLst>
+                                        <p:tav tm="0">
+                                          <p:val>
+                                            <p:strVal val="#ppt_y+.1"/>
+                                          </p:val>
+                                        </p:tav>
+                                        <p:tav tm="100000">
+                                          <p:val>
+                                            <p:strVal val="#ppt_y"/>
+                                          </p:val>
+                                        </p:tav>
+                                      </p:tavLst>
+                                    </p:anim>
+                                  </p:childTnLst>
+                                </p:cTn>
+                              </p:par>
+                            </p:childTnLst>
+                          </p:cTn>
+                        </p:par>
+                      </p:childTnLst>
+                    </p:cTn>
+                  </p:par>
+                  <p:par>
+                    <p:cTn id="10" fill="hold">
+                      <p:stCondLst>
+                        <p:cond delay="indefinite"/>
+                      </p:stCondLst>
+                      <p:childTnLst>
+                        <p:par>
+                          <p:cTn id="11" fill="hold">
+                            <p:stCondLst>
+                              <p:cond delay="0"/>
+                            </p:stCondLst>
+                            <p:childTnLst>
+                              <p:par>
+                                <p:cTn id="12" presetID="42" presetClass="entr" presetSubtype="0" fill="hold" nodeType="clickEffect">
+                                  <p:stCondLst>
+                                    <p:cond delay="0"/>
+                                  </p:stCondLst>
+                                  <p:childTnLst>
+                                    <p:set>
+                                      <p:cBhvr>
+                                        <p:cTn id="13" dur="1" fill="hold">
+                                          <p:stCondLst>
+                                            <p:cond delay="0"/>
+                                          </p:stCondLst>
+                                        </p:cTn>
+                                        <p:tgtEl>
+                                          <p:spTgt spid="20"/>
+                                        </p:tgtEl>
+                                        <p:attrNameLst>
+                                          <p:attrName>style.visibility</p:attrName>
+                                        </p:attrNameLst>
+                                      </p:cBhvr>
+                                      <p:to>
+                                        <p:strVal val="visible"/>
+                                      </p:to>
+                                    </p:set>
+                                    <p:animEffect transition="in" filter="fade">
+                                      <p:cBhvr>
+                                        <p:cTn id="14" dur="1000"/>
+                                        <p:tgtEl>
+                                          <p:spTgt spid="20"/>
+                                        </p:tgtEl>
+                                      </p:cBhvr>
+                                    </p:animEffect>
+                                    <p:anim calcmode="lin" valueType="num">
+                                      <p:cBhvr>
+                                        <p:cTn id="15" dur="1000" fill="hold"/>
+                                        <p:tgtEl>
+                                          <p:spTgt spid="20"/>
+                                        </p:tgtEl>
+                                        <p:attrNameLst>
+                                          <p:attrName>ppt_x</p:attrName>
+                                        </p:attrNameLst>
+                                      </p:cBhvr>
+                                      <p:tavLst>
+                                        <p:tav tm="0">
+                                          <p:val>
+                                            <p:strVal val="#ppt_x"/>
+                                          </p:val>
+                                        </p:tav>
+                                        <p:tav tm="100000">
+                                          <p:val>
+                                            <p:strVal val="#ppt_x"/>
+                                          </p:val>
+                                        </p:tav>
+                                      </p:tavLst>
+                                    </p:anim>
+                                    <p:anim calcmode="lin" valueType="num">
+                                      <p:cBhvr>
+                                        <p:cTn id="16" dur="1000" fill="hold"/>
+                                        <p:tgtEl>
+                                          <p:spTgt spid="20"/>
+                                        </p:tgtEl>
+                                        <p:attrNameLst>
+                                          <p:attrName>ppt_y</p:attrName>
+                                        </p:attrNameLst>
+                                      </p:cBhvr>
+                                      <p:tavLst>
+                                        <p:tav tm="0">
+                                          <p:val>
+                                            <p:strVal val="#ppt_y+.1"/>
+                                          </p:val>
+                                        </p:tav>
+                                        <p:tav tm="100000">
+                                          <p:val>
+                                            <p:strVal val="#ppt_y"/>
+                                          </p:val>
+                                        </p:tav>
+                                      </p:tavLst>
+                                    </p:anim>
+                                  </p:childTnLst>
+                                </p:cTn>
+                              </p:par>
+                            </p:childTnLst>
+                          </p:cTn>
+                        </p:par>
+                      </p:childTnLst>
+                    </p:cTn>
+                  </p:par>
+                  <p:par>
+                    <p:cTn id="17" fill="hold">
+                      <p:stCondLst>
+                        <p:cond delay="indefinite"/>
+                      </p:stCondLst>
+                      <p:childTnLst>
+                        <p:par>
+                          <p:cTn id="18" fill="hold">
+                            <p:stCondLst>
+                              <p:cond delay="0"/>
+                            </p:stCondLst>
+                            <p:childTnLst>
+                              <p:par>
+                                <p:cTn id="19" presetID="42" presetClass="entr" presetSubtype="0" fill="hold" nodeType="clickEffect">
+                                  <p:stCondLst>
+                                    <p:cond delay="0"/>
+                                  </p:stCondLst>
+                                  <p:childTnLst>
+                                    <p:set>
+                                      <p:cBhvr>
+                                        <p:cTn id="20" dur="1" fill="hold">
+                                          <p:stCondLst>
+                                            <p:cond delay="0"/>
+                                          </p:stCondLst>
+                                        </p:cTn>
+                                        <p:tgtEl>
+                                          <p:spTgt spid="3">
+                                            <p:txEl>
+                                              <p:pRg st="0" end="0"/>
+                                            </p:txEl>
+                                          </p:spTgt>
+                                        </p:tgtEl>
+                                        <p:attrNameLst>
+                                          <p:attrName>style.visibility</p:attrName>
+                                        </p:attrNameLst>
+                                      </p:cBhvr>
+                                      <p:to>
+                                        <p:strVal val="visible"/>
+                                      </p:to>
+                                    </p:set>
+                                    <p:animEffect transition="in" filter="fade">
+                                      <p:cBhvr>
+                                        <p:cTn id="21" dur="1000"/>
+                                        <p:tgtEl>
+                                          <p:spTgt spid="3">
+                                            <p:txEl>
+                                              <p:pRg st="0" end="0"/>
+                                            </p:txEl>
+                                          </p:spTgt>
+                                        </p:tgtEl>
+                                      </p:cBhvr>
+                                    </p:animEffect>
+                                    <p:anim calcmode="lin" valueType="num">
+                                      <p:cBhvr>
+                                        <p:cTn id="22" dur="1000" fill="hold"/>
+                                        <p:tgtEl>
+                                          <p:spTgt spid="3">
+                                            <p:txEl>
+                                              <p:pRg st="0" end="0"/>
+                                            </p:txEl>
+                                          </p:spTgt>
+                                        </p:tgtEl>
+                                        <p:attrNameLst>
+                                          <p:attrName>ppt_x</p:attrName>
+                                        </p:attrNameLst>
+                                      </p:cBhvr>
+                                      <p:tavLst>
+                                        <p:tav tm="0">
+                                          <p:val>
+                                            <p:strVal val="#ppt_x"/>
+                                          </p:val>
+                                        </p:tav>
+                                        <p:tav tm="100000">
+                                          <p:val>
+                                            <p:strVal val="#ppt_x"/>
+                                          </p:val>
+                                        </p:tav>
+                                      </p:tavLst>
+                                    </p:anim>
+                                    <p:anim calcmode="lin" valueType="num">
+                                      <p:cBhvr>
+                                        <p:cTn id="23" dur="1000" fill="hold"/>
+                                        <p:tgtEl>
+                                          <p:spTgt spid="3">
+                                            <p:txEl>
+                                              <p:pRg st="0" end="0"/>
+                                            </p:txEl>
+                                          </p:spTgt>
+                                        </p:tgtEl>
+                                        <p:attrNameLst>
+                                          <p:attrName>ppt_y</p:attrName>
+                                        </p:attrNameLst>
+                                      </p:cBhvr>
+                                      <p:tavLst>
+                                        <p:tav tm="0">
+                                          <p:val>
+                                            <p:strVal val="#ppt_y+.1"/>
+                                          </p:val>
+                                        </p:tav>
+                                        <p:tav tm="100000">
+                                          <p:val>
+                                            <p:strVal val="#ppt_y"/>
+                                          </p:val>
+                                        </p:tav>
+                                      </p:tavLst>
+                                    </p:anim>
+                                  </p:childTnLst>
+                                </p:cTn>
+                              </p:par>
+                            </p:childTnLst>
+                          </p:cTn>
+                        </p:par>
+                      </p:childTnLst>
+                    </p:cTn>
+                  </p:par>
+                  <p:par>
+                    <p:cTn id="24" fill="hold">
+                      <p:stCondLst>
+                        <p:cond delay="indefinite"/>
+                      </p:stCondLst>
+                      <p:childTnLst>
+                        <p:par>
+                          <p:cTn id="25" fill="hold">
+                            <p:stCondLst>
+                              <p:cond delay="0"/>
+                            </p:stCondLst>
+                            <p:childTnLst>
+                              <p:par>
+                                <p:cTn id="26" presetID="42" presetClass="entr" presetSubtype="0" fill="hold" nodeType="clickEffect">
+                                  <p:stCondLst>
+                                    <p:cond delay="0"/>
+                                  </p:stCondLst>
+                                  <p:childTnLst>
+                                    <p:set>
+                                      <p:cBhvr>
+                                        <p:cTn id="27" dur="1" fill="hold">
+                                          <p:stCondLst>
+                                            <p:cond delay="0"/>
+                                          </p:stCondLst>
+                                        </p:cTn>
+                                        <p:tgtEl>
+                                          <p:spTgt spid="4">
+                                            <p:txEl>
+                                              <p:pRg st="0" end="0"/>
+                                            </p:txEl>
+                                          </p:spTgt>
+                                        </p:tgtEl>
+                                        <p:attrNameLst>
+                                          <p:attrName>style.visibility</p:attrName>
+                                        </p:attrNameLst>
+                                      </p:cBhvr>
+                                      <p:to>
+                                        <p:strVal val="visible"/>
+                                      </p:to>
+                                    </p:set>
+                                    <p:animEffect transition="in" filter="fade">
+                                      <p:cBhvr>
+                                        <p:cTn id="28" dur="1000"/>
+                                        <p:tgtEl>
+                                          <p:spTgt spid="4">
+                                            <p:txEl>
+                                              <p:pRg st="0" end="0"/>
+                                            </p:txEl>
+                                          </p:spTgt>
+                                        </p:tgtEl>
+                                      </p:cBhvr>
+                                    </p:animEffect>
+                                    <p:anim calcmode="lin" valueType="num">
+                                      <p:cBhvr>
+                                        <p:cTn id="29" dur="1000" fill="hold"/>
+                                        <p:tgtEl>
+                                          <p:spTgt spid="4">
+                                            <p:txEl>
+                                              <p:pRg st="0" end="0"/>
+                                            </p:txEl>
+                                          </p:spTgt>
+                                        </p:tgtEl>
+                                        <p:attrNameLst>
+                                          <p:attrName>ppt_x</p:attrName>
+                                        </p:attrNameLst>
+                                      </p:cBhvr>
+                                      <p:tavLst>
+                                        <p:tav tm="0">
+                                          <p:val>
+                                            <p:strVal val="#ppt_x"/>
+                                          </p:val>
+                                        </p:tav>
+                                        <p:tav tm="100000">
+                                          <p:val>
+                                            <p:strVal val="#ppt_x"/>
+                                          </p:val>
+                                        </p:tav>
+                                      </p:tavLst>
+                                    </p:anim>
+                                    <p:anim calcmode="lin" valueType="num">
+                                      <p:cBhvr>
+                                        <p:cTn id="30" dur="1000" fill="hold"/>
+                                        <p:tgtEl>
+                                          <p:spTgt spid="4">
+                                            <p:txEl>
+                                              <p:pRg st="0" end="0"/>
+                                            </p:txEl>
+                                          </p:spTgt>
+                                        </p:tgtEl>
+                                        <p:attrNameLst>
+                                          <p:attrName>ppt_y</p:attrName>
+                                        </p:attrNameLst>
+                                      </p:cBhvr>
+                                      <p:tavLst>
+                                        <p:tav tm="0">
+                                          <p:val>
+                                            <p:strVal val="#ppt_y+.1"/>
+                                          </p:val>
+                                        </p:tav>
+                                        <p:tav tm="100000">
+                                          <p:val>
+                                            <p:strVal val="#ppt_y"/>
+                                          </p:val>
+                                        </p:tav>
+                                      </p:tavLst>
+                                    </p:anim>
+                                  </p:childTnLst>
+                                </p:cTn>
+                              </p:par>
+                              <p:par>
+                                <p:cTn id="31" presetID="42" presetClass="entr" presetSubtype="0" fill="hold" nodeType="withEffect">
+                                  <p:stCondLst>
+                                    <p:cond delay="0"/>
+                                  </p:stCondLst>
+                                  <p:childTnLst>
+                                    <p:set>
+                                      <p:cBhvr>
+                                        <p:cTn id="32" dur="1" fill="hold">
+                                          <p:stCondLst>
+                                            <p:cond delay="0"/>
+                                          </p:stCondLst>
+                                        </p:cTn>
+                                        <p:tgtEl>
+                                          <p:spTgt spid="4">
+                                            <p:txEl>
+                                              <p:pRg st="1" end="1"/>
+                                            </p:txEl>
+                                          </p:spTgt>
+                                        </p:tgtEl>
+                                        <p:attrNameLst>
+                                          <p:attrName>style.visibility</p:attrName>
+                                        </p:attrNameLst>
+                                      </p:cBhvr>
+                                      <p:to>
+                                        <p:strVal val="visible"/>
+                                      </p:to>
+                                    </p:set>
+                                    <p:animEffect transition="in" filter="fade">
+                                      <p:cBhvr>
+                                        <p:cTn id="33" dur="1000"/>
+                                        <p:tgtEl>
+                                          <p:spTgt spid="4">
+                                            <p:txEl>
+                                              <p:pRg st="1" end="1"/>
+                                            </p:txEl>
+                                          </p:spTgt>
+                                        </p:tgtEl>
+                                      </p:cBhvr>
+                                    </p:animEffect>
+                                    <p:anim calcmode="lin" valueType="num">
+                                      <p:cBhvr>
+                                        <p:cTn id="34" dur="1000" fill="hold"/>
+                                        <p:tgtEl>
+                                          <p:spTgt spid="4">
+                                            <p:txEl>
+                                              <p:pRg st="1" end="1"/>
+                                            </p:txEl>
+                                          </p:spTgt>
+                                        </p:tgtEl>
+                                        <p:attrNameLst>
+                                          <p:attrName>ppt_x</p:attrName>
+                                        </p:attrNameLst>
+                                      </p:cBhvr>
+                                      <p:tavLst>
+                                        <p:tav tm="0">
+                                          <p:val>
+                                            <p:strVal val="#ppt_x"/>
+                                          </p:val>
+                                        </p:tav>
+                                        <p:tav tm="100000">
+                                          <p:val>
+                                            <p:strVal val="#ppt_x"/>
+                                          </p:val>
+                                        </p:tav>
+                                      </p:tavLst>
+                                    </p:anim>
+                                    <p:anim calcmode="lin" valueType="num">
+                                      <p:cBhvr>
+                                        <p:cTn id="35" dur="1000" fill="hold"/>
+                                        <p:tgtEl>
+                                          <p:spTgt spid="4">
+                                            <p:txEl>
+                                              <p:pRg st="1" end="1"/>
+                                            </p:txEl>
+                                          </p:spTgt>
+                                        </p:tgtEl>
+                                        <p:attrNameLst>
+                                          <p:attrName>ppt_y</p:attrName>
+                                        </p:attrNameLst>
+                                      </p:cBhvr>
+                                      <p:tavLst>
+                                        <p:tav tm="0">
+                                          <p:val>
+                                            <p:strVal val="#ppt_y+.1"/>
+                                          </p:val>
+                                        </p:tav>
+                                        <p:tav tm="100000">
+                                          <p:val>
+                                            <p:strVal val="#ppt_y"/>
+                                          </p:val>
+                                        </p:tav>
+                                      </p:tavLst>
+                                    </p:anim>
+                                  </p:childTnLst>
+                                </p:cTn>
+                              </p:par>
+                              <p:par>
+                                <p:cTn id="36" presetID="42" presetClass="entr" presetSubtype="0" fill="hold" nodeType="withEffect">
+                                  <p:stCondLst>
+                                    <p:cond delay="0"/>
+                                  </p:stCondLst>
+                                  <p:childTnLst>
+                                    <p:set>
+                                      <p:cBhvr>
+                                        <p:cTn id="37" dur="1" fill="hold">
+                                          <p:stCondLst>
+                                            <p:cond delay="0"/>
+                                          </p:stCondLst>
+                                        </p:cTn>
+                                        <p:tgtEl>
+                                          <p:spTgt spid="4">
+                                            <p:txEl>
+                                              <p:pRg st="2" end="2"/>
+                                            </p:txEl>
+                                          </p:spTgt>
+                                        </p:tgtEl>
+                                        <p:attrNameLst>
+                                          <p:attrName>style.visibility</p:attrName>
+                                        </p:attrNameLst>
+                                      </p:cBhvr>
+                                      <p:to>
+                                        <p:strVal val="visible"/>
+                                      </p:to>
+                                    </p:set>
+                                    <p:animEffect transition="in" filter="fade">
+                                      <p:cBhvr>
+                                        <p:cTn id="38" dur="1000"/>
+                                        <p:tgtEl>
+                                          <p:spTgt spid="4">
+                                            <p:txEl>
+                                              <p:pRg st="2" end="2"/>
+                                            </p:txEl>
+                                          </p:spTgt>
+                                        </p:tgtEl>
+                                      </p:cBhvr>
+                                    </p:animEffect>
+                                    <p:anim calcmode="lin" valueType="num">
+                                      <p:cBhvr>
+                                        <p:cTn id="39" dur="1000" fill="hold"/>
+                                        <p:tgtEl>
+                                          <p:spTgt spid="4">
+                                            <p:txEl>
+                                              <p:pRg st="2" end="2"/>
+                                            </p:txEl>
+                                          </p:spTgt>
+                                        </p:tgtEl>
+                                        <p:attrNameLst>
+                                          <p:attrName>ppt_x</p:attrName>
+                                        </p:attrNameLst>
+                                      </p:cBhvr>
+                                      <p:tavLst>
+                                        <p:tav tm="0">
+                                          <p:val>
+                                            <p:strVal val="#ppt_x"/>
+                                          </p:val>
+                                        </p:tav>
+                                        <p:tav tm="100000">
+                                          <p:val>
+                                            <p:strVal val="#ppt_x"/>
+                                          </p:val>
+                                        </p:tav>
+                                      </p:tavLst>
+                                    </p:anim>
+                                    <p:anim calcmode="lin" valueType="num">
+                                      <p:cBhvr>
+                                        <p:cTn id="40" dur="1000" fill="hold"/>
+                                        <p:tgtEl>
+                                          <p:spTgt spid="4">
+                                            <p:txEl>
+                                              <p:pRg st="2" end="2"/>
+                                            </p:txEl>
+                                          </p:spTgt>
+                                        </p:tgtEl>
+                                        <p:attrNameLst>
+                                          <p:attrName>ppt_y</p:attrName>
+                                        </p:attrNameLst>
+                                      </p:cBhvr>
+                                      <p:tavLst>
+                                        <p:tav tm="0">
+                                          <p:val>
+                                            <p:strVal val="#ppt_y+.1"/>
+                                          </p:val>
+                                        </p:tav>
+                                        <p:tav tm="100000">
+                                          <p:val>
+                                            <p:strVal val="#ppt_y"/>
+                                          </p:val>
+                                        </p:tav>
+                                      </p:tavLst>
+                                    </p:anim>
+                                  </p:childTnLst>
+                                </p:cTn>
+                              </p:par>
+                              <p:par>
+                                <p:cTn id="41" presetID="42" presetClass="entr" presetSubtype="0" fill="hold" nodeType="withEffect">
+                                  <p:stCondLst>
+                                    <p:cond delay="0"/>
+                                  </p:stCondLst>
+                                  <p:childTnLst>
+                                    <p:set>
+                                      <p:cBhvr>
+                                        <p:cTn id="42" dur="1" fill="hold">
+                                          <p:stCondLst>
+                                            <p:cond delay="0"/>
+                                          </p:stCondLst>
+                                        </p:cTn>
+                                        <p:tgtEl>
+                                          <p:spTgt spid="4">
+                                            <p:txEl>
+                                              <p:pRg st="3" end="3"/>
+                                            </p:txEl>
+                                          </p:spTgt>
+                                        </p:tgtEl>
+                                        <p:attrNameLst>
+                                          <p:attrName>style.visibility</p:attrName>
+                                        </p:attrNameLst>
+                                      </p:cBhvr>
+                                      <p:to>
+                                        <p:strVal val="visible"/>
+                                      </p:to>
+                                    </p:set>
+                                    <p:animEffect transition="in" filter="fade">
+                                      <p:cBhvr>
+                                        <p:cTn id="43" dur="1000"/>
+                                        <p:tgtEl>
+                                          <p:spTgt spid="4">
+                                            <p:txEl>
+                                              <p:pRg st="3" end="3"/>
+                                            </p:txEl>
+                                          </p:spTgt>
+                                        </p:tgtEl>
+                                      </p:cBhvr>
+                                    </p:animEffect>
+                                    <p:anim calcmode="lin" valueType="num">
+                                      <p:cBhvr>
+                                        <p:cTn id="44" dur="1000" fill="hold"/>
+                                        <p:tgtEl>
+                                          <p:spTgt spid="4">
+                                            <p:txEl>
+                                              <p:pRg st="3" end="3"/>
+                                            </p:txEl>
+                                          </p:spTgt>
+                                        </p:tgtEl>
+                                        <p:attrNameLst>
+                                          <p:attrName>ppt_x</p:attrName>
+                                        </p:attrNameLst>
+                                      </p:cBhvr>
+                                      <p:tavLst>
+                                        <p:tav tm="0">
+                                          <p:val>
+                                            <p:strVal val="#ppt_x"/>
+                                          </p:val>
+                                        </p:tav>
+                                        <p:tav tm="100000">
+                                          <p:val>
+                                            <p:strVal val="#ppt_x"/>
+                                          </p:val>
+                                        </p:tav>
+                                      </p:tavLst>
+                                    </p:anim>
+                                    <p:anim calcmode="lin" valueType="num">
+                                      <p:cBhvr>
+                                        <p:cTn id="45" dur="1000" fill="hold"/>
+                                        <p:tgtEl>
+                                          <p:spTgt spid="4">
+                                            <p:txEl>
+                                              <p:pRg st="3" end="3"/>
+                                            </p:txEl>
+                                          </p:spTgt>
+                                        </p:tgtEl>
+                                        <p:attrNameLst>
+                                          <p:attrName>ppt_y</p:attrName>
+                                        </p:attrNameLst>
+                                      </p:cBhvr>
+                                      <p:tavLst>
+                                        <p:tav tm="0">
+                                          <p:val>
+                                            <p:strVal val="#ppt_y+.1"/>
+                                          </p:val>
+                                        </p:tav>
+                                        <p:tav tm="100000">
+                                          <p:val>
+                                            <p:strVal val="#ppt_y"/>
+                                          </p:val>
+                                        </p:tav>
+                                      </p:tavLst>
+                                    </p:anim>
+                                  </p:childTnLst>
+                                </p:cTn>
+                              </p:par>
+                            </p:childTnLst>
+                          </p:cTn>
+                        </p:par>
+                      </p:childTnLst>
+                    </p:cTn>
+                  </p:par>
+                  <p:par>
+                    <p:cTn id="46" fill="hold">
+                      <p:stCondLst>
+                        <p:cond delay="indefinite"/>
+                      </p:stCondLst>
+                      <p:childTnLst>
+                        <p:par>
+                          <p:cTn id="47" fill="hold">
+                            <p:stCondLst>
+                              <p:cond delay="0"/>
+                            </p:stCondLst>
+                            <p:childTnLst>
+                              <p:par>
+                                <p:cTn id="48" presetID="42" presetClass="entr" presetSubtype="0" fill="hold" nodeType="clickEffect">
+                                  <p:stCondLst>
+                                    <p:cond delay="0"/>
+                                  </p:stCondLst>
+                                  <p:childTnLst>
+                                    <p:set>
+                                      <p:cBhvr>
+                                        <p:cTn id="49" dur="1" fill="hold">
+                                          <p:stCondLst>
+                                            <p:cond delay="0"/>
+                                          </p:stCondLst>
+                                        </p:cTn>
+                                        <p:tgtEl>
+                                          <p:spTgt spid="10"/>
+                                        </p:tgtEl>
+                                        <p:attrNameLst>
+                                          <p:attrName>style.visibility</p:attrName>
+                                        </p:attrNameLst>
+                                      </p:cBhvr>
+                                      <p:to>
+                                        <p:strVal val="visible"/>
+                                      </p:to>
+                                    </p:set>
+                                    <p:animEffect transition="in" filter="fade">
+                                      <p:cBhvr>
+                                        <p:cTn id="50" dur="1000"/>
+                                        <p:tgtEl>
+                                          <p:spTgt spid="10"/>
+                                        </p:tgtEl>
+                                      </p:cBhvr>
+                                    </p:animEffect>
+                                    <p:anim calcmode="lin" valueType="num">
+                                      <p:cBhvr>
+                                        <p:cTn id="51" dur="1000" fill="hold"/>
+                                        <p:tgtEl>
+                                          <p:spTgt spid="10"/>
+                                        </p:tgtEl>
+                                        <p:attrNameLst>
+                                          <p:attrName>ppt_x</p:attrName>
+                                        </p:attrNameLst>
+                                      </p:cBhvr>
+                                      <p:tavLst>
+                                        <p:tav tm="0">
+                                          <p:val>
+                                            <p:strVal val="#ppt_x"/>
+                                          </p:val>
+                                        </p:tav>
+                                        <p:tav tm="100000">
+                                          <p:val>
+                                            <p:strVal val="#ppt_x"/>
+                                          </p:val>
+                                        </p:tav>
+                                      </p:tavLst>
+                                    </p:anim>
+                                    <p:anim calcmode="lin" valueType="num">
+                                      <p:cBhvr>
+                                        <p:cTn id="52" dur="1000" fill="hold"/>
+                                        <p:tgtEl>
+                                          <p:spTgt spid="10"/>
+                                        </p:tgtEl>
+                                        <p:attrNameLst>
+                                          <p:attrName>ppt_y</p:attrName>
+                                        </p:attrNameLst>
+                                      </p:cBhvr>
+                                      <p:tavLst>
+                                        <p:tav tm="0">
+                                          <p:val>
+                                            <p:strVal val="#ppt_y+.1"/>
+                                          </p:val>
+                                        </p:tav>
+                                        <p:tav tm="100000">
+                                          <p:val>
+                                            <p:strVal val="#ppt_y"/>
+                                          </p:val>
+                                        </p:tav>
+                                      </p:tavLst>
+                                    </p:anim>
+                                  </p:childTnLst>
+                                </p:cTn>
+                              </p:par>
+                            </p:childTnLst>
+                          </p:cTn>
+                        </p:par>
+                      </p:childTnLst>
+                    </p:cTn>
+                  </p:par>
+                  <p:par>
+                    <p:cTn id="53" fill="hold">
+                      <p:stCondLst>
+                        <p:cond delay="indefinite"/>
+                      </p:stCondLst>
+                      <p:childTnLst>
+                        <p:par>
+                          <p:cTn id="54" fill="hold">
+                            <p:stCondLst>
+                              <p:cond delay="0"/>
+                            </p:stCondLst>
+                            <p:childTnLst>
+                              <p:par>
+                                <p:cTn id="55" presetID="42" presetClass="entr" presetSubtype="0" fill="hold" nodeType="clickEffect">
+                                  <p:stCondLst>
+                                    <p:cond delay="0"/>
+                                  </p:stCondLst>
+                                  <p:childTnLst>
+                                    <p:set>
+                                      <p:cBhvr>
+                                        <p:cTn id="56" dur="1" fill="hold">
+                                          <p:stCondLst>
+                                            <p:cond delay="0"/>
+                                          </p:stCondLst>
+                                        </p:cTn>
+                                        <p:tgtEl>
+                                          <p:spTgt spid="5">
+                                            <p:txEl>
+                                              <p:pRg st="0" end="0"/>
+                                            </p:txEl>
+                                          </p:spTgt>
+                                        </p:tgtEl>
+                                        <p:attrNameLst>
+                                          <p:attrName>style.visibility</p:attrName>
+                                        </p:attrNameLst>
+                                      </p:cBhvr>
+                                      <p:to>
+                                        <p:strVal val="visible"/>
+                                      </p:to>
+                                    </p:set>
+                                    <p:animEffect transition="in" filter="fade">
+                                      <p:cBhvr>
+                                        <p:cTn id="57" dur="1000"/>
+                                        <p:tgtEl>
+                                          <p:spTgt spid="5">
+                                            <p:txEl>
+                                              <p:pRg st="0" end="0"/>
+                                            </p:txEl>
+                                          </p:spTgt>
+                                        </p:tgtEl>
+                                      </p:cBhvr>
+                                    </p:animEffect>
+                                    <p:anim calcmode="lin" valueType="num">
+                                      <p:cBhvr>
+                                        <p:cTn id="58" dur="1000" fill="hold"/>
+                                        <p:tgtEl>
+                                          <p:spTgt spid="5">
+                                            <p:txEl>
+                                              <p:pRg st="0" end="0"/>
+                                            </p:txEl>
+                                          </p:spTgt>
+                                        </p:tgtEl>
+                                        <p:attrNameLst>
+                                          <p:attrName>ppt_x</p:attrName>
+                                        </p:attrNameLst>
+                                      </p:cBhvr>
+                                      <p:tavLst>
+                                        <p:tav tm="0">
+                                          <p:val>
+                                            <p:strVal val="#ppt_x"/>
+                                          </p:val>
+                                        </p:tav>
+                                        <p:tav tm="100000">
+                                          <p:val>
+                                            <p:strVal val="#ppt_x"/>
+                                          </p:val>
+                                        </p:tav>
+                                      </p:tavLst>
+                                    </p:anim>
+                                    <p:anim calcmode="lin" valueType="num">
+                                      <p:cBhvr>
+                                        <p:cTn id="59" dur="1000" fill="hold"/>
+                                        <p:tgtEl>
+                                          <p:spTgt spid="5">
+                                            <p:txEl>
+                                              <p:pRg st="0" end="0"/>
+                                            </p:txEl>
+                                          </p:spTgt>
+                                        </p:tgtEl>
+                                        <p:attrNameLst>
+                                          <p:attrName>ppt_y</p:attrName>
+                                        </p:attrNameLst>
+                                      </p:cBhvr>
+                                      <p:tavLst>
+                                        <p:tav tm="0">
+                                          <p:val>
+                                            <p:strVal val="#ppt_y+.1"/>
+                                          </p:val>
+                                        </p:tav>
+                                        <p:tav tm="100000">
+                                          <p:val>
+                                            <p:strVal val="#ppt_y"/>
+                                          </p:val>
+                                        </p:tav>
+                                      </p:tavLst>
+                                    </p:anim>
+                                  </p:childTnLst>
+                                </p:cTn>
+                              </p:par>
+                            </p:childTnLst>
+                          </p:cTn>
+                        </p:par>
+                      </p:childTnLst>
+                    </p:cTn>
+                  </p:par>
+                  <p:par>
+                    <p:cTn id="60" fill="hold">
+                      <p:stCondLst>
+                        <p:cond delay="indefinite"/>
+                      </p:stCondLst>
+                      <p:childTnLst>
+                        <p:par>
+                          <p:cTn id="61" fill="hold">
+                            <p:stCondLst>
+                              <p:cond delay="0"/>
+                            </p:stCondLst>
+                            <p:childTnLst>
+                              <p:par>
+                                <p:cTn id="62" presetID="42" presetClass="entr" presetSubtype="0" fill="hold" nodeType="clickEffect">
+                                  <p:stCondLst>
+                                    <p:cond delay="0"/>
+                                  </p:stCondLst>
+                                  <p:childTnLst>
+                                    <p:set>
+                                      <p:cBhvr>
+                                        <p:cTn id="63" dur="1" fill="hold">
+                                          <p:stCondLst>
+                                            <p:cond delay="0"/>
+                                          </p:stCondLst>
+                                        </p:cTn>
+                                        <p:tgtEl>
+                                          <p:spTgt spid="6">
+                                            <p:txEl>
+                                              <p:pRg st="0" end="0"/>
+                                            </p:txEl>
+                                          </p:spTgt>
+                                        </p:tgtEl>
+                                        <p:attrNameLst>
+                                          <p:attrName>style.visibility</p:attrName>
+                                        </p:attrNameLst>
+                                      </p:cBhvr>
+                                      <p:to>
+                                        <p:strVal val="visible"/>
+                                      </p:to>
+                                    </p:set>
+                                    <p:animEffect transition="in" filter="fade">
+                                      <p:cBhvr>
+                                        <p:cTn id="64" dur="1000"/>
+                                        <p:tgtEl>
+                                          <p:spTgt spid="6">
+                                            <p:txEl>
+                                              <p:pRg st="0" end="0"/>
+                                            </p:txEl>
+                                          </p:spTgt>
+                                        </p:tgtEl>
+                                      </p:cBhvr>
+                                    </p:animEffect>
+                                    <p:anim calcmode="lin" valueType="num">
+                                      <p:cBhvr>
+                                        <p:cTn id="65" dur="1000" fill="hold"/>
+                                        <p:tgtEl>
+                                          <p:spTgt spid="6">
+                                            <p:txEl>
+                                              <p:pRg st="0" end="0"/>
+                                            </p:txEl>
+                                          </p:spTgt>
+                                        </p:tgtEl>
+                                        <p:attrNameLst>
+                                          <p:attrName>ppt_x</p:attrName>
+                                        </p:attrNameLst>
+                                      </p:cBhvr>
+                                      <p:tavLst>
+                                        <p:tav tm="0">
+                                          <p:val>
+                                            <p:strVal val="#ppt_x"/>
+                                          </p:val>
+                                        </p:tav>
+                                        <p:tav tm="100000">
+                                          <p:val>
+                                            <p:strVal val="#ppt_x"/>
+                                          </p:val>
+                                        </p:tav>
+                                      </p:tavLst>
+                                    </p:anim>
+                                    <p:anim calcmode="lin" valueType="num">
+                                      <p:cBhvr>
+                                        <p:cTn id="66" dur="1000" fill="hold"/>
+                                        <p:tgtEl>
+                                          <p:spTgt spid="6">
+                                            <p:txEl>
+                                              <p:pRg st="0" end="0"/>
+                                            </p:txEl>
+                                          </p:spTgt>
+                                        </p:tgtEl>
+                                        <p:attrNameLst>
+                                          <p:attrName>ppt_y</p:attrName>
+                                        </p:attrNameLst>
+                                      </p:cBhvr>
+                                      <p:tavLst>
+                                        <p:tav tm="0">
+                                          <p:val>
+                                            <p:strVal val="#ppt_y+.1"/>
+                                          </p:val>
+                                        </p:tav>
+                                        <p:tav tm="100000">
+                                          <p:val>
+                                            <p:strVal val="#ppt_y"/>
+                                          </p:val>
+                                        </p:tav>
+                                      </p:tavLst>
+                                    </p:anim>
+                                  </p:childTnLst>
+                                </p:cTn>
+                              </p:par>
+                            </p:childTnLst>
+                          </p:cTn>
+                        </p:par>
+                      </p:childTnLst>
+                    </p:cTn>
+                  </p:par>
+                  <p:par>
+                    <p:cTn id="67" fill="hold">
+                      <p:stCondLst>
+                        <p:cond delay="indefinite"/>
+                      </p:stCondLst>
+                      <p:childTnLst>
+                        <p:par>
+                          <p:cTn id="68" fill="hold">
+                            <p:stCondLst>
+                              <p:cond delay="0"/>
+                            </p:stCondLst>
+                            <p:childTnLst>
+                              <p:par>
+                                <p:cTn id="69" presetID="42" presetClass="entr" presetSubtype="0" fill="hold" nodeType="clickEffect">
+                                  <p:stCondLst>
+                                    <p:cond delay="0"/>
+                                  </p:stCondLst>
+                                  <p:childTnLst>
+                                    <p:set>
+                                      <p:cBhvr>
+                                        <p:cTn id="70" dur="1" fill="hold">
+                                          <p:stCondLst>
+                                            <p:cond delay="0"/>
+                                          </p:stCondLst>
+                                        </p:cTn>
+                                        <p:tgtEl>
+                                          <p:spTgt spid="22"/>
+                                        </p:tgtEl>
+                                        <p:attrNameLst>
+                                          <p:attrName>style.visibility</p:attrName>
+                                        </p:attrNameLst>
+                                      </p:cBhvr>
+                                      <p:to>
+                                        <p:strVal val="visible"/>
+                                      </p:to>
+                                    </p:set>
+                                    <p:animEffect transition="in" filter="fade">
+                                      <p:cBhvr>
+                                        <p:cTn id="71" dur="1000"/>
+                                        <p:tgtEl>
+                                          <p:spTgt spid="22"/>
+                                        </p:tgtEl>
+                                      </p:cBhvr>
+                                    </p:animEffect>
+                                    <p:anim calcmode="lin" valueType="num">
+                                      <p:cBhvr>
+                                        <p:cTn id="72" dur="1000" fill="hold"/>
+                                        <p:tgtEl>
+                                          <p:spTgt spid="22"/>
+                                        </p:tgtEl>
+                                        <p:attrNameLst>
+                                          <p:attrName>ppt_x</p:attrName>
+                                        </p:attrNameLst>
+                                      </p:cBhvr>
+                                      <p:tavLst>
+                                        <p:tav tm="0">
+                                          <p:val>
+                                            <p:strVal val="#ppt_x"/>
+                                          </p:val>
+                                        </p:tav>
+                                        <p:tav tm="100000">
+                                          <p:val>
+                                            <p:strVal val="#ppt_x"/>
+                                          </p:val>
+                                        </p:tav>
+                                      </p:tavLst>
+                                    </p:anim>
+                                    <p:anim calcmode="lin" valueType="num">
+                                      <p:cBhvr>
+                                        <p:cTn id="73" dur="1000" fill="hold"/>
+                                        <p:tgtEl>
+                                          <p:spTgt spid="22"/>
+                                        </p:tgtEl>
+                                        <p:attrNameLst>
+                                          <p:attrName>ppt_y</p:attrName>
+                                        </p:attrNameLst>
+                                      </p:cBhvr>
+                                      <p:tavLst>
+                                        <p:tav tm="0">
+                                          <p:val>
+                                            <p:strVal val="#ppt_y+.1"/>
+                                          </p:val>
+                                        </p:tav>
+                                        <p:tav tm="100000">
+                                          <p:val>
+                                            <p:strVal val="#ppt_y"/>
+                                          </p:val>
+                                        </p:tav>
+                                      </p:tavLst>
+                                    </p:anim>
+                                  </p:childTnLst>
+                                </p:cTn>
+                              </p:par>
+                            </p:childTnLst>
+                          </p:cTn>
+                        </p:par>
+                      </p:childTnLst>
+                    </p:cTn>
+                  </p:par>
+                  <p:par>
+                    <p:cTn id="74" fill="hold">
+                      <p:stCondLst>
+                        <p:cond delay="indefinite"/>
+                      </p:stCondLst>
+                      <p:childTnLst>
+                        <p:par>
+                          <p:cTn id="75" fill="hold">
+                            <p:stCondLst>
+                              <p:cond delay="0"/>
+                            </p:stCondLst>
+                            <p:childTnLst>
+                              <p:par>
+                                <p:cTn id="76" presetID="42" presetClass="entr" presetSubtype="0" fill="hold" nodeType="clickEffect">
+                                  <p:stCondLst>
+                                    <p:cond delay="0"/>
+                                  </p:stCondLst>
+                                  <p:childTnLst>
+                                    <p:set>
+                                      <p:cBhvr>
+                                        <p:cTn id="77" dur="1" fill="hold">
+                                          <p:stCondLst>
+                                            <p:cond delay="0"/>
+                                          </p:stCondLst>
+                                        </p:cTn>
+                                        <p:tgtEl>
+                                          <p:spTgt spid="7">
+                                            <p:txEl>
+                                              <p:pRg st="0" end="0"/>
+                                            </p:txEl>
+                                          </p:spTgt>
+                                        </p:tgtEl>
+                                        <p:attrNameLst>
+                                          <p:attrName>style.visibility</p:attrName>
+                                        </p:attrNameLst>
+                                      </p:cBhvr>
+                                      <p:to>
+                                        <p:strVal val="visible"/>
+                                      </p:to>
+                                    </p:set>
+                                    <p:animEffect transition="in" filter="fade">
+                                      <p:cBhvr>
+                                        <p:cTn id="78" dur="1000"/>
+                                        <p:tgtEl>
+                                          <p:spTgt spid="7">
+                                            <p:txEl>
+                                              <p:pRg st="0" end="0"/>
+                                            </p:txEl>
+                                          </p:spTgt>
+                                        </p:tgtEl>
+                                      </p:cBhvr>
+                                    </p:animEffect>
+                                    <p:anim calcmode="lin" valueType="num">
+                                      <p:cBhvr>
+                                        <p:cTn id="79" dur="1000" fill="hold"/>
+                                        <p:tgtEl>
+                                          <p:spTgt spid="7">
+                                            <p:txEl>
+                                              <p:pRg st="0" end="0"/>
+                                            </p:txEl>
+                                          </p:spTgt>
+                                        </p:tgtEl>
+                                        <p:attrNameLst>
+                                          <p:attrName>ppt_x</p:attrName>
+                                        </p:attrNameLst>
+                                      </p:cBhvr>
+                                      <p:tavLst>
+                                        <p:tav tm="0">
+                                          <p:val>
+                                            <p:strVal val="#ppt_x"/>
+                                          </p:val>
+                                        </p:tav>
+                                        <p:tav tm="100000">
+                                          <p:val>
+                                            <p:strVal val="#ppt_x"/>
+                                          </p:val>
+                                        </p:tav>
+                                      </p:tavLst>
+                                    </p:anim>
+                                    <p:anim calcmode="lin" valueType="num">
+                                      <p:cBhvr>
+                                        <p:cTn id="80" dur="1000" fill="hold"/>
+                                        <p:tgtEl>
+                                          <p:spTgt spid="7">
+                                            <p:txEl>
+                                              <p:pRg st="0" end="0"/>
+                                            </p:txEl>
+                                          </p:spTgt>
+                                        </p:tgtEl>
+                                        <p:attrNameLst>
+                                          <p:attrName>ppt_y</p:attrName>
+                                        </p:attrNameLst>
+                                      </p:cBhvr>
+                                      <p:tavLst>
+                                        <p:tav tm="0">
+                                          <p:val>
+                                            <p:strVal val="#ppt_y+.1"/>
+                                          </p:val>
+                                        </p:tav>
+                                        <p:tav tm="100000">
+                                          <p:val>
+                                            <p:strVal val="#ppt_y"/>
+                                          </p:val>
+                                        </p:tav>
+                                      </p:tavLst>
+                                    </p:anim>
+                                  </p:childTnLst>
+                                </p:cTn>
+                              </p:par>
+                            </p:childTnLst>
+                          </p:cTn>
+                        </p:par>
+                      </p:childTnLst>
+                    </p:cTn>
+                  </p:par>
+                  <p:par>
+                    <p:cTn id="81" fill="hold">
+                      <p:stCondLst>
+                        <p:cond delay="indefinite"/>
+                      </p:stCondLst>
+                      <p:childTnLst>
+                        <p:par>
+                          <p:cTn id="82" fill="hold">
+                            <p:stCondLst>
+                              <p:cond delay="0"/>
+                            </p:stCondLst>
+                            <p:childTnLst>
+                              <p:par>
+                                <p:cTn id="83" presetID="42" presetClass="entr" presetSubtype="0" fill="hold" nodeType="clickEffect">
+                                  <p:stCondLst>
+                                    <p:cond delay="0"/>
+                                  </p:stCondLst>
+                                  <p:childTnLst>
+                                    <p:set>
+                                      <p:cBhvr>
+                                        <p:cTn id="84" dur="1" fill="hold">
+                                          <p:stCondLst>
+                                            <p:cond delay="0"/>
+                                          </p:stCondLst>
+                                        </p:cTn>
+                                        <p:tgtEl>
+                                          <p:spTgt spid="8">
+                                            <p:txEl>
+                                              <p:pRg st="0" end="0"/>
+                                            </p:txEl>
+                                          </p:spTgt>
+                                        </p:tgtEl>
+                                        <p:attrNameLst>
+                                          <p:attrName>style.visibility</p:attrName>
+                                        </p:attrNameLst>
+                                      </p:cBhvr>
+                                      <p:to>
+                                        <p:strVal val="visible"/>
+                                      </p:to>
+                                    </p:set>
+                                    <p:animEffect transition="in" filter="fade">
+                                      <p:cBhvr>
+                                        <p:cTn id="85" dur="1000"/>
+                                        <p:tgtEl>
+                                          <p:spTgt spid="8">
+                                            <p:txEl>
+                                              <p:pRg st="0" end="0"/>
+                                            </p:txEl>
+                                          </p:spTgt>
+                                        </p:tgtEl>
+                                      </p:cBhvr>
+                                    </p:animEffect>
+                                    <p:anim calcmode="lin" valueType="num">
+                                      <p:cBhvr>
+                                        <p:cTn id="86" dur="1000" fill="hold"/>
+                                        <p:tgtEl>
+                                          <p:spTgt spid="8">
+                                            <p:txEl>
+                                              <p:pRg st="0" end="0"/>
+                                            </p:txEl>
+                                          </p:spTgt>
+                                        </p:tgtEl>
+                                        <p:attrNameLst>
+                                          <p:attrName>ppt_x</p:attrName>
+                                        </p:attrNameLst>
+                                      </p:cBhvr>
+                                      <p:tavLst>
+                                        <p:tav tm="0">
+                                          <p:val>
+                                            <p:strVal val="#ppt_x"/>
+                                          </p:val>
+                                        </p:tav>
+                                        <p:tav tm="100000">
+                                          <p:val>
+                                            <p:strVal val="#ppt_x"/>
+                                          </p:val>
+                                        </p:tav>
+                                      </p:tavLst>
+                                    </p:anim>
+                                    <p:anim calcmode="lin" valueType="num">
+                                      <p:cBhvr>
+                                        <p:cTn id="87" dur="1000" fill="hold"/>
+                                        <p:tgtEl>
+                                          <p:spTgt spid="8">
+                                            <p:txEl>
+                                              <p:pRg st="0" end="0"/>
+                                            </p:txEl>
+                                          </p:spTgt>
+                                        </p:tgtEl>
+                                        <p:attrNameLst>
+                                          <p:attrName>ppt_y</p:attrName>
+                                        </p:attrNameLst>
+                                      </p:cBhvr>
+                                      <p:tavLst>
+                                        <p:tav tm="0">
+                                          <p:val>
+                                            <p:strVal val="#ppt_y+.1"/>
+                                          </p:val>
+                                        </p:tav>
+                                        <p:tav tm="100000">
+                                          <p:val>
+                                            <p:strVal val="#ppt_y"/>
+                                          </p:val>
+                                        </p:tav>
+                                      </p:tavLst>
+                                    </p:anim>
+                                  </p:childTnLst>
+                                </p:cTn>
+                              </p:par>
+                            </p:childTnLst>
+                          </p:cTn>
+                        </p:par>
+                      </p:childTnLst>
+                    </p:cTn>
+                  </p:par>
+                </p:childTnLst>
+              </p:cTn>
+              <p:prevCondLst>
+                <p:cond evt="onPrev" delay="0">
+                  <p:tgtEl>
+                    <p:sldTgt/>
+                  </p:tgtEl>
+                </p:cond>
+              </p:prevCondLst>
+              <p:nextCondLst>
+                <p:cond evt="onNext" delay="0">
+                  <p:tgtEl>
+                    <p:sldTgt/>
+                  </p:tgtEl>
+                </p:cond>
+              </p:nextCondLst>
+            </p:seq>
+          </p:childTnLst>
+        </p:cTn>
+      </p:par>
+    </p:tnLst>
+  </p:timing>
+</p:sld>
+</file>
+
+<file path=ppt/slides/slide5.xml><?xml version="1.0" encoding="utf-8"?>
+<p:sld xmlns:a="http://schemas.openxmlformats.org/drawingml/2006/main" xmlns:r="http://schemas.openxmlformats.org/officeDocument/2006/relationships" xmlns:p="http://schemas.openxmlformats.org/presentationml/2006/main">
+  <p:cSld>
+    <p:spTree>
+      <p:nvGrpSpPr>
+        <p:cNvPr id="1" name=""/>
+        <p:cNvGrpSpPr/>
+        <p:nvPr/>
+      </p:nvGrpSpPr>
+      <p:grpSpPr>
+        <a:xfrm>
+          <a:off x="0" y="0"/>
+          <a:ext cx="0" cy="0"/>
+          <a:chOff x="0" y="0"/>
+          <a:chExt cx="0" cy="0"/>
+        </a:xfrm>
+      </p:grpSpPr>
+      <p:sp>
+        <p:nvSpPr>
+          <p:cNvPr id="2" name="Cím 1">
+            <a:extLst>
+              <a:ext uri="{FF2B5EF4-FFF2-40B4-BE49-F238E27FC236}">
+                <a16:creationId xmlns:a16="http://schemas.microsoft.com/office/drawing/2014/main" id="{98D1B9BB-681D-47CF-8AE5-723D208639BC}"/>
+              </a:ext>
+            </a:extLst>
+          </p:cNvPr>
+          <p:cNvSpPr>
+            <a:spLocks noGrp="1"/>
+          </p:cNvSpPr>
+          <p:nvPr>
+            <p:ph type="title"/>
+          </p:nvPr>
+        </p:nvSpPr>
+        <p:spPr/>
+        <p:txBody>
+          <a:bodyPr/>
+          <a:lstStyle/>
+          <a:p>
+            <a:r>
+              <a:rPr lang="hu-HU" dirty="0" err="1"/>
+              <a:t>Database</a:t>
+            </a:r>
+            <a:r>
+              <a:rPr lang="hu-HU" dirty="0"/>
+              <a:t> - </a:t>
+            </a:r>
+            <a:r>
+              <a:rPr lang="hu-HU" dirty="0" err="1"/>
+              <a:t>MySQL</a:t>
+            </a:r>
+            <a:endParaRPr lang="hu-HU" dirty="0"/>
+          </a:p>
+        </p:txBody>
+      </p:sp>
+      <p:sp>
+        <p:nvSpPr>
+          <p:cNvPr id="3" name="Tartalom helye 2">
+            <a:extLst>
+              <a:ext uri="{FF2B5EF4-FFF2-40B4-BE49-F238E27FC236}">
+                <a16:creationId xmlns:a16="http://schemas.microsoft.com/office/drawing/2014/main" id="{4A13AFA5-CF2D-43E3-9C25-B445F2F0EFE4}"/>
+              </a:ext>
+            </a:extLst>
+          </p:cNvPr>
+          <p:cNvSpPr>
+            <a:spLocks noGrp="1"/>
+          </p:cNvSpPr>
+          <p:nvPr>
+            <p:ph idx="1"/>
+          </p:nvPr>
+        </p:nvSpPr>
+        <p:spPr/>
+        <p:txBody>
+          <a:bodyPr/>
+          <a:lstStyle/>
+          <a:p>
+            <a:endParaRPr lang="hu-HU"/>
+          </a:p>
+        </p:txBody>
+      </p:sp>
+      <p:sp>
+        <p:nvSpPr>
+          <p:cNvPr id="4" name="Szöveg helye 3">
+            <a:extLst>
+              <a:ext uri="{FF2B5EF4-FFF2-40B4-BE49-F238E27FC236}">
+                <a16:creationId xmlns:a16="http://schemas.microsoft.com/office/drawing/2014/main" id="{BEA05938-4D5C-42A4-9C26-31D5E3213053}"/>
+              </a:ext>
+            </a:extLst>
+          </p:cNvPr>
+          <p:cNvSpPr>
+            <a:spLocks noGrp="1"/>
+          </p:cNvSpPr>
+          <p:nvPr>
+            <p:ph type="body" sz="half" idx="2"/>
+          </p:nvPr>
+        </p:nvSpPr>
+        <p:spPr/>
+        <p:txBody>
+          <a:bodyPr/>
+          <a:lstStyle/>
+          <a:p>
+            <a:r>
+              <a:rPr lang="hu-HU" dirty="0" err="1"/>
+              <a:t>phpMyAdmin</a:t>
+            </a:r>
+            <a:endParaRPr lang="hu-HU" dirty="0"/>
+          </a:p>
+        </p:txBody>
+      </p:sp>
+      <p:pic>
+        <p:nvPicPr>
+          <p:cNvPr id="5" name="Kép 4">
+            <a:extLst>
+              <a:ext uri="{FF2B5EF4-FFF2-40B4-BE49-F238E27FC236}">
+                <a16:creationId xmlns:a16="http://schemas.microsoft.com/office/drawing/2014/main" id="{F679897E-6759-499F-8EE6-3F8EAB84A60E}"/>
+              </a:ext>
+            </a:extLst>
+          </p:cNvPr>
+          <p:cNvPicPr>
+            <a:picLocks noChangeAspect="1"/>
+          </p:cNvPicPr>
+          <p:nvPr/>
+        </p:nvPicPr>
+        <p:blipFill>
+          <a:blip r:embed="rId2"/>
+          <a:stretch>
+            <a:fillRect/>
+          </a:stretch>
+        </p:blipFill>
+        <p:spPr>
+          <a:xfrm>
+            <a:off x="5606717" y="1555262"/>
+            <a:ext cx="5538924" cy="3278554"/>
+          </a:xfrm>
+          <a:prstGeom prst="rect">
+            <a:avLst/>
+          </a:prstGeom>
+        </p:spPr>
+      </p:pic>
+    </p:spTree>
+    <p:extLst>
+      <p:ext uri="{BB962C8B-B14F-4D97-AF65-F5344CB8AC3E}">
+        <p14:creationId xmlns:p14="http://schemas.microsoft.com/office/powerpoint/2010/main" val="1927818877"/>
+      </p:ext>
+    </p:extLst>
+  </p:cSld>
+  <p:clrMapOvr>
+    <a:masterClrMapping/>
+  </p:clrMapOvr>
+  <p:transition spd="slow">
+    <p:push dir="u"/>
+  </p:transition>
+</p:sld>
+</file>
+
+<file path=ppt/slides/slide6.xml><?xml version="1.0" encoding="utf-8"?>
+<p:sld xmlns:a="http://schemas.openxmlformats.org/drawingml/2006/main" xmlns:r="http://schemas.openxmlformats.org/officeDocument/2006/relationships" xmlns:p="http://schemas.openxmlformats.org/presentationml/2006/main">
+  <p:cSld>
+    <p:spTree>
+      <p:nvGrpSpPr>
+        <p:cNvPr id="1" name=""/>
+        <p:cNvGrpSpPr/>
+        <p:nvPr/>
+      </p:nvGrpSpPr>
+      <p:grpSpPr>
+        <a:xfrm>
+          <a:off x="0" y="0"/>
+          <a:ext cx="0" cy="0"/>
+          <a:chOff x="0" y="0"/>
+          <a:chExt cx="0" cy="0"/>
+        </a:xfrm>
+      </p:grpSpPr>
+      <p:sp>
+        <p:nvSpPr>
+          <p:cNvPr id="2" name="Cím 1">
+            <a:extLst>
+              <a:ext uri="{FF2B5EF4-FFF2-40B4-BE49-F238E27FC236}">
+                <a16:creationId xmlns:a16="http://schemas.microsoft.com/office/drawing/2014/main" id="{7BDB387A-5B30-4D6F-9C3A-ED66420BE796}"/>
+              </a:ext>
+            </a:extLst>
+          </p:cNvPr>
+          <p:cNvSpPr>
+            <a:spLocks noGrp="1"/>
+          </p:cNvSpPr>
+          <p:nvPr>
+            <p:ph type="title"/>
+          </p:nvPr>
+        </p:nvSpPr>
+        <p:spPr/>
+        <p:txBody>
+          <a:bodyPr/>
+          <a:lstStyle/>
+          <a:p>
+            <a:r>
+              <a:rPr lang="hu-HU" dirty="0"/>
+              <a:t>Frontend</a:t>
+            </a:r>
+          </a:p>
+        </p:txBody>
+      </p:sp>
+      <p:sp>
+        <p:nvSpPr>
+          <p:cNvPr id="3" name="Kép helye 2">
+            <a:extLst>
+              <a:ext uri="{FF2B5EF4-FFF2-40B4-BE49-F238E27FC236}">
+                <a16:creationId xmlns:a16="http://schemas.microsoft.com/office/drawing/2014/main" id="{D0E72608-D628-48C0-A876-AE4E60D43920}"/>
+              </a:ext>
+            </a:extLst>
+          </p:cNvPr>
+          <p:cNvSpPr>
+            <a:spLocks noGrp="1"/>
+          </p:cNvSpPr>
+          <p:nvPr>
+            <p:ph type="pic" idx="1"/>
+          </p:nvPr>
+        </p:nvSpPr>
+        <p:spPr/>
+      </p:sp>
+      <p:sp>
+        <p:nvSpPr>
+          <p:cNvPr id="4" name="Szöveg helye 3">
+            <a:extLst>
+              <a:ext uri="{FF2B5EF4-FFF2-40B4-BE49-F238E27FC236}">
+                <a16:creationId xmlns:a16="http://schemas.microsoft.com/office/drawing/2014/main" id="{A5F204EB-FD4C-4DC9-B519-3D67521A3F1A}"/>
+              </a:ext>
+            </a:extLst>
+          </p:cNvPr>
+          <p:cNvSpPr>
+            <a:spLocks noGrp="1"/>
+          </p:cNvSpPr>
+          <p:nvPr>
+            <p:ph type="body" sz="half" idx="2"/>
+          </p:nvPr>
+        </p:nvSpPr>
+        <p:spPr/>
+        <p:txBody>
+          <a:bodyPr/>
+          <a:lstStyle/>
+          <a:p>
+            <a:r>
+              <a:rPr lang="hu-HU" dirty="0"/>
+              <a:t>HTML </a:t>
+            </a:r>
+            <a:br>
+              <a:rPr lang="hu-HU" dirty="0"/>
+            </a:br>
+            <a:r>
+              <a:rPr lang="hu-HU" dirty="0"/>
+              <a:t>JS</a:t>
+            </a:r>
+            <a:br>
+              <a:rPr lang="hu-HU" dirty="0"/>
+            </a:br>
+            <a:r>
+              <a:rPr lang="hu-HU" dirty="0"/>
+              <a:t>CSS</a:t>
+            </a:r>
+            <a:br>
+              <a:rPr lang="hu-HU" dirty="0"/>
+            </a:br>
+            <a:r>
+              <a:rPr lang="hu-HU" dirty="0" err="1"/>
+              <a:t>Bootstrap</a:t>
+            </a:r>
+            <a:endParaRPr lang="hu-HU" dirty="0"/>
+          </a:p>
+        </p:txBody>
+      </p:sp>
+      <p:pic>
+        <p:nvPicPr>
+          <p:cNvPr id="5" name="Kép 4">
+            <a:extLst>
+              <a:ext uri="{FF2B5EF4-FFF2-40B4-BE49-F238E27FC236}">
+                <a16:creationId xmlns:a16="http://schemas.microsoft.com/office/drawing/2014/main" id="{B5CE20DB-5835-4FE8-A3FE-5BE7C05219B1}"/>
+              </a:ext>
+            </a:extLst>
+          </p:cNvPr>
+          <p:cNvPicPr>
+            <a:picLocks noChangeAspect="1"/>
+          </p:cNvPicPr>
+          <p:nvPr/>
+        </p:nvPicPr>
+        <p:blipFill>
+          <a:blip r:embed="rId2"/>
+          <a:stretch>
+            <a:fillRect/>
+          </a:stretch>
+        </p:blipFill>
+        <p:spPr>
+          <a:xfrm>
+            <a:off x="9775063" y="1270677"/>
+            <a:ext cx="2130438" cy="1929619"/>
+          </a:xfrm>
+          <a:prstGeom prst="rect">
+            <a:avLst/>
+          </a:prstGeom>
+        </p:spPr>
+      </p:pic>
+      <p:pic>
+        <p:nvPicPr>
+          <p:cNvPr id="6" name="Kép 5">
+            <a:extLst>
+              <a:ext uri="{FF2B5EF4-FFF2-40B4-BE49-F238E27FC236}">
+                <a16:creationId xmlns:a16="http://schemas.microsoft.com/office/drawing/2014/main" id="{D85061AF-CFAB-441D-9040-45E547733DD9}"/>
+              </a:ext>
+            </a:extLst>
+          </p:cNvPr>
+          <p:cNvPicPr>
+            <a:picLocks noChangeAspect="1"/>
+          </p:cNvPicPr>
+          <p:nvPr/>
+        </p:nvPicPr>
+        <p:blipFill>
+          <a:blip r:embed="rId3"/>
+          <a:stretch>
+            <a:fillRect/>
+          </a:stretch>
+        </p:blipFill>
+        <p:spPr>
+          <a:xfrm>
+            <a:off x="9775062" y="3741099"/>
+            <a:ext cx="2130438" cy="2300193"/>
+          </a:xfrm>
+          <a:prstGeom prst="rect">
+            <a:avLst/>
+          </a:prstGeom>
+        </p:spPr>
+      </p:pic>
+      <p:pic>
+        <p:nvPicPr>
+          <p:cNvPr id="9" name="Kép 8">
+            <a:extLst>
+              <a:ext uri="{FF2B5EF4-FFF2-40B4-BE49-F238E27FC236}">
+                <a16:creationId xmlns:a16="http://schemas.microsoft.com/office/drawing/2014/main" id="{D01A7C84-B05C-4FF9-BE01-36F08DD3E0AD}"/>
+              </a:ext>
+            </a:extLst>
+          </p:cNvPr>
+          <p:cNvPicPr>
+            <a:picLocks noChangeAspect="1"/>
+          </p:cNvPicPr>
+          <p:nvPr/>
+        </p:nvPicPr>
+        <p:blipFill>
+          <a:blip r:embed="rId4"/>
+          <a:stretch>
+            <a:fillRect/>
+          </a:stretch>
+        </p:blipFill>
+        <p:spPr>
+          <a:xfrm>
+            <a:off x="5236921" y="947615"/>
+            <a:ext cx="1655689" cy="5419969"/>
+          </a:xfrm>
+          <a:prstGeom prst="rect">
+            <a:avLst/>
+          </a:prstGeom>
+        </p:spPr>
+      </p:pic>
+      <p:pic>
+        <p:nvPicPr>
+          <p:cNvPr id="10" name="Kép 9">
+            <a:extLst>
+              <a:ext uri="{FF2B5EF4-FFF2-40B4-BE49-F238E27FC236}">
+                <a16:creationId xmlns:a16="http://schemas.microsoft.com/office/drawing/2014/main" id="{C7544E5C-CF61-4DF3-A7F3-ADE4F818E608}"/>
+              </a:ext>
+            </a:extLst>
+          </p:cNvPr>
+          <p:cNvPicPr>
+            <a:picLocks noChangeAspect="1"/>
+          </p:cNvPicPr>
+          <p:nvPr/>
+        </p:nvPicPr>
+        <p:blipFill>
+          <a:blip r:embed="rId5"/>
+          <a:stretch>
+            <a:fillRect/>
+          </a:stretch>
+        </p:blipFill>
+        <p:spPr>
+          <a:xfrm>
+            <a:off x="7109442" y="1270677"/>
+            <a:ext cx="2381582" cy="1552792"/>
+          </a:xfrm>
+          <a:prstGeom prst="rect">
+            <a:avLst/>
+          </a:prstGeom>
+        </p:spPr>
+      </p:pic>
+    </p:spTree>
+    <p:extLst>
+      <p:ext uri="{BB962C8B-B14F-4D97-AF65-F5344CB8AC3E}">
+        <p14:creationId xmlns:p14="http://schemas.microsoft.com/office/powerpoint/2010/main" val="1063697287"/>
+      </p:ext>
+    </p:extLst>
+  </p:cSld>
+  <p:clrMapOvr>
+    <a:masterClrMapping/>
+  </p:clrMapOvr>
+  <p:transition spd="slow">
+    <p:push dir="u"/>
+  </p:transition>
+</p:sld>
+</file>
+
+<file path=ppt/slides/slide7.xml><?xml version="1.0" encoding="utf-8"?>
+<p:sld xmlns:a="http://schemas.openxmlformats.org/drawingml/2006/main" xmlns:r="http://schemas.openxmlformats.org/officeDocument/2006/relationships" xmlns:p="http://schemas.openxmlformats.org/presentationml/2006/main">
+  <p:cSld>
+    <p:spTree>
+      <p:nvGrpSpPr>
+        <p:cNvPr id="1" name=""/>
+        <p:cNvGrpSpPr/>
+        <p:nvPr/>
+      </p:nvGrpSpPr>
+      <p:grpSpPr>
+        <a:xfrm>
+          <a:off x="0" y="0"/>
+          <a:ext cx="0" cy="0"/>
+          <a:chOff x="0" y="0"/>
+          <a:chExt cx="0" cy="0"/>
+        </a:xfrm>
+      </p:grpSpPr>
+      <p:sp>
+        <p:nvSpPr>
+          <p:cNvPr id="2" name="Cím 1">
+            <a:extLst>
+              <a:ext uri="{FF2B5EF4-FFF2-40B4-BE49-F238E27FC236}">
+                <a16:creationId xmlns:a16="http://schemas.microsoft.com/office/drawing/2014/main" id="{D87403FE-8600-4329-AD7B-DC80C5FE9603}"/>
+              </a:ext>
+            </a:extLst>
+          </p:cNvPr>
+          <p:cNvSpPr>
+            <a:spLocks noGrp="1"/>
+          </p:cNvSpPr>
+          <p:nvPr>
+            <p:ph type="title"/>
+          </p:nvPr>
+        </p:nvSpPr>
+        <p:spPr/>
+        <p:txBody>
+          <a:bodyPr/>
+          <a:lstStyle/>
+          <a:p>
+            <a:r>
+              <a:rPr lang="hu-HU" dirty="0"/>
+              <a:t>Backend - PHP</a:t>
+            </a:r>
+          </a:p>
+        </p:txBody>
+      </p:sp>
+      <p:pic>
+        <p:nvPicPr>
+          <p:cNvPr id="8" name="Kép 7">
+            <a:extLst>
+              <a:ext uri="{FF2B5EF4-FFF2-40B4-BE49-F238E27FC236}">
+                <a16:creationId xmlns:a16="http://schemas.microsoft.com/office/drawing/2014/main" id="{4116A8EC-C89F-42F8-B52D-8FC351BFAE46}"/>
+              </a:ext>
+            </a:extLst>
+          </p:cNvPr>
+          <p:cNvPicPr>
+            <a:picLocks noChangeAspect="1"/>
+          </p:cNvPicPr>
+          <p:nvPr/>
+        </p:nvPicPr>
+        <p:blipFill>
+          <a:blip r:embed="rId2"/>
+          <a:stretch>
+            <a:fillRect/>
+          </a:stretch>
+        </p:blipFill>
+        <p:spPr>
+          <a:xfrm>
+            <a:off x="1154953" y="2748736"/>
+            <a:ext cx="1962424" cy="285790"/>
+          </a:xfrm>
+          <a:prstGeom prst="rect">
+            <a:avLst/>
+          </a:prstGeom>
+        </p:spPr>
+      </p:pic>
+      <p:sp>
+        <p:nvSpPr>
+          <p:cNvPr id="3" name="Szöveg helye 2">
+            <a:extLst>
+              <a:ext uri="{FF2B5EF4-FFF2-40B4-BE49-F238E27FC236}">
+                <a16:creationId xmlns:a16="http://schemas.microsoft.com/office/drawing/2014/main" id="{92B67D1D-2917-4041-A6D5-015F6DA22060}"/>
+              </a:ext>
+            </a:extLst>
+          </p:cNvPr>
+          <p:cNvSpPr>
+            <a:spLocks noGrp="1"/>
+          </p:cNvSpPr>
+          <p:nvPr>
+            <p:ph type="body" idx="1"/>
+          </p:nvPr>
+        </p:nvSpPr>
+        <p:spPr/>
+        <p:txBody>
+          <a:bodyPr/>
+          <a:lstStyle/>
+          <a:p>
+            <a:endParaRPr lang="hu-HU" dirty="0"/>
+          </a:p>
+          <a:p>
+            <a:endParaRPr lang="hu-HU" dirty="0"/>
+          </a:p>
+        </p:txBody>
+      </p:sp>
+      <p:pic>
+        <p:nvPicPr>
+          <p:cNvPr id="10" name="Tartalom helye 9">
+            <a:extLst>
+              <a:ext uri="{FF2B5EF4-FFF2-40B4-BE49-F238E27FC236}">
+                <a16:creationId xmlns:a16="http://schemas.microsoft.com/office/drawing/2014/main" id="{278C73AC-2A09-4282-9E1A-E1CAF6E33F61}"/>
+              </a:ext>
+            </a:extLst>
+          </p:cNvPr>
+          <p:cNvPicPr>
+            <a:picLocks noGrp="1" noChangeAspect="1"/>
+          </p:cNvPicPr>
+          <p:nvPr>
+            <p:ph sz="half" idx="2"/>
+          </p:nvPr>
+        </p:nvPicPr>
+        <p:blipFill>
+          <a:blip r:embed="rId3"/>
+          <a:stretch>
+            <a:fillRect/>
+          </a:stretch>
+        </p:blipFill>
+        <p:spPr>
+          <a:xfrm>
+            <a:off x="1372692" y="3179763"/>
+            <a:ext cx="4390429" cy="2840037"/>
+          </a:xfrm>
+        </p:spPr>
+      </p:pic>
+      <p:sp>
+        <p:nvSpPr>
+          <p:cNvPr id="5" name="Szöveg helye 4">
+            <a:extLst>
+              <a:ext uri="{FF2B5EF4-FFF2-40B4-BE49-F238E27FC236}">
+                <a16:creationId xmlns:a16="http://schemas.microsoft.com/office/drawing/2014/main" id="{EA9C78B3-E27B-4E1C-8976-A81A4027883F}"/>
+              </a:ext>
+            </a:extLst>
+          </p:cNvPr>
+          <p:cNvSpPr>
+            <a:spLocks noGrp="1"/>
+          </p:cNvSpPr>
+          <p:nvPr>
+            <p:ph type="body" sz="quarter" idx="3"/>
+          </p:nvPr>
+        </p:nvSpPr>
+        <p:spPr/>
+        <p:txBody>
+          <a:bodyPr/>
+          <a:lstStyle/>
+          <a:p>
+            <a:endParaRPr lang="hu-HU" dirty="0"/>
+          </a:p>
+          <a:p>
+            <a:endParaRPr lang="hu-HU" dirty="0"/>
+          </a:p>
+        </p:txBody>
+      </p:sp>
+      <p:pic>
+        <p:nvPicPr>
+          <p:cNvPr id="15" name="Tartalom helye 14">
+            <a:extLst>
+              <a:ext uri="{FF2B5EF4-FFF2-40B4-BE49-F238E27FC236}">
+                <a16:creationId xmlns:a16="http://schemas.microsoft.com/office/drawing/2014/main" id="{4D9A618A-571B-4B4B-8328-0F76FD2904DE}"/>
+              </a:ext>
+            </a:extLst>
+          </p:cNvPr>
+          <p:cNvPicPr>
+            <a:picLocks noGrp="1" noChangeAspect="1"/>
+          </p:cNvPicPr>
+          <p:nvPr>
+            <p:ph sz="quarter" idx="4"/>
+          </p:nvPr>
+        </p:nvPicPr>
+        <p:blipFill>
+          <a:blip r:embed="rId4"/>
+          <a:stretch>
+            <a:fillRect/>
+          </a:stretch>
+        </p:blipFill>
+        <p:spPr>
+          <a:xfrm>
+            <a:off x="6488435" y="3179763"/>
+            <a:ext cx="4264968" cy="2840037"/>
+          </a:xfrm>
+        </p:spPr>
+      </p:pic>
+      <p:pic>
+        <p:nvPicPr>
+          <p:cNvPr id="12" name="Kép 11">
+            <a:extLst>
+              <a:ext uri="{FF2B5EF4-FFF2-40B4-BE49-F238E27FC236}">
+                <a16:creationId xmlns:a16="http://schemas.microsoft.com/office/drawing/2014/main" id="{52E67FC5-F6CD-4D3B-B1F8-0F4C98418CE0}"/>
+              </a:ext>
+            </a:extLst>
+          </p:cNvPr>
+          <p:cNvPicPr>
+            <a:picLocks noChangeAspect="1"/>
+          </p:cNvPicPr>
+          <p:nvPr/>
+        </p:nvPicPr>
+        <p:blipFill>
+          <a:blip r:embed="rId5"/>
+          <a:stretch>
+            <a:fillRect/>
+          </a:stretch>
+        </p:blipFill>
+        <p:spPr>
+          <a:xfrm>
+            <a:off x="6211113" y="2891631"/>
+            <a:ext cx="2076740" cy="238158"/>
+          </a:xfrm>
+          <a:prstGeom prst="rect">
+            <a:avLst/>
+          </a:prstGeom>
+        </p:spPr>
+      </p:pic>
+    </p:spTree>
+    <p:extLst>
+      <p:ext uri="{BB962C8B-B14F-4D97-AF65-F5344CB8AC3E}">
+        <p14:creationId xmlns:p14="http://schemas.microsoft.com/office/powerpoint/2010/main" val="269002221"/>
+      </p:ext>
+    </p:extLst>
+  </p:cSld>
+  <p:clrMapOvr>
+    <a:masterClrMapping/>
+  </p:clrMapOvr>
+  <p:transition spd="slow">
+    <p:push dir="u"/>
+  </p:transition>
+</p:sld>
+</file>
+
+<file path=ppt/slides/slide8.xml><?xml version="1.0" encoding="utf-8"?>
+<p:sld xmlns:a="http://schemas.openxmlformats.org/drawingml/2006/main" xmlns:r="http://schemas.openxmlformats.org/officeDocument/2006/relationships" xmlns:p="http://schemas.openxmlformats.org/presentationml/2006/main">
+  <p:cSld>
+    <p:spTree>
+      <p:nvGrpSpPr>
+        <p:cNvPr id="1" name=""/>
+        <p:cNvGrpSpPr/>
+        <p:nvPr/>
+      </p:nvGrpSpPr>
+      <p:grpSpPr>
+        <a:xfrm>
+          <a:off x="0" y="0"/>
+          <a:ext cx="0" cy="0"/>
+          <a:chOff x="0" y="0"/>
+          <a:chExt cx="0" cy="0"/>
+        </a:xfrm>
+      </p:grpSpPr>
+      <p:sp>
+        <p:nvSpPr>
+          <p:cNvPr id="2" name="Cím 1">
+            <a:extLst>
+              <a:ext uri="{FF2B5EF4-FFF2-40B4-BE49-F238E27FC236}">
+                <a16:creationId xmlns:a16="http://schemas.microsoft.com/office/drawing/2014/main" id="{1DCC4355-B35E-47D0-A455-449600CD0AE3}"/>
+              </a:ext>
+            </a:extLst>
+          </p:cNvPr>
+          <p:cNvSpPr>
+            <a:spLocks noGrp="1"/>
+          </p:cNvSpPr>
+          <p:nvPr>
+            <p:ph type="title"/>
+          </p:nvPr>
+        </p:nvSpPr>
+        <p:spPr/>
+        <p:txBody>
+          <a:bodyPr/>
+          <a:lstStyle/>
+          <a:p>
+            <a:r>
+              <a:rPr lang="hu-HU" dirty="0" err="1"/>
+              <a:t>Reszponzivitás</a:t>
+            </a:r>
+            <a:endParaRPr lang="hu-HU" dirty="0"/>
+          </a:p>
+        </p:txBody>
+      </p:sp>
+      <p:sp>
+        <p:nvSpPr>
+          <p:cNvPr id="3" name="Szöveg helye 2">
+            <a:extLst>
+              <a:ext uri="{FF2B5EF4-FFF2-40B4-BE49-F238E27FC236}">
+                <a16:creationId xmlns:a16="http://schemas.microsoft.com/office/drawing/2014/main" id="{7DE4A420-A43F-4DD4-BE7D-640C6080D8BF}"/>
+              </a:ext>
+            </a:extLst>
+          </p:cNvPr>
+          <p:cNvSpPr>
+            <a:spLocks noGrp="1"/>
+          </p:cNvSpPr>
+          <p:nvPr>
+            <p:ph type="body" idx="1"/>
+          </p:nvPr>
+        </p:nvSpPr>
+        <p:spPr/>
+        <p:txBody>
+          <a:bodyPr/>
+          <a:lstStyle/>
+          <a:p>
+            <a:r>
+              <a:rPr lang="hu-HU" dirty="0" err="1"/>
+              <a:t>Iphone</a:t>
+            </a:r>
+            <a:r>
+              <a:rPr lang="hu-HU" dirty="0"/>
+              <a:t> 14 Pro Max (</a:t>
+            </a:r>
+            <a:r>
+              <a:rPr lang="hu-HU" dirty="0" err="1"/>
+              <a:t>or</a:t>
+            </a:r>
+            <a:r>
+              <a:rPr lang="hu-HU" dirty="0"/>
+              <a:t> </a:t>
+            </a:r>
+            <a:r>
+              <a:rPr lang="hu-HU" dirty="0" err="1"/>
+              <a:t>any</a:t>
+            </a:r>
+            <a:r>
+              <a:rPr lang="hu-HU" dirty="0"/>
+              <a:t> mobile)</a:t>
+            </a:r>
+          </a:p>
+        </p:txBody>
+      </p:sp>
+      <p:pic>
+        <p:nvPicPr>
+          <p:cNvPr id="8" name="Tartalom helye 7">
+            <a:extLst>
+              <a:ext uri="{FF2B5EF4-FFF2-40B4-BE49-F238E27FC236}">
+                <a16:creationId xmlns:a16="http://schemas.microsoft.com/office/drawing/2014/main" id="{5CD10783-9D12-4B62-80D9-443331B78897}"/>
+              </a:ext>
+            </a:extLst>
+          </p:cNvPr>
+          <p:cNvPicPr>
+            <a:picLocks noGrp="1" noChangeAspect="1"/>
+          </p:cNvPicPr>
+          <p:nvPr>
+            <p:ph sz="half" idx="2"/>
+          </p:nvPr>
+        </p:nvPicPr>
+        <p:blipFill>
+          <a:blip r:embed="rId2"/>
+          <a:stretch>
+            <a:fillRect/>
+          </a:stretch>
+        </p:blipFill>
+        <p:spPr>
+          <a:xfrm>
+            <a:off x="2876975" y="3278823"/>
+            <a:ext cx="1381114" cy="2840037"/>
+          </a:xfrm>
+        </p:spPr>
+      </p:pic>
+      <p:sp>
+        <p:nvSpPr>
+          <p:cNvPr id="5" name="Szöveg helye 4">
+            <a:extLst>
+              <a:ext uri="{FF2B5EF4-FFF2-40B4-BE49-F238E27FC236}">
+                <a16:creationId xmlns:a16="http://schemas.microsoft.com/office/drawing/2014/main" id="{908DB2BC-704F-4B8E-BA1C-0399F9DC276C}"/>
+              </a:ext>
+            </a:extLst>
+          </p:cNvPr>
+          <p:cNvSpPr>
+            <a:spLocks noGrp="1"/>
+          </p:cNvSpPr>
+          <p:nvPr>
+            <p:ph type="body" sz="quarter" idx="3"/>
+          </p:nvPr>
+        </p:nvSpPr>
+        <p:spPr/>
+        <p:txBody>
+          <a:bodyPr/>
+          <a:lstStyle/>
+          <a:p>
+            <a:r>
+              <a:rPr lang="hu-HU" dirty="0"/>
+              <a:t>Ipad Pro (</a:t>
+            </a:r>
+            <a:r>
+              <a:rPr lang="hu-HU" dirty="0" err="1"/>
+              <a:t>or</a:t>
+            </a:r>
+            <a:r>
+              <a:rPr lang="hu-HU" dirty="0"/>
+              <a:t> </a:t>
+            </a:r>
+            <a:r>
+              <a:rPr lang="hu-HU" dirty="0" err="1"/>
+              <a:t>any</a:t>
+            </a:r>
+            <a:r>
+              <a:rPr lang="hu-HU" dirty="0"/>
+              <a:t> </a:t>
+            </a:r>
+            <a:r>
+              <a:rPr lang="hu-HU" dirty="0" err="1"/>
+              <a:t>bigger</a:t>
+            </a:r>
+            <a:r>
+              <a:rPr lang="hu-HU" dirty="0"/>
+              <a:t> </a:t>
+            </a:r>
+            <a:r>
+              <a:rPr lang="hu-HU" dirty="0" err="1"/>
+              <a:t>screen</a:t>
+            </a:r>
+            <a:r>
+              <a:rPr lang="hu-HU" dirty="0"/>
+              <a:t>)</a:t>
+            </a:r>
+          </a:p>
+        </p:txBody>
+      </p:sp>
+      <p:pic>
+        <p:nvPicPr>
+          <p:cNvPr id="10" name="Tartalom helye 9">
+            <a:extLst>
+              <a:ext uri="{FF2B5EF4-FFF2-40B4-BE49-F238E27FC236}">
+                <a16:creationId xmlns:a16="http://schemas.microsoft.com/office/drawing/2014/main" id="{6BF788DB-82D2-4FF5-9119-685BFB47A2FD}"/>
+              </a:ext>
+            </a:extLst>
+          </p:cNvPr>
+          <p:cNvPicPr>
+            <a:picLocks noGrp="1" noChangeAspect="1"/>
+          </p:cNvPicPr>
+          <p:nvPr>
+            <p:ph sz="quarter" idx="4"/>
+          </p:nvPr>
+        </p:nvPicPr>
+        <p:blipFill>
+          <a:blip r:embed="rId3"/>
+          <a:stretch>
+            <a:fillRect/>
+          </a:stretch>
+        </p:blipFill>
+        <p:spPr>
+          <a:xfrm>
+            <a:off x="7570477" y="3278823"/>
+            <a:ext cx="2101627" cy="2840037"/>
+          </a:xfrm>
+        </p:spPr>
+      </p:pic>
+    </p:spTree>
+    <p:extLst>
+      <p:ext uri="{BB962C8B-B14F-4D97-AF65-F5344CB8AC3E}">
+        <p14:creationId xmlns:p14="http://schemas.microsoft.com/office/powerpoint/2010/main" val="2220276412"/>
+      </p:ext>
+    </p:extLst>
+  </p:cSld>
+  <p:clrMapOvr>
+    <a:masterClrMapping/>
+  </p:clrMapOvr>
+  <p:transition spd="slow">
+    <p:push dir="u"/>
+  </p:transition>
+</p:sld>
+</file>
+
+<file path=ppt/slides/slide9.xml><?xml version="1.0" encoding="utf-8"?>
+<p:sld xmlns:a="http://schemas.openxmlformats.org/drawingml/2006/main" xmlns:r="http://schemas.openxmlformats.org/officeDocument/2006/relationships" xmlns:p="http://schemas.openxmlformats.org/presentationml/2006/main">
+  <p:cSld>
+    <p:spTree>
+      <p:nvGrpSpPr>
+        <p:cNvPr id="1" name=""/>
+        <p:cNvGrpSpPr/>
+        <p:nvPr/>
+      </p:nvGrpSpPr>
+      <p:grpSpPr>
+        <a:xfrm>
+          <a:off x="0" y="0"/>
+          <a:ext cx="0" cy="0"/>
+          <a:chOff x="0" y="0"/>
+          <a:chExt cx="0" cy="0"/>
+        </a:xfrm>
+      </p:grpSpPr>
+      <p:sp>
+        <p:nvSpPr>
+          <p:cNvPr id="2" name="Cím 1">
+            <a:extLst>
+              <a:ext uri="{FF2B5EF4-FFF2-40B4-BE49-F238E27FC236}">
+                <a16:creationId xmlns:a16="http://schemas.microsoft.com/office/drawing/2014/main" id="{0C02F4ED-2BFA-44B5-A0E0-8F55A654F1A2}"/>
+              </a:ext>
+            </a:extLst>
+          </p:cNvPr>
+          <p:cNvSpPr>
+            <a:spLocks noGrp="1"/>
+          </p:cNvSpPr>
+          <p:nvPr>
+            <p:ph type="title"/>
+          </p:nvPr>
+        </p:nvSpPr>
+        <p:spPr/>
+        <p:txBody>
+          <a:bodyPr/>
+          <a:lstStyle/>
+          <a:p>
+            <a:r>
+              <a:rPr lang="hu-HU" dirty="0"/>
+              <a:t>Csapatmunka</a:t>
+            </a:r>
+          </a:p>
+        </p:txBody>
+      </p:sp>
+      <p:pic>
+        <p:nvPicPr>
+          <p:cNvPr id="6" name="Tartalom helye 5">
+            <a:extLst>
+              <a:ext uri="{FF2B5EF4-FFF2-40B4-BE49-F238E27FC236}">
+                <a16:creationId xmlns:a16="http://schemas.microsoft.com/office/drawing/2014/main" id="{600CA2DA-FBDC-4104-A809-04FB79CA2FA3}"/>
+              </a:ext>
+            </a:extLst>
+          </p:cNvPr>
+          <p:cNvPicPr>
+            <a:picLocks noGrp="1" noChangeAspect="1"/>
+          </p:cNvPicPr>
+          <p:nvPr>
+            <p:ph idx="1"/>
+          </p:nvPr>
+        </p:nvPicPr>
+        <p:blipFill>
+          <a:blip r:embed="rId2"/>
+          <a:stretch>
+            <a:fillRect/>
+          </a:stretch>
+        </p:blipFill>
+        <p:spPr>
+          <a:xfrm>
+            <a:off x="4578603" y="243841"/>
+            <a:ext cx="3034794" cy="1703070"/>
+          </a:xfrm>
+        </p:spPr>
+      </p:pic>
+      <p:sp>
+        <p:nvSpPr>
+          <p:cNvPr id="4" name="Szöveg helye 3">
+            <a:extLst>
+              <a:ext uri="{FF2B5EF4-FFF2-40B4-BE49-F238E27FC236}">
+                <a16:creationId xmlns:a16="http://schemas.microsoft.com/office/drawing/2014/main" id="{ABD967CE-12FC-4A3D-B42A-063E961384AF}"/>
+              </a:ext>
+            </a:extLst>
+          </p:cNvPr>
+          <p:cNvSpPr>
+            <a:spLocks noGrp="1"/>
+          </p:cNvSpPr>
+          <p:nvPr>
+            <p:ph type="body" sz="half" idx="2"/>
+          </p:nvPr>
+        </p:nvSpPr>
+        <p:spPr/>
+        <p:txBody>
+          <a:bodyPr/>
+          <a:lstStyle/>
+          <a:p>
+            <a:pPr marL="285750" indent="-285750">
+              <a:buFont typeface="Wingdings" panose="05000000000000000000" pitchFamily="2" charset="2"/>
+              <a:buChar char="ü"/>
+            </a:pPr>
+            <a:r>
+              <a:rPr lang="hu-HU" dirty="0" err="1"/>
+              <a:t>Github</a:t>
+            </a:r>
+            <a:endParaRPr lang="hu-HU" dirty="0"/>
+          </a:p>
+          <a:p>
+            <a:pPr marL="285750" indent="-285750">
+              <a:buFont typeface="Wingdings" panose="05000000000000000000" pitchFamily="2" charset="2"/>
+              <a:buChar char="ü"/>
+            </a:pPr>
+            <a:r>
+              <a:rPr lang="hu-HU" dirty="0"/>
+              <a:t>Előre megtervezett  feladatok</a:t>
+            </a:r>
+          </a:p>
+          <a:p>
+            <a:pPr marL="285750" indent="-285750">
+              <a:buFont typeface="Wingdings" panose="05000000000000000000" pitchFamily="2" charset="2"/>
+              <a:buChar char="ü"/>
+            </a:pPr>
+            <a:r>
+              <a:rPr lang="hu-HU" dirty="0"/>
+              <a:t>Tiszta kód</a:t>
+            </a:r>
+          </a:p>
+        </p:txBody>
+      </p:sp>
+      <p:pic>
+        <p:nvPicPr>
+          <p:cNvPr id="8" name="Kép 7">
+            <a:extLst>
+              <a:ext uri="{FF2B5EF4-FFF2-40B4-BE49-F238E27FC236}">
+                <a16:creationId xmlns:a16="http://schemas.microsoft.com/office/drawing/2014/main" id="{E97EA85E-B1F1-4B1F-8D55-72D819F422AF}"/>
+              </a:ext>
+            </a:extLst>
+          </p:cNvPr>
+          <p:cNvPicPr>
+            <a:picLocks noChangeAspect="1"/>
+          </p:cNvPicPr>
+          <p:nvPr/>
+        </p:nvPicPr>
+        <p:blipFill>
+          <a:blip r:embed="rId3"/>
+          <a:stretch>
+            <a:fillRect/>
+          </a:stretch>
+        </p:blipFill>
+        <p:spPr>
+          <a:xfrm>
+            <a:off x="5866607" y="2142173"/>
+            <a:ext cx="4917597" cy="2768917"/>
+          </a:xfrm>
+          <a:prstGeom prst="rect">
+            <a:avLst/>
+          </a:prstGeom>
+        </p:spPr>
+      </p:pic>
+    </p:spTree>
+    <p:extLst>
+      <p:ext uri="{BB962C8B-B14F-4D97-AF65-F5344CB8AC3E}">
+        <p14:creationId xmlns:p14="http://schemas.microsoft.com/office/powerpoint/2010/main" val="125935594"/>
+      </p:ext>
+    </p:extLst>
+  </p:cSld>
+  <p:clrMapOvr>
+    <a:masterClrMapping/>
+  </p:clrMapOvr>
+  <p:transition spd="slow">
+    <p:push dir="u"/>
+  </p:transition>
 </p:sld>
 </file>
 

--- a/GypoWinery/GypoWinery.pptx
+++ b/GypoWinery/GypoWinery.pptx
@@ -462,7 +462,7 @@
             <a:fld id="{5923F103-BC34-4FE4-A40E-EDDEECFDA5D0}" type="datetimeFigureOut">
               <a:rPr lang="en-US" dirty="0"/>
               <a:pPr/>
-              <a:t>3/17/2025</a:t>
+              <a:t>3/21/2025</a:t>
             </a:fld>
             <a:endParaRPr lang="en-US" dirty="0"/>
           </a:p>
@@ -1546,7 +1546,7 @@
           <a:p>
             <a:fld id="{923A1CC3-2375-41D4-9E03-427CAF2A4C1A}" type="datetimeFigureOut">
               <a:rPr lang="en-US" dirty="0"/>
-              <a:t>3/17/2025</a:t>
+              <a:t>3/21/2025</a:t>
             </a:fld>
             <a:endParaRPr lang="en-US" dirty="0"/>
           </a:p>
@@ -2522,7 +2522,7 @@
           <a:p>
             <a:fld id="{AFF16868-8199-4C2C-A5B1-63AEE139F88E}" type="datetimeFigureOut">
               <a:rPr lang="en-US" dirty="0"/>
-              <a:t>3/17/2025</a:t>
+              <a:t>3/21/2025</a:t>
             </a:fld>
             <a:endParaRPr lang="en-US" dirty="0"/>
           </a:p>
@@ -3652,7 +3652,7 @@
           <a:p>
             <a:fld id="{AAD9FF7F-6988-44CC-821B-644E70CD2F73}" type="datetimeFigureOut">
               <a:rPr lang="en-US" dirty="0"/>
-              <a:t>3/17/2025</a:t>
+              <a:t>3/21/2025</a:t>
             </a:fld>
             <a:endParaRPr lang="en-US" dirty="0"/>
           </a:p>
@@ -4681,7 +4681,7 @@
           <a:p>
             <a:fld id="{5C12C299-16B2-4475-990D-751901EACC14}" type="datetimeFigureOut">
               <a:rPr lang="en-US" dirty="0"/>
-              <a:t>3/17/2025</a:t>
+              <a:t>3/21/2025</a:t>
             </a:fld>
             <a:endParaRPr lang="en-US" dirty="0"/>
           </a:p>
@@ -5337,7 +5337,7 @@
           <a:p>
             <a:fld id="{9FE86839-B9D8-4651-8783-F325ECE74E65}" type="datetimeFigureOut">
               <a:rPr lang="en-US" dirty="0"/>
-              <a:t>3/17/2025</a:t>
+              <a:t>3/21/2025</a:t>
             </a:fld>
             <a:endParaRPr lang="en-US" dirty="0"/>
           </a:p>
@@ -6194,7 +6194,7 @@
           <a:p>
             <a:fld id="{FD484F64-32F6-45C5-931F-ADC1662401D0}" type="datetimeFigureOut">
               <a:rPr lang="en-US" dirty="0"/>
-              <a:t>3/17/2025</a:t>
+              <a:t>3/21/2025</a:t>
             </a:fld>
             <a:endParaRPr lang="en-US" dirty="0"/>
           </a:p>
@@ -6380,7 +6380,7 @@
           <a:p>
             <a:fld id="{53086D93-FCAC-47E0-A2EE-787E62CA814C}" type="datetimeFigureOut">
               <a:rPr lang="en-US" dirty="0"/>
-              <a:t>3/17/2025</a:t>
+              <a:t>3/21/2025</a:t>
             </a:fld>
             <a:endParaRPr lang="en-US" dirty="0"/>
           </a:p>
@@ -7348,7 +7348,7 @@
           <a:p>
             <a:fld id="{CDA879A6-0FD0-4734-A311-86BFCA472E6E}" type="datetimeFigureOut">
               <a:rPr lang="en-US" dirty="0"/>
-              <a:t>3/17/2025</a:t>
+              <a:t>3/21/2025</a:t>
             </a:fld>
             <a:endParaRPr lang="en-US" dirty="0"/>
           </a:p>
@@ -7555,7 +7555,7 @@
           <a:p>
             <a:fld id="{19C9CA7B-DFD4-44B5-8C60-D14B8CD1FB59}" type="datetimeFigureOut">
               <a:rPr lang="en-US" dirty="0"/>
-              <a:t>3/17/2025</a:t>
+              <a:t>3/21/2025</a:t>
             </a:fld>
             <a:endParaRPr lang="en-US" dirty="0"/>
           </a:p>
@@ -8585,7 +8585,7 @@
           <a:p>
             <a:fld id="{F34E6425-0181-43F2-84FC-787E803FD2F8}" type="datetimeFigureOut">
               <a:rPr lang="en-US" dirty="0"/>
-              <a:t>3/17/2025</a:t>
+              <a:t>3/21/2025</a:t>
             </a:fld>
             <a:endParaRPr lang="en-US" dirty="0"/>
           </a:p>
@@ -8853,7 +8853,7 @@
           <a:p>
             <a:fld id="{3BDB8791-F1B0-41E7-B7FD-A781E65C4266}" type="datetimeFigureOut">
               <a:rPr lang="en-US" dirty="0"/>
-              <a:t>3/17/2025</a:t>
+              <a:t>3/21/2025</a:t>
             </a:fld>
             <a:endParaRPr lang="en-US" dirty="0"/>
           </a:p>
@@ -9259,7 +9259,7 @@
           <a:p>
             <a:fld id="{5FDD63B2-E120-4ED8-B27B-C685F510A5FE}" type="datetimeFigureOut">
               <a:rPr lang="en-US" dirty="0"/>
-              <a:t>3/17/2025</a:t>
+              <a:t>3/21/2025</a:t>
             </a:fld>
             <a:endParaRPr lang="en-US" dirty="0"/>
           </a:p>
@@ -9382,7 +9382,7 @@
           <a:p>
             <a:fld id="{7AA18ACC-A947-437B-A130-35BD54FDF1E9}" type="datetimeFigureOut">
               <a:rPr lang="en-US" dirty="0"/>
-              <a:t>3/17/2025</a:t>
+              <a:t>3/21/2025</a:t>
             </a:fld>
             <a:endParaRPr lang="en-US" dirty="0"/>
           </a:p>
@@ -9473,7 +9473,7 @@
           <a:p>
             <a:fld id="{7C8D7E02-BCB8-4D50-A234-369438C08659}" type="datetimeFigureOut">
               <a:rPr lang="en-US" dirty="0"/>
-              <a:t>3/17/2025</a:t>
+              <a:t>3/21/2025</a:t>
             </a:fld>
             <a:endParaRPr lang="en-US" dirty="0"/>
           </a:p>
@@ -10550,7 +10550,7 @@
           <a:p>
             <a:fld id="{76E86A4C-8E40-4F87-A4F0-01A0687C5742}" type="datetimeFigureOut">
               <a:rPr lang="en-US" dirty="0"/>
-              <a:t>3/17/2025</a:t>
+              <a:t>3/21/2025</a:t>
             </a:fld>
             <a:endParaRPr lang="en-US" dirty="0"/>
           </a:p>
@@ -11654,7 +11654,7 @@
           <a:p>
             <a:fld id="{35E72C73-2D91-4E12-BA25-F0AA0C03599B}" type="datetimeFigureOut">
               <a:rPr lang="en-US" dirty="0"/>
-              <a:t>3/17/2025</a:t>
+              <a:t>3/21/2025</a:t>
             </a:fld>
             <a:endParaRPr lang="en-US" dirty="0"/>
           </a:p>
@@ -12647,7 +12647,7 @@
           <a:p>
             <a:fld id="{2BE451C3-0FF4-47C4-B829-773ADF60F88C}" type="datetimeFigureOut">
               <a:rPr lang="en-US" dirty="0"/>
-              <a:t>3/17/2025</a:t>
+              <a:t>3/21/2025</a:t>
             </a:fld>
             <a:endParaRPr lang="en-US" dirty="0"/>
           </a:p>
@@ -13795,7 +13795,7 @@
             </a:pPr>
             <a:r>
               <a:rPr lang="hu-HU" dirty="0"/>
-              <a:t>Rendelés  </a:t>
+              <a:t>Rendelés/Kosár  </a:t>
             </a:r>
           </a:p>
           <a:p>
@@ -16627,6 +16627,200 @@
                                   </p:childTnLst>
                                 </p:cTn>
                               </p:par>
+                              <p:par>
+                                <p:cTn id="36" presetID="42" presetClass="entr" presetSubtype="0" fill="hold" nodeType="withEffect">
+                                  <p:stCondLst>
+                                    <p:cond delay="0"/>
+                                  </p:stCondLst>
+                                  <p:childTnLst>
+                                    <p:set>
+                                      <p:cBhvr>
+                                        <p:cTn id="37" dur="1" fill="hold">
+                                          <p:stCondLst>
+                                            <p:cond delay="0"/>
+                                          </p:stCondLst>
+                                        </p:cTn>
+                                        <p:tgtEl>
+                                          <p:spTgt spid="6">
+                                            <p:txEl>
+                                              <p:pRg st="2" end="2"/>
+                                            </p:txEl>
+                                          </p:spTgt>
+                                        </p:tgtEl>
+                                        <p:attrNameLst>
+                                          <p:attrName>style.visibility</p:attrName>
+                                        </p:attrNameLst>
+                                      </p:cBhvr>
+                                      <p:to>
+                                        <p:strVal val="visible"/>
+                                      </p:to>
+                                    </p:set>
+                                    <p:animEffect transition="in" filter="fade">
+                                      <p:cBhvr>
+                                        <p:cTn id="38" dur="1000"/>
+                                        <p:tgtEl>
+                                          <p:spTgt spid="6">
+                                            <p:txEl>
+                                              <p:pRg st="2" end="2"/>
+                                            </p:txEl>
+                                          </p:spTgt>
+                                        </p:tgtEl>
+                                      </p:cBhvr>
+                                    </p:animEffect>
+                                    <p:anim calcmode="lin" valueType="num">
+                                      <p:cBhvr>
+                                        <p:cTn id="39" dur="1000" fill="hold"/>
+                                        <p:tgtEl>
+                                          <p:spTgt spid="6">
+                                            <p:txEl>
+                                              <p:pRg st="2" end="2"/>
+                                            </p:txEl>
+                                          </p:spTgt>
+                                        </p:tgtEl>
+                                        <p:attrNameLst>
+                                          <p:attrName>ppt_x</p:attrName>
+                                        </p:attrNameLst>
+                                      </p:cBhvr>
+                                      <p:tavLst>
+                                        <p:tav tm="0">
+                                          <p:val>
+                                            <p:strVal val="#ppt_x"/>
+                                          </p:val>
+                                        </p:tav>
+                                        <p:tav tm="100000">
+                                          <p:val>
+                                            <p:strVal val="#ppt_x"/>
+                                          </p:val>
+                                        </p:tav>
+                                      </p:tavLst>
+                                    </p:anim>
+                                    <p:anim calcmode="lin" valueType="num">
+                                      <p:cBhvr>
+                                        <p:cTn id="40" dur="1000" fill="hold"/>
+                                        <p:tgtEl>
+                                          <p:spTgt spid="6">
+                                            <p:txEl>
+                                              <p:pRg st="2" end="2"/>
+                                            </p:txEl>
+                                          </p:spTgt>
+                                        </p:tgtEl>
+                                        <p:attrNameLst>
+                                          <p:attrName>ppt_y</p:attrName>
+                                        </p:attrNameLst>
+                                      </p:cBhvr>
+                                      <p:tavLst>
+                                        <p:tav tm="0">
+                                          <p:val>
+                                            <p:strVal val="#ppt_y+.1"/>
+                                          </p:val>
+                                        </p:tav>
+                                        <p:tav tm="100000">
+                                          <p:val>
+                                            <p:strVal val="#ppt_y"/>
+                                          </p:val>
+                                        </p:tav>
+                                      </p:tavLst>
+                                    </p:anim>
+                                  </p:childTnLst>
+                                </p:cTn>
+                              </p:par>
+                              <p:par>
+                                <p:cTn id="41" presetID="42" presetClass="entr" presetSubtype="0" fill="hold" nodeType="withEffect">
+                                  <p:stCondLst>
+                                    <p:cond delay="0"/>
+                                  </p:stCondLst>
+                                  <p:childTnLst>
+                                    <p:set>
+                                      <p:cBhvr>
+                                        <p:cTn id="42" dur="1" fill="hold">
+                                          <p:stCondLst>
+                                            <p:cond delay="0"/>
+                                          </p:stCondLst>
+                                        </p:cTn>
+                                        <p:tgtEl>
+                                          <p:spTgt spid="6">
+                                            <p:txEl>
+                                              <p:pRg st="3" end="3"/>
+                                            </p:txEl>
+                                          </p:spTgt>
+                                        </p:tgtEl>
+                                        <p:attrNameLst>
+                                          <p:attrName>style.visibility</p:attrName>
+                                        </p:attrNameLst>
+                                      </p:cBhvr>
+                                      <p:to>
+                                        <p:strVal val="visible"/>
+                                      </p:to>
+                                    </p:set>
+                                    <p:animEffect transition="in" filter="fade">
+                                      <p:cBhvr>
+                                        <p:cTn id="43" dur="1000"/>
+                                        <p:tgtEl>
+                                          <p:spTgt spid="6">
+                                            <p:txEl>
+                                              <p:pRg st="3" end="3"/>
+                                            </p:txEl>
+                                          </p:spTgt>
+                                        </p:tgtEl>
+                                      </p:cBhvr>
+                                    </p:animEffect>
+                                    <p:anim calcmode="lin" valueType="num">
+                                      <p:cBhvr>
+                                        <p:cTn id="44" dur="1000" fill="hold"/>
+                                        <p:tgtEl>
+                                          <p:spTgt spid="6">
+                                            <p:txEl>
+                                              <p:pRg st="3" end="3"/>
+                                            </p:txEl>
+                                          </p:spTgt>
+                                        </p:tgtEl>
+                                        <p:attrNameLst>
+                                          <p:attrName>ppt_x</p:attrName>
+                                        </p:attrNameLst>
+                                      </p:cBhvr>
+                                      <p:tavLst>
+                                        <p:tav tm="0">
+                                          <p:val>
+                                            <p:strVal val="#ppt_x"/>
+                                          </p:val>
+                                        </p:tav>
+                                        <p:tav tm="100000">
+                                          <p:val>
+                                            <p:strVal val="#ppt_x"/>
+                                          </p:val>
+                                        </p:tav>
+                                      </p:tavLst>
+                                    </p:anim>
+                                    <p:anim calcmode="lin" valueType="num">
+                                      <p:cBhvr>
+                                        <p:cTn id="45" dur="1000" fill="hold"/>
+                                        <p:tgtEl>
+                                          <p:spTgt spid="6">
+                                            <p:txEl>
+                                              <p:pRg st="3" end="3"/>
+                                            </p:txEl>
+                                          </p:spTgt>
+                                        </p:tgtEl>
+                                        <p:attrNameLst>
+                                          <p:attrName>ppt_y</p:attrName>
+                                        </p:attrNameLst>
+                                      </p:cBhvr>
+                                      <p:tavLst>
+                                        <p:tav tm="0">
+                                          <p:val>
+                                            <p:strVal val="#ppt_y+.1"/>
+                                          </p:val>
+                                        </p:tav>
+                                        <p:tav tm="100000">
+                                          <p:val>
+                                            <p:strVal val="#ppt_y"/>
+                                          </p:val>
+                                        </p:tav>
+                                      </p:tavLst>
+                                    </p:anim>
+                                  </p:childTnLst>
+                                </p:cTn>
+                              </p:par>
                             </p:childTnLst>
                           </p:cTn>
                         </p:par>
@@ -16792,10 +16986,9 @@
           <a:lstStyle/>
           <a:p>
             <a:r>
-              <a:rPr lang="hu-HU" dirty="0" err="1"/>
-              <a:t>Kviz</a:t>
+              <a:rPr lang="hu-HU" dirty="0"/>
+              <a:t>Kvíz</a:t>
             </a:r>
-            <a:endParaRPr lang="hu-HU" dirty="0"/>
           </a:p>
           <a:p>
             <a:endParaRPr lang="hu-HU" dirty="0"/>

--- a/GypoWinery/GypoWinery.pptx
+++ b/GypoWinery/GypoWinery.pptx
@@ -462,7 +462,7 @@
             <a:fld id="{5923F103-BC34-4FE4-A40E-EDDEECFDA5D0}" type="datetimeFigureOut">
               <a:rPr lang="en-US" dirty="0"/>
               <a:pPr/>
-              <a:t>3/21/2025</a:t>
+              <a:t>3/28/2025</a:t>
             </a:fld>
             <a:endParaRPr lang="en-US" dirty="0"/>
           </a:p>
@@ -1546,7 +1546,7 @@
           <a:p>
             <a:fld id="{923A1CC3-2375-41D4-9E03-427CAF2A4C1A}" type="datetimeFigureOut">
               <a:rPr lang="en-US" dirty="0"/>
-              <a:t>3/21/2025</a:t>
+              <a:t>3/28/2025</a:t>
             </a:fld>
             <a:endParaRPr lang="en-US" dirty="0"/>
           </a:p>
@@ -2522,7 +2522,7 @@
           <a:p>
             <a:fld id="{AFF16868-8199-4C2C-A5B1-63AEE139F88E}" type="datetimeFigureOut">
               <a:rPr lang="en-US" dirty="0"/>
-              <a:t>3/21/2025</a:t>
+              <a:t>3/28/2025</a:t>
             </a:fld>
             <a:endParaRPr lang="en-US" dirty="0"/>
           </a:p>
@@ -3652,7 +3652,7 @@
           <a:p>
             <a:fld id="{AAD9FF7F-6988-44CC-821B-644E70CD2F73}" type="datetimeFigureOut">
               <a:rPr lang="en-US" dirty="0"/>
-              <a:t>3/21/2025</a:t>
+              <a:t>3/28/2025</a:t>
             </a:fld>
             <a:endParaRPr lang="en-US" dirty="0"/>
           </a:p>
@@ -4681,7 +4681,7 @@
           <a:p>
             <a:fld id="{5C12C299-16B2-4475-990D-751901EACC14}" type="datetimeFigureOut">
               <a:rPr lang="en-US" dirty="0"/>
-              <a:t>3/21/2025</a:t>
+              <a:t>3/28/2025</a:t>
             </a:fld>
             <a:endParaRPr lang="en-US" dirty="0"/>
           </a:p>
@@ -5337,7 +5337,7 @@
           <a:p>
             <a:fld id="{9FE86839-B9D8-4651-8783-F325ECE74E65}" type="datetimeFigureOut">
               <a:rPr lang="en-US" dirty="0"/>
-              <a:t>3/21/2025</a:t>
+              <a:t>3/28/2025</a:t>
             </a:fld>
             <a:endParaRPr lang="en-US" dirty="0"/>
           </a:p>
@@ -6194,7 +6194,7 @@
           <a:p>
             <a:fld id="{FD484F64-32F6-45C5-931F-ADC1662401D0}" type="datetimeFigureOut">
               <a:rPr lang="en-US" dirty="0"/>
-              <a:t>3/21/2025</a:t>
+              <a:t>3/28/2025</a:t>
             </a:fld>
             <a:endParaRPr lang="en-US" dirty="0"/>
           </a:p>
@@ -6380,7 +6380,7 @@
           <a:p>
             <a:fld id="{53086D93-FCAC-47E0-A2EE-787E62CA814C}" type="datetimeFigureOut">
               <a:rPr lang="en-US" dirty="0"/>
-              <a:t>3/21/2025</a:t>
+              <a:t>3/28/2025</a:t>
             </a:fld>
             <a:endParaRPr lang="en-US" dirty="0"/>
           </a:p>
@@ -7348,7 +7348,7 @@
           <a:p>
             <a:fld id="{CDA879A6-0FD0-4734-A311-86BFCA472E6E}" type="datetimeFigureOut">
               <a:rPr lang="en-US" dirty="0"/>
-              <a:t>3/21/2025</a:t>
+              <a:t>3/28/2025</a:t>
             </a:fld>
             <a:endParaRPr lang="en-US" dirty="0"/>
           </a:p>
@@ -7555,7 +7555,7 @@
           <a:p>
             <a:fld id="{19C9CA7B-DFD4-44B5-8C60-D14B8CD1FB59}" type="datetimeFigureOut">
               <a:rPr lang="en-US" dirty="0"/>
-              <a:t>3/21/2025</a:t>
+              <a:t>3/28/2025</a:t>
             </a:fld>
             <a:endParaRPr lang="en-US" dirty="0"/>
           </a:p>
@@ -8585,7 +8585,7 @@
           <a:p>
             <a:fld id="{F34E6425-0181-43F2-84FC-787E803FD2F8}" type="datetimeFigureOut">
               <a:rPr lang="en-US" dirty="0"/>
-              <a:t>3/21/2025</a:t>
+              <a:t>3/28/2025</a:t>
             </a:fld>
             <a:endParaRPr lang="en-US" dirty="0"/>
           </a:p>
@@ -8853,7 +8853,7 @@
           <a:p>
             <a:fld id="{3BDB8791-F1B0-41E7-B7FD-A781E65C4266}" type="datetimeFigureOut">
               <a:rPr lang="en-US" dirty="0"/>
-              <a:t>3/21/2025</a:t>
+              <a:t>3/28/2025</a:t>
             </a:fld>
             <a:endParaRPr lang="en-US" dirty="0"/>
           </a:p>
@@ -9259,7 +9259,7 @@
           <a:p>
             <a:fld id="{5FDD63B2-E120-4ED8-B27B-C685F510A5FE}" type="datetimeFigureOut">
               <a:rPr lang="en-US" dirty="0"/>
-              <a:t>3/21/2025</a:t>
+              <a:t>3/28/2025</a:t>
             </a:fld>
             <a:endParaRPr lang="en-US" dirty="0"/>
           </a:p>
@@ -9382,7 +9382,7 @@
           <a:p>
             <a:fld id="{7AA18ACC-A947-437B-A130-35BD54FDF1E9}" type="datetimeFigureOut">
               <a:rPr lang="en-US" dirty="0"/>
-              <a:t>3/21/2025</a:t>
+              <a:t>3/28/2025</a:t>
             </a:fld>
             <a:endParaRPr lang="en-US" dirty="0"/>
           </a:p>
@@ -9473,7 +9473,7 @@
           <a:p>
             <a:fld id="{7C8D7E02-BCB8-4D50-A234-369438C08659}" type="datetimeFigureOut">
               <a:rPr lang="en-US" dirty="0"/>
-              <a:t>3/21/2025</a:t>
+              <a:t>3/28/2025</a:t>
             </a:fld>
             <a:endParaRPr lang="en-US" dirty="0"/>
           </a:p>
@@ -10550,7 +10550,7 @@
           <a:p>
             <a:fld id="{76E86A4C-8E40-4F87-A4F0-01A0687C5742}" type="datetimeFigureOut">
               <a:rPr lang="en-US" dirty="0"/>
-              <a:t>3/21/2025</a:t>
+              <a:t>3/28/2025</a:t>
             </a:fld>
             <a:endParaRPr lang="en-US" dirty="0"/>
           </a:p>
@@ -11654,7 +11654,7 @@
           <a:p>
             <a:fld id="{35E72C73-2D91-4E12-BA25-F0AA0C03599B}" type="datetimeFigureOut">
               <a:rPr lang="en-US" dirty="0"/>
-              <a:t>3/21/2025</a:t>
+              <a:t>3/28/2025</a:t>
             </a:fld>
             <a:endParaRPr lang="en-US" dirty="0"/>
           </a:p>
@@ -12647,7 +12647,7 @@
           <a:p>
             <a:fld id="{2BE451C3-0FF4-47C4-B829-773ADF60F88C}" type="datetimeFigureOut">
               <a:rPr lang="en-US" dirty="0"/>
-              <a:t>3/21/2025</a:t>
+              <a:t>3/28/2025</a:t>
             </a:fld>
             <a:endParaRPr lang="en-US" dirty="0"/>
           </a:p>
@@ -13254,15 +13254,27 @@
           <a:lstStyle/>
           <a:p>
             <a:r>
-              <a:rPr lang="hu-HU" dirty="0"/>
+              <a:rPr lang="hu-HU" dirty="0">
+                <a:solidFill>
+                  <a:schemeClr val="bg1"/>
+                </a:solidFill>
+              </a:rPr>
               <a:t>Majzik Bence András, </a:t>
             </a:r>
             <a:r>
-              <a:rPr lang="hu-HU" dirty="0" err="1"/>
+              <a:rPr lang="hu-HU" dirty="0" err="1">
+                <a:solidFill>
+                  <a:schemeClr val="bg1"/>
+                </a:solidFill>
+              </a:rPr>
               <a:t>Gellértfy</a:t>
             </a:r>
             <a:r>
-              <a:rPr lang="hu-HU" dirty="0"/>
+              <a:rPr lang="hu-HU" dirty="0">
+                <a:solidFill>
+                  <a:schemeClr val="bg1"/>
+                </a:solidFill>
+              </a:rPr>
               <a:t> Tamás Imre, Gábor Bence</a:t>
             </a:r>
           </a:p>
